--- a/GHC Presentation.pptx
+++ b/GHC Presentation.pptx
@@ -450,7 +450,7 @@
           <a:p>
             <a:fld id="{F7AC7CE6-4709-4C55-A268-A4BD54319688}" type="datetimeFigureOut">
               <a:rPr lang="en-US" smtClean="0"/>
-              <a:t>9/21/2018</a:t>
+              <a:t>9/21/18</a:t>
             </a:fld>
             <a:endParaRPr lang="en-US"/>
           </a:p>
@@ -1836,81 +1836,81 @@
           <a:lstStyle/>
           <a:p>
             <a:r>
-              <a:rPr lang="en-US" dirty="0" smtClean="0"/>
+              <a:rPr lang="en-US" dirty="0"/>
               <a:t>Picking up from where Agatha was,</a:t>
             </a:r>
           </a:p>
           <a:p>
             <a:r>
-              <a:rPr lang="en-US" dirty="0" smtClean="0"/>
+              <a:rPr lang="en-US" dirty="0"/>
               <a:t>So far, we have half</a:t>
             </a:r>
             <a:r>
-              <a:rPr lang="en-US" baseline="0" dirty="0" smtClean="0"/>
+              <a:rPr lang="en-US" baseline="0" dirty="0"/>
               <a:t> of our application mapped out</a:t>
             </a:r>
             <a:r>
-              <a:rPr lang="en-US" dirty="0" smtClean="0"/>
+              <a:rPr lang="en-US" dirty="0"/>
               <a:t>.</a:t>
             </a:r>
           </a:p>
           <a:p>
-            <a:endParaRPr lang="en-US" dirty="0" smtClean="0"/>
-          </a:p>
-          <a:p>
-            <a:r>
-              <a:rPr lang="en-US" dirty="0" smtClean="0"/>
+            <a:endParaRPr lang="en-US" dirty="0"/>
+          </a:p>
+          <a:p>
+            <a:r>
+              <a:rPr lang="en-US" dirty="0"/>
               <a:t>Our client is able to access domain</a:t>
             </a:r>
             <a:r>
-              <a:rPr lang="en-US" baseline="0" dirty="0" smtClean="0"/>
+              <a:rPr lang="en-US" baseline="0" dirty="0"/>
               <a:t> name for the scheduler website. </a:t>
             </a:r>
           </a:p>
           <a:p>
             <a:r>
-              <a:rPr lang="en-US" baseline="0" dirty="0" smtClean="0"/>
+              <a:rPr lang="en-US" baseline="0" dirty="0"/>
               <a:t>We have the website code for rendering the page elements in S3. </a:t>
             </a:r>
           </a:p>
           <a:p>
             <a:r>
-              <a:rPr lang="en-US" baseline="0" dirty="0" smtClean="0"/>
+              <a:rPr lang="en-US" baseline="0" dirty="0"/>
               <a:t>And we have the API endpoint that the website code will hit to do things– but do what?</a:t>
             </a:r>
           </a:p>
           <a:p>
-            <a:endParaRPr lang="en-US" baseline="0" dirty="0" smtClean="0"/>
-          </a:p>
-          <a:p>
-            <a:r>
-              <a:rPr lang="en-US" baseline="0" dirty="0" smtClean="0"/>
+            <a:endParaRPr lang="en-US" baseline="0" dirty="0"/>
+          </a:p>
+          <a:p>
+            <a:r>
+              <a:rPr lang="en-US" baseline="0" dirty="0"/>
               <a:t>Well, we are pretty much still missing the backend. </a:t>
             </a:r>
           </a:p>
           <a:p>
             <a:r>
-              <a:rPr lang="en-US" baseline="0" dirty="0" smtClean="0"/>
+              <a:rPr lang="en-US" baseline="0" dirty="0"/>
               <a:t>Click</a:t>
             </a:r>
           </a:p>
           <a:p>
             <a:r>
-              <a:rPr lang="en-US" baseline="0" dirty="0" smtClean="0"/>
+              <a:rPr lang="en-US" baseline="0" dirty="0"/>
               <a:t>We are missing the code</a:t>
             </a:r>
           </a:p>
           <a:p>
             <a:pPr defTabSz="471145"/>
             <a:r>
-              <a:rPr lang="en-US" baseline="0" dirty="0" smtClean="0"/>
+              <a:rPr lang="en-US" baseline="0" dirty="0"/>
               <a:t>Click.</a:t>
             </a:r>
           </a:p>
           <a:p>
             <a:pPr defTabSz="471145"/>
             <a:r>
-              <a:rPr lang="en-US" baseline="0" dirty="0" smtClean="0"/>
+              <a:rPr lang="en-US" baseline="0" dirty="0"/>
               <a:t>We are missing the business logic for our application when the API endpoint is hit</a:t>
             </a:r>
           </a:p>
@@ -1977,10 +1977,9 @@
           <a:lstStyle/>
           <a:p>
             <a:r>
-              <a:rPr lang="en-US" dirty="0" smtClean="0"/>
+              <a:rPr lang="en-US" dirty="0"/>
               <a:t>And for that, we use AWS Lambda</a:t>
             </a:r>
-            <a:endParaRPr lang="en-US" dirty="0"/>
           </a:p>
         </p:txBody>
       </p:sp>
@@ -2047,7 +2046,7 @@
               </a:buClr>
             </a:pPr>
             <a:r>
-              <a:rPr lang="en-US" dirty="0" smtClean="0">
+              <a:rPr lang="en-US" dirty="0">
                 <a:solidFill>
                   <a:srgbClr val="351C35"/>
                 </a:solidFill>
@@ -2055,7 +2054,7 @@
               <a:t>Lambda</a:t>
             </a:r>
             <a:r>
-              <a:rPr lang="en-US" baseline="0" dirty="0" smtClean="0">
+              <a:rPr lang="en-US" baseline="0" dirty="0">
                 <a:solidFill>
                   <a:srgbClr val="351C35"/>
                 </a:solidFill>
@@ -2063,7 +2062,7 @@
               <a:t> l</a:t>
             </a:r>
             <a:r>
-              <a:rPr lang="en-US" dirty="0" smtClean="0">
+              <a:rPr lang="en-US" dirty="0">
                 <a:solidFill>
                   <a:srgbClr val="351C35"/>
                 </a:solidFill>
@@ -2071,7 +2070,7 @@
               <a:t>ets you run your</a:t>
             </a:r>
             <a:r>
-              <a:rPr lang="en-US" baseline="0" dirty="0" smtClean="0">
+              <a:rPr lang="en-US" baseline="0" dirty="0">
                 <a:solidFill>
                   <a:srgbClr val="351C35"/>
                 </a:solidFill>
@@ -2118,14 +2117,10 @@
             </a:pPr>
             <a:r>
               <a:rPr lang="en-US" sz="2300" dirty="0"/>
-              <a:t>	Lambda takes care of everything required to run and scale your </a:t>
-            </a:r>
-            <a:r>
-              <a:rPr lang="en-US" sz="2300" dirty="0" smtClean="0"/>
-              <a:t>code.</a:t>
-            </a:r>
-            <a:r>
-              <a:rPr lang="en-US" sz="2300" baseline="0" dirty="0" smtClean="0"/>
+              <a:t>	Lambda takes care of everything required to run and scale your code.</a:t>
+            </a:r>
+            <a:r>
+              <a:rPr lang="en-US" sz="2300" baseline="0" dirty="0"/>
               <a:t> </a:t>
             </a:r>
             <a:endParaRPr lang="en-US" sz="2300" dirty="0"/>
@@ -2170,7 +2165,7 @@
               <a:rPr lang="en-US" sz="2300" dirty="0"/>
               <a:t>	For example, you can configure your lambda so that uploading a file to S3 can kick off your code. you can even have an Alexa action invoke it</a:t>
             </a:r>
-            <a:endParaRPr lang="en-US" dirty="0" smtClean="0">
+            <a:endParaRPr lang="en-US" dirty="0">
               <a:solidFill>
                 <a:srgbClr val="351C35"/>
               </a:solidFill>
@@ -2183,7 +2178,7 @@
               </a:buClr>
             </a:pPr>
             <a:r>
-              <a:rPr lang="en-US" dirty="0" smtClean="0">
+              <a:rPr lang="en-US" dirty="0">
                 <a:solidFill>
                   <a:srgbClr val="351C35"/>
                 </a:solidFill>
@@ -2191,7 +2186,7 @@
               <a:t>	Essentially</a:t>
             </a:r>
             <a:r>
-              <a:rPr lang="en-US" baseline="0" dirty="0" smtClean="0">
+              <a:rPr lang="en-US" baseline="0" dirty="0">
                 <a:solidFill>
                   <a:srgbClr val="351C35"/>
                 </a:solidFill>
@@ -2199,7 +2194,7 @@
               <a:t> any ch</a:t>
             </a:r>
             <a:r>
-              <a:rPr lang="en-US" dirty="0" smtClean="0">
+              <a:rPr lang="en-US" dirty="0">
                 <a:solidFill>
                   <a:srgbClr val="351C35"/>
                 </a:solidFill>
@@ -2208,7 +2203,7 @@
               <a:t>anges in data,</a:t>
             </a:r>
             <a:r>
-              <a:rPr lang="en-US" baseline="0" dirty="0" smtClean="0">
+              <a:rPr lang="en-US" baseline="0" dirty="0">
                 <a:solidFill>
                   <a:srgbClr val="351C35"/>
                 </a:solidFill>
@@ -2217,7 +2212,7 @@
               <a:t> s</a:t>
             </a:r>
             <a:r>
-              <a:rPr lang="en-US" dirty="0" smtClean="0">
+              <a:rPr lang="en-US" dirty="0">
                 <a:solidFill>
                   <a:srgbClr val="351C35"/>
                 </a:solidFill>
@@ -2225,7 +2220,7 @@
               </a:rPr>
               <a:t>hifts in system state, actions by users can be set up to trigger your function.</a:t>
             </a:r>
-            <a:endParaRPr lang="en-US" dirty="0" smtClean="0">
+            <a:endParaRPr lang="en-US" dirty="0">
               <a:solidFill>
                 <a:srgbClr val="351C35"/>
               </a:solidFill>
@@ -2236,24 +2231,24 @@
               <a:defRPr/>
             </a:pPr>
             <a:r>
-              <a:rPr lang="en-US" dirty="0" smtClean="0"/>
+              <a:rPr lang="en-US" dirty="0"/>
               <a:t>	For our </a:t>
             </a:r>
             <a:r>
-              <a:rPr lang="en-US" baseline="0" dirty="0" smtClean="0"/>
+              <a:rPr lang="en-US" baseline="0" dirty="0"/>
               <a:t>application, we </a:t>
             </a:r>
             <a:r>
-              <a:rPr lang="en-US" dirty="0" smtClean="0"/>
+              <a:rPr lang="en-US" dirty="0"/>
               <a:t>automatically run code in response to HTTP requests via </a:t>
             </a:r>
             <a:r>
-              <a:rPr lang="en-US" dirty="0" smtClean="0">
+              <a:rPr lang="en-US" dirty="0">
                 <a:hlinkClick r:id="rId3"/>
               </a:rPr>
               <a:t>Amazon API Gateway</a:t>
             </a:r>
-            <a:endParaRPr lang="en-US" dirty="0" smtClean="0">
+            <a:endParaRPr lang="en-US" dirty="0">
               <a:solidFill>
                 <a:srgbClr val="351C35"/>
               </a:solidFill>
@@ -2323,11 +2318,11 @@
               <a:defRPr/>
             </a:pPr>
             <a:r>
-              <a:rPr lang="en-US" dirty="0" smtClean="0"/>
+              <a:rPr lang="en-US" dirty="0"/>
               <a:t>Here is what the page will look like</a:t>
             </a:r>
             <a:r>
-              <a:rPr lang="en-US" baseline="0" dirty="0" smtClean="0"/>
+              <a:rPr lang="en-US" baseline="0" dirty="0"/>
               <a:t> when we are setting up our lambda function.</a:t>
             </a:r>
           </a:p>
@@ -2336,79 +2331,71 @@
               <a:defRPr/>
             </a:pPr>
             <a:r>
-              <a:rPr lang="en-US" dirty="0" smtClean="0"/>
+              <a:rPr lang="en-US" dirty="0"/>
               <a:t>-When</a:t>
             </a:r>
             <a:r>
-              <a:rPr lang="en-US" baseline="0" dirty="0" smtClean="0"/>
+              <a:rPr lang="en-US" baseline="0" dirty="0"/>
               <a:t> we create a function from scratch</a:t>
             </a:r>
-            <a:endParaRPr lang="en-US" dirty="0" smtClean="0"/>
-          </a:p>
-          <a:p>
-            <a:r>
-              <a:rPr lang="en-US" dirty="0" smtClean="0"/>
+            <a:endParaRPr lang="en-US" dirty="0"/>
+          </a:p>
+          <a:p>
+            <a:r>
+              <a:rPr lang="en-US" dirty="0"/>
               <a:t>-Name for the function</a:t>
             </a:r>
           </a:p>
           <a:p>
             <a:r>
-              <a:rPr lang="en-US" dirty="0" smtClean="0"/>
+              <a:rPr lang="en-US" dirty="0"/>
               <a:t>-Then we have the runtime environment</a:t>
             </a:r>
           </a:p>
           <a:p>
             <a:r>
-              <a:rPr lang="en-US" dirty="0" smtClean="0"/>
+              <a:rPr lang="en-US" dirty="0"/>
               <a:t>	For our application</a:t>
             </a:r>
             <a:r>
-              <a:rPr lang="en-US" baseline="0" dirty="0" smtClean="0"/>
+              <a:rPr lang="en-US" baseline="0" dirty="0"/>
               <a:t> backend, we will use Node.js, but Lambda supports many others.</a:t>
             </a:r>
-            <a:endParaRPr lang="en-US" dirty="0" smtClean="0"/>
+            <a:endParaRPr lang="en-US" dirty="0"/>
           </a:p>
           <a:p>
             <a:pPr defTabSz="471145"/>
             <a:r>
-              <a:rPr lang="en-US" dirty="0" smtClean="0"/>
+              <a:rPr lang="en-US" dirty="0"/>
               <a:t>-Then, we create or decide</a:t>
             </a:r>
             <a:r>
-              <a:rPr lang="en-US" baseline="0" dirty="0" smtClean="0"/>
+              <a:rPr lang="en-US" baseline="0" dirty="0"/>
               <a:t> on a </a:t>
             </a:r>
             <a:r>
-              <a:rPr lang="en-US" dirty="0" smtClean="0"/>
-              <a:t>role for the function. Specifies the </a:t>
-            </a:r>
-            <a:r>
-              <a:rPr lang="en-US" dirty="0" smtClean="0"/>
-              <a:t>permissions</a:t>
-            </a:r>
-            <a:r>
-              <a:rPr lang="en-US" baseline="0" dirty="0" smtClean="0"/>
-              <a:t> </a:t>
-            </a:r>
-            <a:r>
-              <a:rPr lang="en-US" baseline="0" dirty="0" smtClean="0"/>
-              <a:t>that our Lambda will have to other AWS services. For our application, we need access to the data storage layer and we can allow access to </a:t>
-            </a:r>
-            <a:r>
-              <a:rPr lang="en-US" baseline="0" dirty="0" err="1" smtClean="0"/>
+              <a:rPr lang="en-US" dirty="0"/>
+              <a:t>role for the function. Specifies the permissions</a:t>
+            </a:r>
+            <a:r>
+              <a:rPr lang="en-US" baseline="0" dirty="0"/>
+              <a:t> that our Lambda will have to other AWS services. For our application, we need access to the data storage layer and we can allow access to </a:t>
+            </a:r>
+            <a:r>
+              <a:rPr lang="en-US" baseline="0" dirty="0" err="1"/>
               <a:t>Cloudwatch</a:t>
             </a:r>
             <a:r>
-              <a:rPr lang="en-US" baseline="0" dirty="0" smtClean="0"/>
+              <a:rPr lang="en-US" baseline="0" dirty="0"/>
               <a:t> which enables you to monitor  store logs for your functions</a:t>
             </a:r>
           </a:p>
           <a:p>
-            <a:endParaRPr lang="en-US" baseline="0" dirty="0" smtClean="0"/>
-          </a:p>
-          <a:p>
-            <a:r>
-              <a:rPr lang="en-US" dirty="0" smtClean="0"/>
+            <a:endParaRPr lang="en-US" baseline="0" dirty="0"/>
+          </a:p>
+          <a:p>
+            <a:r>
+              <a:rPr lang="en-US" dirty="0"/>
               <a:t>Click Create Function</a:t>
             </a:r>
           </a:p>
@@ -2480,7 +2467,7 @@
               </a:buClr>
             </a:pPr>
             <a:r>
-              <a:rPr lang="en-US" dirty="0" smtClean="0"/>
+              <a:rPr lang="en-US" dirty="0"/>
               <a:t>Once the function is created, we have this dashboard.</a:t>
             </a:r>
           </a:p>
@@ -2491,19 +2478,19 @@
               </a:buClr>
             </a:pPr>
             <a:r>
-              <a:rPr lang="en-US" dirty="0" smtClean="0"/>
+              <a:rPr lang="en-US" dirty="0"/>
               <a:t>-left side- triggers, we</a:t>
             </a:r>
             <a:r>
-              <a:rPr lang="en-US" baseline="0" dirty="0" smtClean="0"/>
+              <a:rPr lang="en-US" baseline="0" dirty="0"/>
               <a:t> have not set up from where the code gets invoked.</a:t>
             </a:r>
             <a:r>
-              <a:rPr lang="en-US" dirty="0" smtClean="0"/>
+              <a:rPr lang="en-US" dirty="0"/>
               <a:t> right side- list of services that the</a:t>
             </a:r>
             <a:r>
-              <a:rPr lang="en-US" baseline="0" dirty="0" smtClean="0"/>
+              <a:rPr lang="en-US" baseline="0" dirty="0"/>
               <a:t> lambda has access to.</a:t>
             </a:r>
           </a:p>
@@ -2513,7 +2500,7 @@
                 <a:srgbClr val="96318A"/>
               </a:buClr>
             </a:pPr>
-            <a:endParaRPr lang="en-US" dirty="0" smtClean="0"/>
+            <a:endParaRPr lang="en-US" dirty="0"/>
           </a:p>
           <a:p>
             <a:pPr lvl="3" indent="0">
@@ -2522,14 +2509,14 @@
               </a:buClr>
             </a:pPr>
             <a:r>
-              <a:rPr lang="en-US" dirty="0" smtClean="0"/>
+              <a:rPr lang="en-US" dirty="0"/>
               <a:t>To summarize, when it comes to setting</a:t>
             </a:r>
             <a:r>
-              <a:rPr lang="en-US" baseline="0" dirty="0" smtClean="0"/>
+              <a:rPr lang="en-US" baseline="0" dirty="0"/>
               <a:t> up your application to use lambdas</a:t>
             </a:r>
-            <a:endParaRPr lang="en-US" dirty="0" smtClean="0"/>
+            <a:endParaRPr lang="en-US" dirty="0"/>
           </a:p>
           <a:p>
             <a:pPr lvl="5" indent="0">
@@ -2538,11 +2525,11 @@
               </a:buClr>
             </a:pPr>
             <a:r>
-              <a:rPr lang="en-US" dirty="0" smtClean="0"/>
+              <a:rPr lang="en-US" dirty="0"/>
               <a:t>	authoring code &amp; deploying code to AWS Lambda, set up triggers to execute</a:t>
             </a:r>
             <a:r>
-              <a:rPr lang="en-US" baseline="0" dirty="0" smtClean="0"/>
+              <a:rPr lang="en-US" baseline="0" dirty="0"/>
               <a:t> the code </a:t>
             </a:r>
           </a:p>
@@ -2553,7 +2540,7 @@
               </a:buClr>
             </a:pPr>
             <a:r>
-              <a:rPr lang="en-US" strike="noStrike" baseline="0" dirty="0" smtClean="0"/>
+              <a:rPr lang="en-US" strike="noStrike" baseline="0" dirty="0"/>
               <a:t>	</a:t>
             </a:r>
           </a:p>
@@ -2564,10 +2551,10 @@
               </a:buClr>
             </a:pPr>
             <a:r>
-              <a:rPr lang="en-US" dirty="0" smtClean="0"/>
+              <a:rPr lang="en-US" dirty="0"/>
               <a:t>That’s all. Lambda takes care of the rest. </a:t>
             </a:r>
-            <a:endParaRPr lang="en-US" strike="sngStrike" baseline="0" dirty="0" smtClean="0"/>
+            <a:endParaRPr lang="en-US" strike="sngStrike" baseline="0" dirty="0"/>
           </a:p>
         </p:txBody>
       </p:sp>
@@ -2629,10 +2616,9 @@
           <a:lstStyle/>
           <a:p>
             <a:r>
-              <a:rPr lang="en-US" dirty="0" smtClean="0"/>
+              <a:rPr lang="en-US" dirty="0"/>
               <a:t>So, let’s move on</a:t>
             </a:r>
-            <a:endParaRPr lang="en-US" dirty="0"/>
           </a:p>
         </p:txBody>
       </p:sp>
@@ -2694,71 +2680,71 @@
           <a:lstStyle/>
           <a:p>
             <a:r>
-              <a:rPr lang="en-US" dirty="0" smtClean="0"/>
+              <a:rPr lang="en-US" dirty="0"/>
               <a:t>So now, we have this architecture.</a:t>
             </a:r>
           </a:p>
           <a:p>
-            <a:endParaRPr lang="en-US" dirty="0" smtClean="0"/>
-          </a:p>
-          <a:p>
-            <a:r>
-              <a:rPr lang="en-US" dirty="0" smtClean="0"/>
+            <a:endParaRPr lang="en-US" dirty="0"/>
+          </a:p>
+          <a:p>
+            <a:r>
+              <a:rPr lang="en-US" dirty="0"/>
               <a:t>We have-</a:t>
             </a:r>
           </a:p>
           <a:p>
             <a:r>
-              <a:rPr lang="en-US" dirty="0" smtClean="0"/>
+              <a:rPr lang="en-US" dirty="0"/>
               <a:t>Functions to get content for the site for rendering, </a:t>
             </a:r>
           </a:p>
           <a:p>
             <a:r>
-              <a:rPr lang="en-US" dirty="0" smtClean="0"/>
+              <a:rPr lang="en-US" dirty="0"/>
               <a:t>Functions that update content as you rearrange</a:t>
             </a:r>
             <a:r>
-              <a:rPr lang="en-US" baseline="0" dirty="0" smtClean="0"/>
+              <a:rPr lang="en-US" baseline="0" dirty="0"/>
               <a:t> events on your application</a:t>
             </a:r>
           </a:p>
           <a:p>
             <a:r>
-              <a:rPr lang="en-US" baseline="0" dirty="0" smtClean="0"/>
+              <a:rPr lang="en-US" baseline="0" dirty="0"/>
               <a:t>Functions to return the data</a:t>
             </a:r>
           </a:p>
           <a:p>
-            <a:endParaRPr lang="en-US" baseline="0" dirty="0" smtClean="0"/>
-          </a:p>
-          <a:p>
-            <a:r>
-              <a:rPr lang="en-US" baseline="0" dirty="0" smtClean="0"/>
+            <a:endParaRPr lang="en-US" baseline="0" dirty="0"/>
+          </a:p>
+          <a:p>
+            <a:r>
+              <a:rPr lang="en-US" baseline="0" dirty="0"/>
               <a:t>But are we missing?</a:t>
             </a:r>
           </a:p>
           <a:p>
             <a:r>
-              <a:rPr lang="en-US" baseline="0" dirty="0" smtClean="0"/>
+              <a:rPr lang="en-US" baseline="0" dirty="0"/>
               <a:t>-Something important</a:t>
             </a:r>
           </a:p>
           <a:p>
             <a:r>
-              <a:rPr lang="en-US" baseline="0" dirty="0" smtClean="0"/>
+              <a:rPr lang="en-US" baseline="0" dirty="0"/>
               <a:t>We’re missing the actual session information and we’re missing the data storage for it.</a:t>
             </a:r>
           </a:p>
           <a:p>
             <a:r>
-              <a:rPr lang="en-US" baseline="0" dirty="0" smtClean="0"/>
+              <a:rPr lang="en-US" baseline="0" dirty="0"/>
               <a:t>-</a:t>
             </a:r>
           </a:p>
           <a:p>
             <a:r>
-              <a:rPr lang="en-US" baseline="0" dirty="0" smtClean="0"/>
+              <a:rPr lang="en-US" baseline="0" dirty="0"/>
               <a:t>So, we need a data storage to hold all the data</a:t>
             </a:r>
             <a:endParaRPr lang="en-US" dirty="0"/>
@@ -2823,15 +2809,15 @@
           <a:lstStyle/>
           <a:p>
             <a:r>
-              <a:rPr lang="en-US" dirty="0" smtClean="0"/>
+              <a:rPr lang="en-US" dirty="0"/>
               <a:t>For this, we use Amazon</a:t>
             </a:r>
             <a:r>
-              <a:rPr lang="en-US" baseline="0" dirty="0" smtClean="0"/>
+              <a:rPr lang="en-US" baseline="0" dirty="0"/>
               <a:t> </a:t>
             </a:r>
             <a:r>
-              <a:rPr lang="en-US" baseline="0" dirty="0" err="1" smtClean="0"/>
+              <a:rPr lang="en-US" baseline="0" dirty="0" err="1"/>
               <a:t>DynamoDB</a:t>
             </a:r>
             <a:endParaRPr lang="en-US" dirty="0"/>
@@ -2899,15 +2885,15 @@
               <a:defRPr/>
             </a:pPr>
             <a:r>
-              <a:rPr lang="en-US" dirty="0" smtClean="0"/>
+              <a:rPr lang="en-US" dirty="0"/>
               <a:t>What is </a:t>
             </a:r>
             <a:r>
-              <a:rPr lang="en-US" dirty="0" err="1" smtClean="0"/>
+              <a:rPr lang="en-US" dirty="0" err="1"/>
               <a:t>DynamoDB</a:t>
             </a:r>
             <a:r>
-              <a:rPr lang="en-US" dirty="0" smtClean="0"/>
+              <a:rPr lang="en-US" dirty="0"/>
               <a:t>?</a:t>
             </a:r>
           </a:p>
@@ -2915,28 +2901,28 @@
             <a:pPr defTabSz="471145">
               <a:defRPr/>
             </a:pPr>
-            <a:endParaRPr lang="en-US" dirty="0" smtClean="0"/>
+            <a:endParaRPr lang="en-US" dirty="0"/>
           </a:p>
           <a:p>
             <a:pPr defTabSz="471145">
               <a:defRPr/>
             </a:pPr>
             <a:r>
-              <a:rPr lang="en-US" dirty="0" smtClean="0">
+              <a:rPr lang="en-US" dirty="0">
                 <a:solidFill>
                   <a:srgbClr val="351C35"/>
                 </a:solidFill>
               </a:rPr>
               <a:t>A non-relational database that delivers reliable performance at any scale</a:t>
             </a:r>
-            <a:endParaRPr lang="en-US" dirty="0" smtClean="0"/>
+            <a:endParaRPr lang="en-US" dirty="0"/>
           </a:p>
           <a:p>
             <a:pPr defTabSz="471145">
               <a:defRPr/>
             </a:pPr>
             <a:r>
-              <a:rPr lang="en-US" baseline="0" dirty="0" smtClean="0"/>
+              <a:rPr lang="en-US" baseline="0" dirty="0"/>
               <a:t>	– let’s unpack that a bit</a:t>
             </a:r>
           </a:p>
@@ -2944,14 +2930,14 @@
             <a:pPr defTabSz="471145">
               <a:defRPr/>
             </a:pPr>
-            <a:endParaRPr lang="en-US" dirty="0" smtClean="0"/>
+            <a:endParaRPr lang="en-US" dirty="0"/>
           </a:p>
           <a:p>
             <a:pPr defTabSz="471145">
               <a:defRPr/>
             </a:pPr>
             <a:r>
-              <a:rPr lang="en-US" dirty="0" smtClean="0"/>
+              <a:rPr lang="en-US" dirty="0"/>
               <a:t>Non-relational database</a:t>
             </a:r>
           </a:p>
@@ -2960,32 +2946,24 @@
               <a:defRPr/>
             </a:pPr>
             <a:r>
-              <a:rPr lang="en-US" dirty="0" smtClean="0"/>
+              <a:rPr lang="en-US" dirty="0"/>
               <a:t>	Non-relational or</a:t>
             </a:r>
             <a:r>
-              <a:rPr lang="en-US" baseline="0" dirty="0" smtClean="0"/>
+              <a:rPr lang="en-US" baseline="0" dirty="0"/>
               <a:t> </a:t>
             </a:r>
             <a:r>
-              <a:rPr lang="en-US" baseline="0" dirty="0" err="1" smtClean="0"/>
+              <a:rPr lang="en-US" baseline="0" dirty="0" err="1"/>
               <a:t>NoSql</a:t>
             </a:r>
             <a:r>
-              <a:rPr lang="en-US" baseline="0" dirty="0" smtClean="0"/>
+              <a:rPr lang="en-US" baseline="0" dirty="0"/>
               <a:t> </a:t>
             </a:r>
             <a:r>
-              <a:rPr lang="en-US" dirty="0" smtClean="0"/>
-              <a:t>databases </a:t>
-            </a:r>
-            <a:r>
-              <a:rPr lang="en-US" dirty="0" smtClean="0"/>
-              <a:t>offer flexible schema </a:t>
-            </a:r>
-            <a:r>
-              <a:rPr lang="en-US" dirty="0" smtClean="0"/>
-              <a:t>design. </a:t>
+              <a:rPr lang="en-US" dirty="0"/>
+              <a:t>databases offer flexible schema design. </a:t>
             </a:r>
           </a:p>
           <a:p>
@@ -2993,7 +2971,7 @@
               <a:defRPr/>
             </a:pPr>
             <a:r>
-              <a:rPr lang="en-US" strike="noStrike" dirty="0" smtClean="0">
+              <a:rPr lang="en-US" strike="noStrike" dirty="0">
                 <a:solidFill>
                   <a:srgbClr val="351C35"/>
                 </a:solidFill>
@@ -3001,7 +2979,7 @@
               <a:t>	Unlike RDBs,</a:t>
             </a:r>
             <a:r>
-              <a:rPr lang="en-US" strike="noStrike" baseline="0" dirty="0" smtClean="0">
+              <a:rPr lang="en-US" strike="noStrike" baseline="0" dirty="0">
                 <a:solidFill>
                   <a:srgbClr val="351C35"/>
                 </a:solidFill>
@@ -3016,7 +2994,7 @@
               <a:rPr lang="en-US" sz="2300" strike="sngStrike" dirty="0"/>
               <a:t>This allows for the most common and important queries to be as fast and as inexpensive as possible.  </a:t>
             </a:r>
-            <a:endParaRPr lang="en-US" strike="sngStrike" dirty="0" smtClean="0">
+            <a:endParaRPr lang="en-US" strike="sngStrike" dirty="0">
               <a:solidFill>
                 <a:srgbClr val="351C35"/>
               </a:solidFill>
@@ -3026,7 +3004,7 @@
             <a:pPr defTabSz="471145">
               <a:defRPr/>
             </a:pPr>
-            <a:endParaRPr lang="en-US" strike="sngStrike" dirty="0" smtClean="0">
+            <a:endParaRPr lang="en-US" strike="sngStrike" dirty="0">
               <a:solidFill>
                 <a:srgbClr val="351C35"/>
               </a:solidFill>
@@ -3037,7 +3015,7 @@
               <a:defRPr/>
             </a:pPr>
             <a:r>
-              <a:rPr lang="en-US" dirty="0" smtClean="0">
+              <a:rPr lang="en-US" dirty="0">
                 <a:solidFill>
                   <a:srgbClr val="351C35"/>
                 </a:solidFill>
@@ -3045,7 +3023,7 @@
               <a:t>Reliable</a:t>
             </a:r>
             <a:r>
-              <a:rPr lang="en-US" baseline="0" dirty="0" smtClean="0">
+              <a:rPr lang="en-US" baseline="0" dirty="0">
                 <a:solidFill>
                   <a:srgbClr val="351C35"/>
                 </a:solidFill>
@@ -3058,7 +3036,7 @@
               <a:defRPr/>
             </a:pPr>
             <a:r>
-              <a:rPr lang="en-US" baseline="0" dirty="0" smtClean="0">
+              <a:rPr lang="en-US" baseline="0" dirty="0">
                 <a:solidFill>
                   <a:srgbClr val="351C35"/>
                 </a:solidFill>
@@ -3066,7 +3044,7 @@
               <a:t>  </a:t>
             </a:r>
             <a:r>
-              <a:rPr lang="en-US" baseline="0" dirty="0" smtClean="0">
+              <a:rPr lang="en-US" baseline="0" dirty="0">
                 <a:solidFill>
                   <a:sysClr val="windowText" lastClr="000000"/>
                 </a:solidFill>
@@ -3091,7 +3069,7 @@
               <a:t>G</a:t>
             </a:r>
             <a:r>
-              <a:rPr lang="en-US" dirty="0" smtClean="0">
+              <a:rPr lang="en-US" dirty="0">
                 <a:solidFill>
                   <a:srgbClr val="351C35"/>
                 </a:solidFill>
@@ -3099,7 +3077,7 @@
               <a:t>uaranteed availability</a:t>
             </a:r>
             <a:r>
-              <a:rPr lang="en-US" baseline="0" dirty="0" smtClean="0">
+              <a:rPr lang="en-US" baseline="0" dirty="0">
                 <a:solidFill>
                   <a:srgbClr val="351C35"/>
                 </a:solidFill>
@@ -3107,7 +3085,7 @@
               <a:t> </a:t>
             </a:r>
             <a:r>
-              <a:rPr lang="en-US" dirty="0" smtClean="0">
+              <a:rPr lang="en-US" dirty="0">
                 <a:solidFill>
                   <a:srgbClr val="351C35"/>
                 </a:solidFill>
@@ -3158,7 +3136,7 @@
               <a:t>	</a:t>
             </a:r>
             <a:r>
-              <a:rPr lang="en-US" dirty="0" smtClean="0">
+              <a:rPr lang="en-US" dirty="0">
                 <a:solidFill>
                   <a:srgbClr val="351C35"/>
                 </a:solidFill>
@@ -3166,7 +3144,7 @@
               <a:t>uses key-value data structures that scale easily</a:t>
             </a:r>
             <a:r>
-              <a:rPr lang="en-US" baseline="0" dirty="0" smtClean="0">
+              <a:rPr lang="en-US" baseline="0" dirty="0">
                 <a:solidFill>
                   <a:srgbClr val="351C35"/>
                 </a:solidFill>
@@ -3179,7 +3157,7 @@
             </a:r>
           </a:p>
           <a:p>
-            <a:endParaRPr lang="en-US" dirty="0" smtClean="0"/>
+            <a:endParaRPr lang="en-US" dirty="0"/>
           </a:p>
           <a:p>
             <a:pPr lvl="3" indent="0" defTabSz="471145">
@@ -3189,7 +3167,7 @@
               <a:defRPr/>
             </a:pPr>
             <a:r>
-              <a:rPr lang="en-US" dirty="0" smtClean="0">
+              <a:rPr lang="en-US" dirty="0">
                 <a:solidFill>
                   <a:srgbClr val="351C35"/>
                 </a:solidFill>
@@ -3205,26 +3183,13 @@
               <a:defRPr/>
             </a:pPr>
             <a:r>
-              <a:rPr lang="en-US" dirty="0" smtClean="0">
-                <a:solidFill>
-                  <a:srgbClr val="351C35"/>
-                </a:solidFill>
-              </a:rPr>
-              <a:t>	Data </a:t>
-            </a:r>
-            <a:r>
               <a:rPr lang="en-US" dirty="0">
                 <a:solidFill>
                   <a:srgbClr val="351C35"/>
                 </a:solidFill>
               </a:rPr>
-              <a:t>is secured with encryption </a:t>
-            </a:r>
-            <a:endParaRPr lang="en-US" dirty="0" smtClean="0">
-              <a:solidFill>
-                <a:srgbClr val="351C35"/>
-              </a:solidFill>
-            </a:endParaRPr>
+              <a:t>	Data is secured with encryption </a:t>
+            </a:r>
           </a:p>
           <a:p>
             <a:pPr lvl="3" indent="0" defTabSz="471145">
@@ -3234,7 +3199,7 @@
               <a:defRPr/>
             </a:pPr>
             <a:r>
-              <a:rPr lang="en-US" dirty="0" smtClean="0">
+              <a:rPr lang="en-US" dirty="0">
                 <a:solidFill>
                   <a:srgbClr val="351C35"/>
                 </a:solidFill>
@@ -3242,7 +3207,7 @@
               <a:t>	continuously backs up your data for protection. When enabled, </a:t>
             </a:r>
             <a:r>
-              <a:rPr lang="en-US" dirty="0" err="1" smtClean="0">
+              <a:rPr lang="en-US" dirty="0" err="1">
                 <a:solidFill>
                   <a:srgbClr val="351C35"/>
                 </a:solidFill>
@@ -3250,14 +3215,14 @@
               <a:t>DynamoDB</a:t>
             </a:r>
             <a:r>
-              <a:rPr lang="en-US" dirty="0" smtClean="0">
+              <a:rPr lang="en-US" dirty="0">
                 <a:solidFill>
                   <a:srgbClr val="351C35"/>
                 </a:solidFill>
               </a:rPr>
               <a:t> maintains incremental backups of your table for the last 35 days until you explicitly turn it of</a:t>
             </a:r>
-            <a:endParaRPr lang="en-US" baseline="0" dirty="0" smtClean="0">
+            <a:endParaRPr lang="en-US" baseline="0" dirty="0">
               <a:solidFill>
                 <a:srgbClr val="351C35"/>
               </a:solidFill>
@@ -3271,7 +3236,7 @@
               <a:defRPr/>
             </a:pPr>
             <a:r>
-              <a:rPr lang="en-US" baseline="0" dirty="0" smtClean="0">
+              <a:rPr lang="en-US" baseline="0" dirty="0">
                 <a:solidFill>
                   <a:srgbClr val="351C35"/>
                 </a:solidFill>
@@ -3279,7 +3244,7 @@
               <a:t>	t</a:t>
             </a:r>
             <a:r>
-              <a:rPr lang="en-US" dirty="0" smtClean="0">
+              <a:rPr lang="en-US" dirty="0">
                 <a:solidFill>
                   <a:srgbClr val="351C35"/>
                 </a:solidFill>
@@ -3287,7 +3252,7 @@
               <a:t>here is also in-memory caching</a:t>
             </a:r>
             <a:r>
-              <a:rPr lang="en-US" baseline="0" dirty="0" smtClean="0">
+              <a:rPr lang="en-US" baseline="0" dirty="0">
                 <a:solidFill>
                   <a:srgbClr val="351C35"/>
                 </a:solidFill>
@@ -3303,7 +3268,7 @@
               <a:defRPr/>
             </a:pPr>
             <a:r>
-              <a:rPr lang="en-US" baseline="0" dirty="0" smtClean="0">
+              <a:rPr lang="en-US" baseline="0" dirty="0">
                 <a:solidFill>
                   <a:srgbClr val="351C35"/>
                 </a:solidFill>
@@ -3311,7 +3276,7 @@
               <a:t>	</a:t>
             </a:r>
             <a:r>
-              <a:rPr lang="en-US" baseline="0" dirty="0" err="1" smtClean="0">
+              <a:rPr lang="en-US" baseline="0" dirty="0" err="1">
                 <a:solidFill>
                   <a:srgbClr val="351C35"/>
                 </a:solidFill>
@@ -3319,7 +3284,7 @@
               <a:t>DynamoDB</a:t>
             </a:r>
             <a:r>
-              <a:rPr lang="en-US" baseline="0" dirty="0" smtClean="0">
+              <a:rPr lang="en-US" baseline="0" dirty="0">
                 <a:solidFill>
                   <a:srgbClr val="351C35"/>
                 </a:solidFill>
@@ -3481,7 +3446,7 @@
               <a:t>To address this, you can create one or more secondary indexes on a table, and issue </a:t>
             </a:r>
             <a:r>
-              <a:rPr lang="en-US" dirty="0" smtClean="0"/>
+              <a:rPr lang="en-US" dirty="0"/>
               <a:t>Query</a:t>
             </a:r>
             <a:r>
@@ -3489,7 +3454,7 @@
               <a:t> or </a:t>
             </a:r>
             <a:r>
-              <a:rPr lang="en-US" dirty="0" smtClean="0"/>
+              <a:rPr lang="en-US" dirty="0"/>
               <a:t>Scan</a:t>
             </a:r>
             <a:r>
@@ -3557,38 +3522,38 @@
           <a:lstStyle/>
           <a:p>
             <a:r>
-              <a:rPr lang="en-US" dirty="0" smtClean="0"/>
+              <a:rPr lang="en-US" dirty="0"/>
               <a:t>What’s next?</a:t>
             </a:r>
           </a:p>
           <a:p>
-            <a:endParaRPr lang="en-US" dirty="0" smtClean="0"/>
-          </a:p>
-          <a:p>
-            <a:r>
-              <a:rPr lang="en-US" dirty="0" smtClean="0"/>
+            <a:endParaRPr lang="en-US" dirty="0"/>
+          </a:p>
+          <a:p>
+            <a:r>
+              <a:rPr lang="en-US" dirty="0"/>
               <a:t>Well, you have the essentials for your application</a:t>
             </a:r>
             <a:r>
-              <a:rPr lang="en-US" baseline="0" dirty="0" smtClean="0"/>
+              <a:rPr lang="en-US" baseline="0" dirty="0"/>
               <a:t> all here. But what about authentication?</a:t>
             </a:r>
           </a:p>
           <a:p>
             <a:r>
-              <a:rPr lang="en-US" baseline="0" dirty="0" smtClean="0"/>
+              <a:rPr lang="en-US" baseline="0" dirty="0"/>
               <a:t>-</a:t>
             </a:r>
           </a:p>
           <a:p>
             <a:r>
-              <a:rPr lang="en-US" baseline="0" dirty="0" smtClean="0"/>
+              <a:rPr lang="en-US" baseline="0" dirty="0"/>
               <a:t>What if we wanted to control our application such that only certain users can access it?</a:t>
             </a:r>
           </a:p>
           <a:p>
             <a:r>
-              <a:rPr lang="en-US" baseline="0" dirty="0" smtClean="0"/>
+              <a:rPr lang="en-US" baseline="0" dirty="0"/>
               <a:t>-</a:t>
             </a:r>
             <a:endParaRPr lang="en-US" dirty="0"/>
@@ -3653,67 +3618,67 @@
           <a:lstStyle/>
           <a:p>
             <a:r>
-              <a:rPr lang="en-US" dirty="0" smtClean="0"/>
+              <a:rPr lang="en-US" dirty="0"/>
               <a:t>For that we can use Amazon </a:t>
             </a:r>
             <a:r>
-              <a:rPr lang="en-US" dirty="0" err="1" smtClean="0"/>
+              <a:rPr lang="en-US" dirty="0" err="1"/>
               <a:t>Cognito</a:t>
             </a:r>
             <a:r>
-              <a:rPr lang="en-US" dirty="0" smtClean="0"/>
+              <a:rPr lang="en-US" dirty="0"/>
               <a:t>.</a:t>
             </a:r>
           </a:p>
           <a:p>
-            <a:endParaRPr lang="en-US" baseline="0" dirty="0" smtClean="0"/>
-          </a:p>
-          <a:p>
-            <a:r>
-              <a:rPr lang="en-US" baseline="0" dirty="0" smtClean="0"/>
+            <a:endParaRPr lang="en-US" baseline="0" dirty="0"/>
+          </a:p>
+          <a:p>
+            <a:r>
+              <a:rPr lang="en-US" baseline="0" dirty="0"/>
               <a:t>Amazon </a:t>
             </a:r>
             <a:r>
-              <a:rPr lang="en-US" baseline="0" dirty="0" err="1" smtClean="0"/>
+              <a:rPr lang="en-US" baseline="0" dirty="0" err="1"/>
               <a:t>Cognito</a:t>
             </a:r>
             <a:r>
-              <a:rPr lang="en-US" baseline="0" dirty="0" smtClean="0"/>
+              <a:rPr lang="en-US" baseline="0" dirty="0"/>
               <a:t> allows you to specify user access to parts of the application or the whole thing in general</a:t>
             </a:r>
           </a:p>
           <a:p>
-            <a:endParaRPr lang="en-US" baseline="0" dirty="0" smtClean="0"/>
-          </a:p>
-          <a:p>
-            <a:r>
-              <a:rPr lang="en-US" baseline="0" dirty="0" smtClean="0"/>
+            <a:endParaRPr lang="en-US" baseline="0" dirty="0"/>
+          </a:p>
+          <a:p>
+            <a:r>
+              <a:rPr lang="en-US" baseline="0" dirty="0"/>
               <a:t>STS – Security Token Service (optional)</a:t>
             </a:r>
           </a:p>
           <a:p>
-            <a:endParaRPr lang="en-US" dirty="0" smtClean="0"/>
-          </a:p>
-          <a:p>
-            <a:r>
-              <a:rPr lang="en-US" dirty="0" smtClean="0"/>
+            <a:endParaRPr lang="en-US" dirty="0"/>
+          </a:p>
+          <a:p>
+            <a:r>
+              <a:rPr lang="en-US" dirty="0"/>
               <a:t>This is ideally,</a:t>
             </a:r>
             <a:r>
-              <a:rPr lang="en-US" baseline="0" dirty="0" smtClean="0"/>
+              <a:rPr lang="en-US" baseline="0" dirty="0"/>
               <a:t> what the architecture of a </a:t>
             </a:r>
             <a:r>
-              <a:rPr lang="en-US" baseline="0" dirty="0" err="1" smtClean="0"/>
+              <a:rPr lang="en-US" baseline="0" dirty="0" err="1"/>
               <a:t>serverless</a:t>
             </a:r>
             <a:r>
-              <a:rPr lang="en-US" baseline="0" dirty="0" smtClean="0"/>
+              <a:rPr lang="en-US" baseline="0" dirty="0"/>
               <a:t> application on AWS would look like.</a:t>
             </a:r>
           </a:p>
           <a:p>
-            <a:endParaRPr lang="en-US" baseline="0" dirty="0" smtClean="0"/>
+            <a:endParaRPr lang="en-US" baseline="0" dirty="0"/>
           </a:p>
           <a:p>
             <a:endParaRPr lang="en-US" dirty="0"/>
@@ -3842,11 +3807,11 @@
           <a:lstStyle/>
           <a:p>
             <a:r>
-              <a:rPr lang="en-US" dirty="0" smtClean="0"/>
+              <a:rPr lang="en-US" dirty="0"/>
               <a:t>Let’s jump right</a:t>
             </a:r>
             <a:r>
-              <a:rPr lang="en-US" baseline="0" dirty="0" smtClean="0"/>
+              <a:rPr lang="en-US" baseline="0" dirty="0"/>
               <a:t> in. Let’s get hands-on</a:t>
             </a:r>
             <a:endParaRPr lang="en-US" dirty="0"/>
@@ -3911,53 +3876,53 @@
           <a:lstStyle/>
           <a:p>
             <a:r>
-              <a:rPr lang="en-US" dirty="0" smtClean="0"/>
+              <a:rPr lang="en-US" dirty="0"/>
               <a:t>Each</a:t>
             </a:r>
             <a:r>
-              <a:rPr lang="en-US" baseline="0" dirty="0" smtClean="0"/>
+              <a:rPr lang="en-US" baseline="0" dirty="0"/>
               <a:t> person will build their own GHC Scheduler application. </a:t>
             </a:r>
             <a:r>
-              <a:rPr lang="en-US" dirty="0" smtClean="0"/>
+              <a:rPr lang="en-US" dirty="0"/>
               <a:t>We</a:t>
             </a:r>
             <a:r>
-              <a:rPr lang="en-US" baseline="0" dirty="0" smtClean="0"/>
+              <a:rPr lang="en-US" baseline="0" dirty="0"/>
               <a:t> have provided soft copies of worksheets with the directions for building your </a:t>
             </a:r>
             <a:r>
-              <a:rPr lang="en-US" baseline="0" dirty="0" err="1" smtClean="0"/>
+              <a:rPr lang="en-US" baseline="0" dirty="0" err="1"/>
               <a:t>serverless</a:t>
             </a:r>
             <a:r>
-              <a:rPr lang="en-US" baseline="0" dirty="0" smtClean="0"/>
+              <a:rPr lang="en-US" baseline="0" dirty="0"/>
               <a:t> applications. The link is here. Volunteers with the Amazon shirt or a name tag will be walking around to assist with any questions that you may have as you create your application.</a:t>
             </a:r>
           </a:p>
           <a:p>
-            <a:endParaRPr lang="en-US" baseline="0" dirty="0" smtClean="0"/>
-          </a:p>
-          <a:p>
-            <a:r>
-              <a:rPr lang="en-US" baseline="0" dirty="0" smtClean="0"/>
+            <a:endParaRPr lang="en-US" baseline="0" dirty="0"/>
+          </a:p>
+          <a:p>
+            <a:r>
+              <a:rPr lang="en-US" baseline="0" dirty="0"/>
               <a:t>Agatha and I will also be walking around to assist. </a:t>
             </a:r>
             <a:r>
-              <a:rPr lang="en-US" dirty="0" smtClean="0"/>
+              <a:rPr lang="en-US" dirty="0"/>
               <a:t>We will save 10 minutes for questions you would like to ask any questions in the open forum</a:t>
             </a:r>
             <a:r>
-              <a:rPr lang="en-US" baseline="0" dirty="0" smtClean="0"/>
+              <a:rPr lang="en-US" baseline="0" dirty="0"/>
               <a:t>. </a:t>
             </a:r>
           </a:p>
           <a:p>
-            <a:endParaRPr lang="en-US" baseline="0" dirty="0" smtClean="0"/>
-          </a:p>
-          <a:p>
-            <a:r>
-              <a:rPr lang="en-US" baseline="0" dirty="0" smtClean="0"/>
+            <a:endParaRPr lang="en-US" baseline="0" dirty="0"/>
+          </a:p>
+          <a:p>
+            <a:r>
+              <a:rPr lang="en-US" baseline="0" dirty="0"/>
               <a:t>Alright, time to build. </a:t>
             </a:r>
             <a:endParaRPr lang="en-US" dirty="0"/>
@@ -4161,26 +4126,14 @@
           <a:lstStyle/>
           <a:p>
             <a:r>
-              <a:rPr lang="en-US" dirty="0" smtClean="0"/>
-              <a:t>Here </a:t>
-            </a:r>
-            <a:r>
               <a:rPr lang="en-US" dirty="0"/>
-              <a:t>is the application that we plan on building.</a:t>
+              <a:t>Here is the application that we plan on building.</a:t>
             </a:r>
           </a:p>
           <a:p>
             <a:r>
               <a:rPr lang="en-US" dirty="0"/>
-              <a:t>GHC </a:t>
-            </a:r>
-            <a:r>
-              <a:rPr lang="en-US" dirty="0" smtClean="0"/>
-              <a:t>Session Scheduler </a:t>
-            </a:r>
-            <a:r>
-              <a:rPr lang="en-US" dirty="0"/>
-              <a:t>– you will be</a:t>
+              <a:t>GHC Session Scheduler – you will be</a:t>
             </a:r>
             <a:r>
               <a:rPr lang="en-US" baseline="0" dirty="0"/>
@@ -4541,7 +4494,7 @@
           <p:cNvPr id="42" name="Picture 41">
             <a:extLst>
               <a:ext uri="{FF2B5EF4-FFF2-40B4-BE49-F238E27FC236}">
-                <a16:creationId xmlns:a16="http://schemas.microsoft.com/office/drawing/2014/main" xmlns="" id="{45F3B486-E489-F84A-84E2-9CD09D69393B}"/>
+                <a16:creationId xmlns:a16="http://schemas.microsoft.com/office/drawing/2014/main" id="{45F3B486-E489-F84A-84E2-9CD09D69393B}"/>
               </a:ext>
             </a:extLst>
           </p:cNvPr>
@@ -4795,7 +4748,7 @@
           <p:cNvPr id="9" name="TextBox 8">
             <a:extLst>
               <a:ext uri="{FF2B5EF4-FFF2-40B4-BE49-F238E27FC236}">
-                <a16:creationId xmlns:a16="http://schemas.microsoft.com/office/drawing/2014/main" xmlns="" id="{33E5F236-6BAC-7F40-82B3-18DD7A702FB3}"/>
+                <a16:creationId xmlns:a16="http://schemas.microsoft.com/office/drawing/2014/main" id="{33E5F236-6BAC-7F40-82B3-18DD7A702FB3}"/>
               </a:ext>
             </a:extLst>
           </p:cNvPr>
@@ -4916,7 +4869,7 @@
           <p:cNvPr id="16" name="Group 15">
             <a:extLst>
               <a:ext uri="{FF2B5EF4-FFF2-40B4-BE49-F238E27FC236}">
-                <a16:creationId xmlns:a16="http://schemas.microsoft.com/office/drawing/2014/main" xmlns="" id="{ACBF1C9F-2D91-9342-AA13-F45440966BF5}"/>
+                <a16:creationId xmlns:a16="http://schemas.microsoft.com/office/drawing/2014/main" id="{ACBF1C9F-2D91-9342-AA13-F45440966BF5}"/>
               </a:ext>
             </a:extLst>
           </p:cNvPr>
@@ -4936,7 +4889,7 @@
             <p:cNvPr id="17" name="Picture 16">
               <a:extLst>
                 <a:ext uri="{FF2B5EF4-FFF2-40B4-BE49-F238E27FC236}">
-                  <a16:creationId xmlns:a16="http://schemas.microsoft.com/office/drawing/2014/main" xmlns="" id="{08DF6697-0C53-4F42-8E9E-9FC8A9C62F97}"/>
+                  <a16:creationId xmlns:a16="http://schemas.microsoft.com/office/drawing/2014/main" id="{08DF6697-0C53-4F42-8E9E-9FC8A9C62F97}"/>
                 </a:ext>
               </a:extLst>
             </p:cNvPr>
@@ -4966,7 +4919,7 @@
             <p:cNvPr id="18" name="Rectangle 17">
               <a:extLst>
                 <a:ext uri="{FF2B5EF4-FFF2-40B4-BE49-F238E27FC236}">
-                  <a16:creationId xmlns:a16="http://schemas.microsoft.com/office/drawing/2014/main" xmlns="" id="{41ABAED2-1FEF-E945-8720-70805366BF95}"/>
+                  <a16:creationId xmlns:a16="http://schemas.microsoft.com/office/drawing/2014/main" id="{41ABAED2-1FEF-E945-8720-70805366BF95}"/>
                 </a:ext>
               </a:extLst>
             </p:cNvPr>
@@ -5005,7 +4958,7 @@
             <p:cNvPr id="19" name="Rectangle 18">
               <a:extLst>
                 <a:ext uri="{FF2B5EF4-FFF2-40B4-BE49-F238E27FC236}">
-                  <a16:creationId xmlns:a16="http://schemas.microsoft.com/office/drawing/2014/main" xmlns="" id="{DDF51BBB-A8E5-5743-8FD2-A44E9EB890E3}"/>
+                  <a16:creationId xmlns:a16="http://schemas.microsoft.com/office/drawing/2014/main" id="{DDF51BBB-A8E5-5743-8FD2-A44E9EB890E3}"/>
                 </a:ext>
               </a:extLst>
             </p:cNvPr>
@@ -5045,7 +4998,7 @@
           <p:cNvPr id="6" name="Picture 5">
             <a:extLst>
               <a:ext uri="{FF2B5EF4-FFF2-40B4-BE49-F238E27FC236}">
-                <a16:creationId xmlns:a16="http://schemas.microsoft.com/office/drawing/2014/main" xmlns="" id="{3146D882-802A-2A49-A953-56D00B75A0DD}"/>
+                <a16:creationId xmlns:a16="http://schemas.microsoft.com/office/drawing/2014/main" id="{3146D882-802A-2A49-A953-56D00B75A0DD}"/>
               </a:ext>
             </a:extLst>
           </p:cNvPr>
@@ -5075,7 +5028,7 @@
           <p:cNvPr id="34" name="Group 33">
             <a:extLst>
               <a:ext uri="{FF2B5EF4-FFF2-40B4-BE49-F238E27FC236}">
-                <a16:creationId xmlns:a16="http://schemas.microsoft.com/office/drawing/2014/main" xmlns="" id="{74A5E375-63CB-6E49-A40B-59D21F63A5C7}"/>
+                <a16:creationId xmlns:a16="http://schemas.microsoft.com/office/drawing/2014/main" id="{74A5E375-63CB-6E49-A40B-59D21F63A5C7}"/>
               </a:ext>
             </a:extLst>
           </p:cNvPr>
@@ -5095,7 +5048,7 @@
             <p:cNvPr id="35" name="Picture 34">
               <a:extLst>
                 <a:ext uri="{FF2B5EF4-FFF2-40B4-BE49-F238E27FC236}">
-                  <a16:creationId xmlns:a16="http://schemas.microsoft.com/office/drawing/2014/main" xmlns="" id="{4038A11D-2390-0D49-ADAC-FD49B16B46A8}"/>
+                  <a16:creationId xmlns:a16="http://schemas.microsoft.com/office/drawing/2014/main" id="{4038A11D-2390-0D49-ADAC-FD49B16B46A8}"/>
                 </a:ext>
               </a:extLst>
             </p:cNvPr>
@@ -5125,7 +5078,7 @@
             <p:cNvPr id="36" name="Rectangle 35">
               <a:extLst>
                 <a:ext uri="{FF2B5EF4-FFF2-40B4-BE49-F238E27FC236}">
-                  <a16:creationId xmlns:a16="http://schemas.microsoft.com/office/drawing/2014/main" xmlns="" id="{65D3681C-E593-F140-8C38-3512AE886887}"/>
+                  <a16:creationId xmlns:a16="http://schemas.microsoft.com/office/drawing/2014/main" id="{65D3681C-E593-F140-8C38-3512AE886887}"/>
                 </a:ext>
               </a:extLst>
             </p:cNvPr>
@@ -5166,7 +5119,7 @@
             <p:cNvPr id="37" name="Rectangle 36">
               <a:extLst>
                 <a:ext uri="{FF2B5EF4-FFF2-40B4-BE49-F238E27FC236}">
-                  <a16:creationId xmlns:a16="http://schemas.microsoft.com/office/drawing/2014/main" xmlns="" id="{1733BCED-CBF1-9E43-961A-9F2F43F067D4}"/>
+                  <a16:creationId xmlns:a16="http://schemas.microsoft.com/office/drawing/2014/main" id="{1733BCED-CBF1-9E43-961A-9F2F43F067D4}"/>
                 </a:ext>
               </a:extLst>
             </p:cNvPr>
@@ -5234,7 +5187,7 @@
           <p:cNvPr id="4" name="Picture 3">
             <a:extLst>
               <a:ext uri="{FF2B5EF4-FFF2-40B4-BE49-F238E27FC236}">
-                <a16:creationId xmlns:a16="http://schemas.microsoft.com/office/drawing/2014/main" xmlns="" id="{9223824F-EF5B-B745-9B89-279441452D05}"/>
+                <a16:creationId xmlns:a16="http://schemas.microsoft.com/office/drawing/2014/main" id="{9223824F-EF5B-B745-9B89-279441452D05}"/>
               </a:ext>
             </a:extLst>
           </p:cNvPr>
@@ -5304,7 +5257,7 @@
           <p:cNvPr id="30" name="Picture 29">
             <a:extLst>
               <a:ext uri="{FF2B5EF4-FFF2-40B4-BE49-F238E27FC236}">
-                <a16:creationId xmlns:a16="http://schemas.microsoft.com/office/drawing/2014/main" xmlns="" id="{89EBF6D4-94DD-734C-AA2F-8C35EBB6A606}"/>
+                <a16:creationId xmlns:a16="http://schemas.microsoft.com/office/drawing/2014/main" id="{89EBF6D4-94DD-734C-AA2F-8C35EBB6A606}"/>
               </a:ext>
             </a:extLst>
           </p:cNvPr>
@@ -5340,7 +5293,7 @@
           <p:cNvPr id="14" name="Aenean Fringilla">
             <a:extLst>
               <a:ext uri="{FF2B5EF4-FFF2-40B4-BE49-F238E27FC236}">
-                <a16:creationId xmlns:a16="http://schemas.microsoft.com/office/drawing/2014/main" xmlns="" id="{A0D9D5FB-AE99-F645-B701-C267C283B517}"/>
+                <a16:creationId xmlns:a16="http://schemas.microsoft.com/office/drawing/2014/main" id="{A0D9D5FB-AE99-F645-B701-C267C283B517}"/>
               </a:ext>
             </a:extLst>
           </p:cNvPr>
@@ -5389,7 +5342,7 @@
           <p:cNvPr id="15" name="Maecenas sed diam eget risus varius blandit sit amet non magna.">
             <a:extLst>
               <a:ext uri="{FF2B5EF4-FFF2-40B4-BE49-F238E27FC236}">
-                <a16:creationId xmlns:a16="http://schemas.microsoft.com/office/drawing/2014/main" xmlns="" id="{35EE2AED-08DF-5940-8258-D8381AE0A490}"/>
+                <a16:creationId xmlns:a16="http://schemas.microsoft.com/office/drawing/2014/main" id="{35EE2AED-08DF-5940-8258-D8381AE0A490}"/>
               </a:ext>
             </a:extLst>
           </p:cNvPr>
@@ -5437,7 +5390,7 @@
           <p:cNvPr id="16" name="1">
             <a:extLst>
               <a:ext uri="{FF2B5EF4-FFF2-40B4-BE49-F238E27FC236}">
-                <a16:creationId xmlns:a16="http://schemas.microsoft.com/office/drawing/2014/main" xmlns="" id="{D832F5FD-12B8-6048-9E07-F726A4DC5B9C}"/>
+                <a16:creationId xmlns:a16="http://schemas.microsoft.com/office/drawing/2014/main" id="{D832F5FD-12B8-6048-9E07-F726A4DC5B9C}"/>
               </a:ext>
             </a:extLst>
           </p:cNvPr>
@@ -5488,7 +5441,7 @@
           <p:cNvPr id="17" name="Condimentum Lorem">
             <a:extLst>
               <a:ext uri="{FF2B5EF4-FFF2-40B4-BE49-F238E27FC236}">
-                <a16:creationId xmlns:a16="http://schemas.microsoft.com/office/drawing/2014/main" xmlns="" id="{AD0816A6-2801-D84B-A28E-B3CDF3FC0651}"/>
+                <a16:creationId xmlns:a16="http://schemas.microsoft.com/office/drawing/2014/main" id="{AD0816A6-2801-D84B-A28E-B3CDF3FC0651}"/>
               </a:ext>
             </a:extLst>
           </p:cNvPr>
@@ -5537,7 +5490,7 @@
           <p:cNvPr id="18" name="Integer posuere erat a ante venenatis dapibus posuere velit aliquet.">
             <a:extLst>
               <a:ext uri="{FF2B5EF4-FFF2-40B4-BE49-F238E27FC236}">
-                <a16:creationId xmlns:a16="http://schemas.microsoft.com/office/drawing/2014/main" xmlns="" id="{CC7D2949-CF19-AE4F-BDFE-AA3EAB9F6C06}"/>
+                <a16:creationId xmlns:a16="http://schemas.microsoft.com/office/drawing/2014/main" id="{CC7D2949-CF19-AE4F-BDFE-AA3EAB9F6C06}"/>
               </a:ext>
             </a:extLst>
           </p:cNvPr>
@@ -5585,7 +5538,7 @@
           <p:cNvPr id="19" name="2">
             <a:extLst>
               <a:ext uri="{FF2B5EF4-FFF2-40B4-BE49-F238E27FC236}">
-                <a16:creationId xmlns:a16="http://schemas.microsoft.com/office/drawing/2014/main" xmlns="" id="{B663C9DE-69BE-7742-98BD-840768B0F002}"/>
+                <a16:creationId xmlns:a16="http://schemas.microsoft.com/office/drawing/2014/main" id="{B663C9DE-69BE-7742-98BD-840768B0F002}"/>
               </a:ext>
             </a:extLst>
           </p:cNvPr>
@@ -5636,7 +5589,7 @@
           <p:cNvPr id="20" name="Pellentesque Mollis">
             <a:extLst>
               <a:ext uri="{FF2B5EF4-FFF2-40B4-BE49-F238E27FC236}">
-                <a16:creationId xmlns:a16="http://schemas.microsoft.com/office/drawing/2014/main" xmlns="" id="{BC891348-F688-D745-99BB-20443BE44D01}"/>
+                <a16:creationId xmlns:a16="http://schemas.microsoft.com/office/drawing/2014/main" id="{BC891348-F688-D745-99BB-20443BE44D01}"/>
               </a:ext>
             </a:extLst>
           </p:cNvPr>
@@ -5685,7 +5638,7 @@
           <p:cNvPr id="21" name="Nullam id dolor id nibh ultricies vehicula ut id lorem ipsum elit.">
             <a:extLst>
               <a:ext uri="{FF2B5EF4-FFF2-40B4-BE49-F238E27FC236}">
-                <a16:creationId xmlns:a16="http://schemas.microsoft.com/office/drawing/2014/main" xmlns="" id="{6E65A43D-E013-0143-84A9-4D9230F9AE48}"/>
+                <a16:creationId xmlns:a16="http://schemas.microsoft.com/office/drawing/2014/main" id="{6E65A43D-E013-0143-84A9-4D9230F9AE48}"/>
               </a:ext>
             </a:extLst>
           </p:cNvPr>
@@ -5733,7 +5686,7 @@
           <p:cNvPr id="22" name="3">
             <a:extLst>
               <a:ext uri="{FF2B5EF4-FFF2-40B4-BE49-F238E27FC236}">
-                <a16:creationId xmlns:a16="http://schemas.microsoft.com/office/drawing/2014/main" xmlns="" id="{31DDA847-B1FF-464D-993F-25983D522CAF}"/>
+                <a16:creationId xmlns:a16="http://schemas.microsoft.com/office/drawing/2014/main" id="{31DDA847-B1FF-464D-993F-25983D522CAF}"/>
               </a:ext>
             </a:extLst>
           </p:cNvPr>
@@ -5784,7 +5737,7 @@
           <p:cNvPr id="23" name="Fermentum Sem">
             <a:extLst>
               <a:ext uri="{FF2B5EF4-FFF2-40B4-BE49-F238E27FC236}">
-                <a16:creationId xmlns:a16="http://schemas.microsoft.com/office/drawing/2014/main" xmlns="" id="{F5A88E52-B90B-914A-8035-EC87C593BC9D}"/>
+                <a16:creationId xmlns:a16="http://schemas.microsoft.com/office/drawing/2014/main" id="{F5A88E52-B90B-914A-8035-EC87C593BC9D}"/>
               </a:ext>
             </a:extLst>
           </p:cNvPr>
@@ -5833,7 +5786,7 @@
           <p:cNvPr id="24" name="Etiam porta sem lorem, malesuada magna mollis euismod.">
             <a:extLst>
               <a:ext uri="{FF2B5EF4-FFF2-40B4-BE49-F238E27FC236}">
-                <a16:creationId xmlns:a16="http://schemas.microsoft.com/office/drawing/2014/main" xmlns="" id="{44A71EC2-7DD2-7746-B261-19EB0E3A3CD6}"/>
+                <a16:creationId xmlns:a16="http://schemas.microsoft.com/office/drawing/2014/main" id="{44A71EC2-7DD2-7746-B261-19EB0E3A3CD6}"/>
               </a:ext>
             </a:extLst>
           </p:cNvPr>
@@ -5881,7 +5834,7 @@
           <p:cNvPr id="27" name="4">
             <a:extLst>
               <a:ext uri="{FF2B5EF4-FFF2-40B4-BE49-F238E27FC236}">
-                <a16:creationId xmlns:a16="http://schemas.microsoft.com/office/drawing/2014/main" xmlns="" id="{3FDD871E-F4C8-5E46-B475-91305AB67FD7}"/>
+                <a16:creationId xmlns:a16="http://schemas.microsoft.com/office/drawing/2014/main" id="{3FDD871E-F4C8-5E46-B475-91305AB67FD7}"/>
               </a:ext>
             </a:extLst>
           </p:cNvPr>
@@ -5932,7 +5885,7 @@
           <p:cNvPr id="28" name="Title Text">
             <a:extLst>
               <a:ext uri="{FF2B5EF4-FFF2-40B4-BE49-F238E27FC236}">
-                <a16:creationId xmlns:a16="http://schemas.microsoft.com/office/drawing/2014/main" xmlns="" id="{B0CF1B23-6E5D-2A43-8DA7-6B0E54C997A5}"/>
+                <a16:creationId xmlns:a16="http://schemas.microsoft.com/office/drawing/2014/main" id="{B0CF1B23-6E5D-2A43-8DA7-6B0E54C997A5}"/>
               </a:ext>
             </a:extLst>
           </p:cNvPr>
@@ -5988,7 +5941,7 @@
           <p:cNvPr id="33" name="TextBox 32">
             <a:extLst>
               <a:ext uri="{FF2B5EF4-FFF2-40B4-BE49-F238E27FC236}">
-                <a16:creationId xmlns:a16="http://schemas.microsoft.com/office/drawing/2014/main" xmlns="" id="{9A8791C4-8B61-584E-9678-2E4E6D8A441F}"/>
+                <a16:creationId xmlns:a16="http://schemas.microsoft.com/office/drawing/2014/main" id="{9A8791C4-8B61-584E-9678-2E4E6D8A441F}"/>
               </a:ext>
             </a:extLst>
           </p:cNvPr>
@@ -6109,7 +6062,7 @@
           <p:cNvPr id="34" name="Picture 33">
             <a:extLst>
               <a:ext uri="{FF2B5EF4-FFF2-40B4-BE49-F238E27FC236}">
-                <a16:creationId xmlns:a16="http://schemas.microsoft.com/office/drawing/2014/main" xmlns="" id="{1EFC7FAE-CCCB-8A41-A2B7-A51180ED2283}"/>
+                <a16:creationId xmlns:a16="http://schemas.microsoft.com/office/drawing/2014/main" id="{1EFC7FAE-CCCB-8A41-A2B7-A51180ED2283}"/>
               </a:ext>
             </a:extLst>
           </p:cNvPr>
@@ -6139,7 +6092,7 @@
           <p:cNvPr id="35" name="Group 34">
             <a:extLst>
               <a:ext uri="{FF2B5EF4-FFF2-40B4-BE49-F238E27FC236}">
-                <a16:creationId xmlns:a16="http://schemas.microsoft.com/office/drawing/2014/main" xmlns="" id="{7A5A9401-1F03-3B4E-88E0-976A6A65283E}"/>
+                <a16:creationId xmlns:a16="http://schemas.microsoft.com/office/drawing/2014/main" id="{7A5A9401-1F03-3B4E-88E0-976A6A65283E}"/>
               </a:ext>
             </a:extLst>
           </p:cNvPr>
@@ -6159,7 +6112,7 @@
             <p:cNvPr id="36" name="Picture 35">
               <a:extLst>
                 <a:ext uri="{FF2B5EF4-FFF2-40B4-BE49-F238E27FC236}">
-                  <a16:creationId xmlns:a16="http://schemas.microsoft.com/office/drawing/2014/main" xmlns="" id="{02A72CC7-3C68-4841-A60C-60ED05857592}"/>
+                  <a16:creationId xmlns:a16="http://schemas.microsoft.com/office/drawing/2014/main" id="{02A72CC7-3C68-4841-A60C-60ED05857592}"/>
                 </a:ext>
               </a:extLst>
             </p:cNvPr>
@@ -6189,7 +6142,7 @@
             <p:cNvPr id="42" name="Rectangle 41">
               <a:extLst>
                 <a:ext uri="{FF2B5EF4-FFF2-40B4-BE49-F238E27FC236}">
-                  <a16:creationId xmlns:a16="http://schemas.microsoft.com/office/drawing/2014/main" xmlns="" id="{C9457651-E229-DD45-848B-FD165E76E58E}"/>
+                  <a16:creationId xmlns:a16="http://schemas.microsoft.com/office/drawing/2014/main" id="{C9457651-E229-DD45-848B-FD165E76E58E}"/>
                 </a:ext>
               </a:extLst>
             </p:cNvPr>
@@ -6230,7 +6183,7 @@
             <p:cNvPr id="43" name="Rectangle 42">
               <a:extLst>
                 <a:ext uri="{FF2B5EF4-FFF2-40B4-BE49-F238E27FC236}">
-                  <a16:creationId xmlns:a16="http://schemas.microsoft.com/office/drawing/2014/main" xmlns="" id="{CF7075CB-EE5F-E446-B941-B09D62DD2161}"/>
+                  <a16:creationId xmlns:a16="http://schemas.microsoft.com/office/drawing/2014/main" id="{CF7075CB-EE5F-E446-B941-B09D62DD2161}"/>
                 </a:ext>
               </a:extLst>
             </p:cNvPr>
@@ -6329,7 +6282,7 @@
           </a:ln>
           <a:extLst>
             <a:ext uri="{C572A759-6A51-4108-AA02-DFA0A04FC94B}">
-              <ma14:wrappingTextBoxFlag xmlns="" xmlns:ma14="http://schemas.microsoft.com/office/mac/drawingml/2011/main" val="1"/>
+              <ma14:wrappingTextBoxFlag xmlns:ma14="http://schemas.microsoft.com/office/mac/drawingml/2011/main" xmlns="" val="1"/>
             </a:ext>
           </a:extLst>
         </p:spPr>
@@ -6366,7 +6319,7 @@
           </a:ln>
           <a:extLst>
             <a:ext uri="{C572A759-6A51-4108-AA02-DFA0A04FC94B}">
-              <ma14:wrappingTextBoxFlag xmlns="" xmlns:ma14="http://schemas.microsoft.com/office/mac/drawingml/2011/main" val="1"/>
+              <ma14:wrappingTextBoxFlag xmlns:ma14="http://schemas.microsoft.com/office/mac/drawingml/2011/main" xmlns="" val="1"/>
             </a:ext>
           </a:extLst>
         </p:spPr>
@@ -7279,7 +7232,7 @@
           <p:cNvPr id="16" name="Picture 15">
             <a:extLst>
               <a:ext uri="{FF2B5EF4-FFF2-40B4-BE49-F238E27FC236}">
-                <a16:creationId xmlns:a16="http://schemas.microsoft.com/office/drawing/2014/main" xmlns="" id="{CCE2E716-BA04-E149-B504-EC01854EBC36}"/>
+                <a16:creationId xmlns:a16="http://schemas.microsoft.com/office/drawing/2014/main" id="{CCE2E716-BA04-E149-B504-EC01854EBC36}"/>
               </a:ext>
             </a:extLst>
           </p:cNvPr>
@@ -7309,7 +7262,7 @@
           <p:cNvPr id="27" name="Subtitle 4">
             <a:extLst>
               <a:ext uri="{FF2B5EF4-FFF2-40B4-BE49-F238E27FC236}">
-                <a16:creationId xmlns:a16="http://schemas.microsoft.com/office/drawing/2014/main" xmlns="" id="{E5D35865-A17F-9B4F-A81C-334131B44544}"/>
+                <a16:creationId xmlns:a16="http://schemas.microsoft.com/office/drawing/2014/main" id="{E5D35865-A17F-9B4F-A81C-334131B44544}"/>
               </a:ext>
             </a:extLst>
           </p:cNvPr>
@@ -7543,7 +7496,7 @@
           <p:cNvPr id="26" name="Subtitle 4">
             <a:extLst>
               <a:ext uri="{FF2B5EF4-FFF2-40B4-BE49-F238E27FC236}">
-                <a16:creationId xmlns:a16="http://schemas.microsoft.com/office/drawing/2014/main" xmlns="" id="{DD302199-E449-174C-BF05-8E28625458C3}"/>
+                <a16:creationId xmlns:a16="http://schemas.microsoft.com/office/drawing/2014/main" id="{DD302199-E449-174C-BF05-8E28625458C3}"/>
               </a:ext>
             </a:extLst>
           </p:cNvPr>
@@ -7565,7 +7518,7 @@
           </a:ln>
           <a:extLst>
             <a:ext uri="{C572A759-6A51-4108-AA02-DFA0A04FC94B}">
-              <ma14:wrappingTextBoxFlag xmlns="" xmlns:ma14="http://schemas.microsoft.com/office/mac/drawingml/2011/main" val="1"/>
+              <ma14:wrappingTextBoxFlag xmlns:ma14="http://schemas.microsoft.com/office/mac/drawingml/2011/main" xmlns="" val="1"/>
             </a:ext>
           </a:extLst>
         </p:spPr>
@@ -7851,7 +7804,7 @@
           <p:cNvPr id="29" name="Group 28">
             <a:extLst>
               <a:ext uri="{FF2B5EF4-FFF2-40B4-BE49-F238E27FC236}">
-                <a16:creationId xmlns:a16="http://schemas.microsoft.com/office/drawing/2014/main" xmlns="" id="{746A5B98-AFE9-D843-AEE9-D92E5EA4520E}"/>
+                <a16:creationId xmlns:a16="http://schemas.microsoft.com/office/drawing/2014/main" id="{746A5B98-AFE9-D843-AEE9-D92E5EA4520E}"/>
               </a:ext>
             </a:extLst>
           </p:cNvPr>
@@ -7871,7 +7824,7 @@
             <p:cNvPr id="23" name="Picture 22">
               <a:extLst>
                 <a:ext uri="{FF2B5EF4-FFF2-40B4-BE49-F238E27FC236}">
-                  <a16:creationId xmlns:a16="http://schemas.microsoft.com/office/drawing/2014/main" xmlns="" id="{467A9D16-6539-7D4C-9A91-EFB42BDB95A9}"/>
+                  <a16:creationId xmlns:a16="http://schemas.microsoft.com/office/drawing/2014/main" id="{467A9D16-6539-7D4C-9A91-EFB42BDB95A9}"/>
                 </a:ext>
               </a:extLst>
             </p:cNvPr>
@@ -7901,7 +7854,7 @@
             <p:cNvPr id="24" name="Rectangle 23">
               <a:extLst>
                 <a:ext uri="{FF2B5EF4-FFF2-40B4-BE49-F238E27FC236}">
-                  <a16:creationId xmlns:a16="http://schemas.microsoft.com/office/drawing/2014/main" xmlns="" id="{E4CC06FB-4C70-AB43-8840-F12A1096CFDD}"/>
+                  <a16:creationId xmlns:a16="http://schemas.microsoft.com/office/drawing/2014/main" id="{E4CC06FB-4C70-AB43-8840-F12A1096CFDD}"/>
                 </a:ext>
               </a:extLst>
             </p:cNvPr>
@@ -7940,7 +7893,7 @@
             <p:cNvPr id="28" name="Rectangle 27">
               <a:extLst>
                 <a:ext uri="{FF2B5EF4-FFF2-40B4-BE49-F238E27FC236}">
-                  <a16:creationId xmlns:a16="http://schemas.microsoft.com/office/drawing/2014/main" xmlns="" id="{302A99D9-C694-8245-A104-D0FA67C21C24}"/>
+                  <a16:creationId xmlns:a16="http://schemas.microsoft.com/office/drawing/2014/main" id="{302A99D9-C694-8245-A104-D0FA67C21C24}"/>
                 </a:ext>
               </a:extLst>
             </p:cNvPr>
@@ -7986,13 +7939,6 @@
     <a:masterClrMapping/>
   </p:clrMapOvr>
   <p:transition spd="med"/>
-  <p:timing>
-    <p:tnLst>
-      <p:par>
-        <p:cTn id="1" dur="indefinite" restart="never" nodeType="tmRoot"/>
-      </p:par>
-    </p:tnLst>
-  </p:timing>
 </p:sld>
 </file>
 
@@ -8033,7 +7979,7 @@
           </a:prstGeom>
           <a:extLst>
             <a:ext uri="{C572A759-6A51-4108-AA02-DFA0A04FC94B}">
-              <ma14:wrappingTextBoxFlag xmlns="" xmlns:ma14="http://schemas.microsoft.com/office/mac/drawingml/2011/main" val="1"/>
+              <ma14:wrappingTextBoxFlag xmlns:ma14="http://schemas.microsoft.com/office/mac/drawingml/2011/main" xmlns="" val="1"/>
             </a:ext>
           </a:extLst>
         </p:spPr>
@@ -8053,7 +7999,7 @@
           <p:cNvPr id="8" name="Text Placeholder 7">
             <a:extLst>
               <a:ext uri="{FF2B5EF4-FFF2-40B4-BE49-F238E27FC236}">
-                <a16:creationId xmlns:a16="http://schemas.microsoft.com/office/drawing/2014/main" xmlns="" id="{38436E23-043D-3D49-9FA8-D80811E522B6}"/>
+                <a16:creationId xmlns:a16="http://schemas.microsoft.com/office/drawing/2014/main" id="{38436E23-043D-3D49-9FA8-D80811E522B6}"/>
               </a:ext>
             </a:extLst>
           </p:cNvPr>
@@ -8114,7 +8060,7 @@
           <p:cNvPr id="9" name="Picture 8">
             <a:extLst>
               <a:ext uri="{FF2B5EF4-FFF2-40B4-BE49-F238E27FC236}">
-                <a16:creationId xmlns:a16="http://schemas.microsoft.com/office/drawing/2014/main" xmlns="" id="{D163140C-1F8A-5D4F-877D-07594E04BBB1}"/>
+                <a16:creationId xmlns:a16="http://schemas.microsoft.com/office/drawing/2014/main" id="{D163140C-1F8A-5D4F-877D-07594E04BBB1}"/>
               </a:ext>
             </a:extLst>
           </p:cNvPr>
@@ -8150,7 +8096,7 @@
           <p:cNvPr id="10" name="TextBox 9">
             <a:extLst>
               <a:ext uri="{FF2B5EF4-FFF2-40B4-BE49-F238E27FC236}">
-                <a16:creationId xmlns:a16="http://schemas.microsoft.com/office/drawing/2014/main" xmlns="" id="{DF126B8C-F447-9C4B-BD5E-550B915872E0}"/>
+                <a16:creationId xmlns:a16="http://schemas.microsoft.com/office/drawing/2014/main" id="{DF126B8C-F447-9C4B-BD5E-550B915872E0}"/>
               </a:ext>
             </a:extLst>
           </p:cNvPr>
@@ -8193,7 +8139,7 @@
           <p:cNvPr id="11" name="Picture 10">
             <a:extLst>
               <a:ext uri="{FF2B5EF4-FFF2-40B4-BE49-F238E27FC236}">
-                <a16:creationId xmlns:a16="http://schemas.microsoft.com/office/drawing/2014/main" xmlns="" id="{9D34B039-132C-6D46-9A44-C0F1AAA13C50}"/>
+                <a16:creationId xmlns:a16="http://schemas.microsoft.com/office/drawing/2014/main" id="{9D34B039-132C-6D46-9A44-C0F1AAA13C50}"/>
               </a:ext>
             </a:extLst>
           </p:cNvPr>
@@ -8229,7 +8175,7 @@
           <p:cNvPr id="12" name="TextBox 11">
             <a:extLst>
               <a:ext uri="{FF2B5EF4-FFF2-40B4-BE49-F238E27FC236}">
-                <a16:creationId xmlns:a16="http://schemas.microsoft.com/office/drawing/2014/main" xmlns="" id="{0D9474C7-54C0-B54A-9540-B83A4CE3B71B}"/>
+                <a16:creationId xmlns:a16="http://schemas.microsoft.com/office/drawing/2014/main" id="{0D9474C7-54C0-B54A-9540-B83A4CE3B71B}"/>
               </a:ext>
             </a:extLst>
           </p:cNvPr>
@@ -8268,7 +8214,7 @@
           <p:cNvPr id="13" name="Picture 12">
             <a:extLst>
               <a:ext uri="{FF2B5EF4-FFF2-40B4-BE49-F238E27FC236}">
-                <a16:creationId xmlns:a16="http://schemas.microsoft.com/office/drawing/2014/main" xmlns="" id="{BE952E1E-4CA4-F640-9BBD-53DB76DFFC4F}"/>
+                <a16:creationId xmlns:a16="http://schemas.microsoft.com/office/drawing/2014/main" id="{BE952E1E-4CA4-F640-9BBD-53DB76DFFC4F}"/>
               </a:ext>
             </a:extLst>
           </p:cNvPr>
@@ -8304,7 +8250,7 @@
           <p:cNvPr id="14" name="TextBox 13">
             <a:extLst>
               <a:ext uri="{FF2B5EF4-FFF2-40B4-BE49-F238E27FC236}">
-                <a16:creationId xmlns:a16="http://schemas.microsoft.com/office/drawing/2014/main" xmlns="" id="{35EFDB07-230F-8C4C-BFD3-80F13A045ACE}"/>
+                <a16:creationId xmlns:a16="http://schemas.microsoft.com/office/drawing/2014/main" id="{35EFDB07-230F-8C4C-BFD3-80F13A045ACE}"/>
               </a:ext>
             </a:extLst>
           </p:cNvPr>
@@ -8343,7 +8289,7 @@
           <p:cNvPr id="25" name="TextBox 24">
             <a:extLst>
               <a:ext uri="{FF2B5EF4-FFF2-40B4-BE49-F238E27FC236}">
-                <a16:creationId xmlns:a16="http://schemas.microsoft.com/office/drawing/2014/main" xmlns="" id="{446D6E44-8DD0-BA47-BA46-5A10BE1B5DE6}"/>
+                <a16:creationId xmlns:a16="http://schemas.microsoft.com/office/drawing/2014/main" id="{446D6E44-8DD0-BA47-BA46-5A10BE1B5DE6}"/>
               </a:ext>
             </a:extLst>
           </p:cNvPr>
@@ -8383,7 +8329,7 @@
           <p:cNvPr id="26" name="Picture 25">
             <a:extLst>
               <a:ext uri="{FF2B5EF4-FFF2-40B4-BE49-F238E27FC236}">
-                <a16:creationId xmlns:a16="http://schemas.microsoft.com/office/drawing/2014/main" xmlns="" id="{7589BDC0-E249-3B4C-A1DF-76B502E9E460}"/>
+                <a16:creationId xmlns:a16="http://schemas.microsoft.com/office/drawing/2014/main" id="{7589BDC0-E249-3B4C-A1DF-76B502E9E460}"/>
               </a:ext>
             </a:extLst>
           </p:cNvPr>
@@ -8419,7 +8365,7 @@
           <p:cNvPr id="31" name="Straight Connector 30">
             <a:extLst>
               <a:ext uri="{FF2B5EF4-FFF2-40B4-BE49-F238E27FC236}">
-                <a16:creationId xmlns:a16="http://schemas.microsoft.com/office/drawing/2014/main" xmlns="" id="{351E654F-0849-D640-A5D1-39BA8E1B6634}"/>
+                <a16:creationId xmlns:a16="http://schemas.microsoft.com/office/drawing/2014/main" id="{351E654F-0849-D640-A5D1-39BA8E1B6634}"/>
               </a:ext>
             </a:extLst>
           </p:cNvPr>
@@ -8463,7 +8409,7 @@
           <p:cNvPr id="32" name="Straight Connector 31">
             <a:extLst>
               <a:ext uri="{FF2B5EF4-FFF2-40B4-BE49-F238E27FC236}">
-                <a16:creationId xmlns:a16="http://schemas.microsoft.com/office/drawing/2014/main" xmlns="" id="{37FAB9D5-22BC-1740-9AED-C6175B9058C9}"/>
+                <a16:creationId xmlns:a16="http://schemas.microsoft.com/office/drawing/2014/main" id="{37FAB9D5-22BC-1740-9AED-C6175B9058C9}"/>
               </a:ext>
             </a:extLst>
           </p:cNvPr>
@@ -8509,7 +8455,7 @@
           <p:cNvPr id="33" name="Straight Connector 32">
             <a:extLst>
               <a:ext uri="{FF2B5EF4-FFF2-40B4-BE49-F238E27FC236}">
-                <a16:creationId xmlns:a16="http://schemas.microsoft.com/office/drawing/2014/main" xmlns="" id="{5F00015F-DD6E-AC45-91BA-2A68B3C41A01}"/>
+                <a16:creationId xmlns:a16="http://schemas.microsoft.com/office/drawing/2014/main" id="{5F00015F-DD6E-AC45-91BA-2A68B3C41A01}"/>
               </a:ext>
             </a:extLst>
           </p:cNvPr>
@@ -8553,7 +8499,7 @@
           <p:cNvPr id="34" name="Straight Connector 33">
             <a:extLst>
               <a:ext uri="{FF2B5EF4-FFF2-40B4-BE49-F238E27FC236}">
-                <a16:creationId xmlns:a16="http://schemas.microsoft.com/office/drawing/2014/main" xmlns="" id="{03DFBED5-256D-CA44-804D-FCABBF307FE7}"/>
+                <a16:creationId xmlns:a16="http://schemas.microsoft.com/office/drawing/2014/main" id="{03DFBED5-256D-CA44-804D-FCABBF307FE7}"/>
               </a:ext>
             </a:extLst>
           </p:cNvPr>
@@ -8599,7 +8545,7 @@
           <p:cNvPr id="35" name="Straight Connector 34">
             <a:extLst>
               <a:ext uri="{FF2B5EF4-FFF2-40B4-BE49-F238E27FC236}">
-                <a16:creationId xmlns:a16="http://schemas.microsoft.com/office/drawing/2014/main" xmlns="" id="{93C87B89-AD20-374A-93B6-96F8D8DCA2B2}"/>
+                <a16:creationId xmlns:a16="http://schemas.microsoft.com/office/drawing/2014/main" id="{93C87B89-AD20-374A-93B6-96F8D8DCA2B2}"/>
               </a:ext>
             </a:extLst>
           </p:cNvPr>
@@ -8645,7 +8591,7 @@
           <p:cNvPr id="40" name="TextBox 39">
             <a:extLst>
               <a:ext uri="{FF2B5EF4-FFF2-40B4-BE49-F238E27FC236}">
-                <a16:creationId xmlns:a16="http://schemas.microsoft.com/office/drawing/2014/main" xmlns="" id="{95C912AC-B1A4-3A4C-B547-3340B52DF45F}"/>
+                <a16:creationId xmlns:a16="http://schemas.microsoft.com/office/drawing/2014/main" id="{95C912AC-B1A4-3A4C-B547-3340B52DF45F}"/>
               </a:ext>
             </a:extLst>
           </p:cNvPr>
@@ -8681,7 +8627,7 @@
           <p:cNvPr id="44" name="TextBox 43">
             <a:extLst>
               <a:ext uri="{FF2B5EF4-FFF2-40B4-BE49-F238E27FC236}">
-                <a16:creationId xmlns:a16="http://schemas.microsoft.com/office/drawing/2014/main" xmlns="" id="{AE349F04-4F9F-9443-91F7-AF0E10881681}"/>
+                <a16:creationId xmlns:a16="http://schemas.microsoft.com/office/drawing/2014/main" id="{AE349F04-4F9F-9443-91F7-AF0E10881681}"/>
               </a:ext>
             </a:extLst>
           </p:cNvPr>
@@ -8727,13 +8673,6 @@
     <a:masterClrMapping/>
   </p:clrMapOvr>
   <p:transition spd="med"/>
-  <p:timing>
-    <p:tnLst>
-      <p:par>
-        <p:cTn id="1" dur="indefinite" restart="never" nodeType="tmRoot"/>
-      </p:par>
-    </p:tnLst>
-  </p:timing>
 </p:sld>
 </file>
 
@@ -8774,7 +8713,7 @@
           </a:prstGeom>
           <a:extLst>
             <a:ext uri="{C572A759-6A51-4108-AA02-DFA0A04FC94B}">
-              <ma14:wrappingTextBoxFlag xmlns="" xmlns:ma14="http://schemas.microsoft.com/office/mac/drawingml/2011/main" val="1"/>
+              <ma14:wrappingTextBoxFlag xmlns:ma14="http://schemas.microsoft.com/office/mac/drawingml/2011/main" xmlns="" val="1"/>
             </a:ext>
           </a:extLst>
         </p:spPr>
@@ -8794,7 +8733,7 @@
           <p:cNvPr id="8" name="Text Placeholder 7">
             <a:extLst>
               <a:ext uri="{FF2B5EF4-FFF2-40B4-BE49-F238E27FC236}">
-                <a16:creationId xmlns:a16="http://schemas.microsoft.com/office/drawing/2014/main" xmlns="" id="{38436E23-043D-3D49-9FA8-D80811E522B6}"/>
+                <a16:creationId xmlns:a16="http://schemas.microsoft.com/office/drawing/2014/main" id="{38436E23-043D-3D49-9FA8-D80811E522B6}"/>
               </a:ext>
             </a:extLst>
           </p:cNvPr>
@@ -8855,7 +8794,7 @@
           <p:cNvPr id="9" name="Picture 8">
             <a:extLst>
               <a:ext uri="{FF2B5EF4-FFF2-40B4-BE49-F238E27FC236}">
-                <a16:creationId xmlns:a16="http://schemas.microsoft.com/office/drawing/2014/main" xmlns="" id="{D163140C-1F8A-5D4F-877D-07594E04BBB1}"/>
+                <a16:creationId xmlns:a16="http://schemas.microsoft.com/office/drawing/2014/main" id="{D163140C-1F8A-5D4F-877D-07594E04BBB1}"/>
               </a:ext>
             </a:extLst>
           </p:cNvPr>
@@ -8891,7 +8830,7 @@
           <p:cNvPr id="10" name="TextBox 9">
             <a:extLst>
               <a:ext uri="{FF2B5EF4-FFF2-40B4-BE49-F238E27FC236}">
-                <a16:creationId xmlns:a16="http://schemas.microsoft.com/office/drawing/2014/main" xmlns="" id="{DF126B8C-F447-9C4B-BD5E-550B915872E0}"/>
+                <a16:creationId xmlns:a16="http://schemas.microsoft.com/office/drawing/2014/main" id="{DF126B8C-F447-9C4B-BD5E-550B915872E0}"/>
               </a:ext>
             </a:extLst>
           </p:cNvPr>
@@ -8934,7 +8873,7 @@
           <p:cNvPr id="11" name="Picture 10">
             <a:extLst>
               <a:ext uri="{FF2B5EF4-FFF2-40B4-BE49-F238E27FC236}">
-                <a16:creationId xmlns:a16="http://schemas.microsoft.com/office/drawing/2014/main" xmlns="" id="{9D34B039-132C-6D46-9A44-C0F1AAA13C50}"/>
+                <a16:creationId xmlns:a16="http://schemas.microsoft.com/office/drawing/2014/main" id="{9D34B039-132C-6D46-9A44-C0F1AAA13C50}"/>
               </a:ext>
             </a:extLst>
           </p:cNvPr>
@@ -8970,7 +8909,7 @@
           <p:cNvPr id="12" name="TextBox 11">
             <a:extLst>
               <a:ext uri="{FF2B5EF4-FFF2-40B4-BE49-F238E27FC236}">
-                <a16:creationId xmlns:a16="http://schemas.microsoft.com/office/drawing/2014/main" xmlns="" id="{0D9474C7-54C0-B54A-9540-B83A4CE3B71B}"/>
+                <a16:creationId xmlns:a16="http://schemas.microsoft.com/office/drawing/2014/main" id="{0D9474C7-54C0-B54A-9540-B83A4CE3B71B}"/>
               </a:ext>
             </a:extLst>
           </p:cNvPr>
@@ -9009,7 +8948,7 @@
           <p:cNvPr id="13" name="Picture 12">
             <a:extLst>
               <a:ext uri="{FF2B5EF4-FFF2-40B4-BE49-F238E27FC236}">
-                <a16:creationId xmlns:a16="http://schemas.microsoft.com/office/drawing/2014/main" xmlns="" id="{BE952E1E-4CA4-F640-9BBD-53DB76DFFC4F}"/>
+                <a16:creationId xmlns:a16="http://schemas.microsoft.com/office/drawing/2014/main" id="{BE952E1E-4CA4-F640-9BBD-53DB76DFFC4F}"/>
               </a:ext>
             </a:extLst>
           </p:cNvPr>
@@ -9045,7 +8984,7 @@
           <p:cNvPr id="14" name="TextBox 13">
             <a:extLst>
               <a:ext uri="{FF2B5EF4-FFF2-40B4-BE49-F238E27FC236}">
-                <a16:creationId xmlns:a16="http://schemas.microsoft.com/office/drawing/2014/main" xmlns="" id="{35EFDB07-230F-8C4C-BFD3-80F13A045ACE}"/>
+                <a16:creationId xmlns:a16="http://schemas.microsoft.com/office/drawing/2014/main" id="{35EFDB07-230F-8C4C-BFD3-80F13A045ACE}"/>
               </a:ext>
             </a:extLst>
           </p:cNvPr>
@@ -9084,7 +9023,7 @@
           <p:cNvPr id="15" name="Picture 14">
             <a:extLst>
               <a:ext uri="{FF2B5EF4-FFF2-40B4-BE49-F238E27FC236}">
-                <a16:creationId xmlns:a16="http://schemas.microsoft.com/office/drawing/2014/main" xmlns="" id="{BC6C36CE-9902-C549-93DC-B288214D2815}"/>
+                <a16:creationId xmlns:a16="http://schemas.microsoft.com/office/drawing/2014/main" id="{BC6C36CE-9902-C549-93DC-B288214D2815}"/>
               </a:ext>
             </a:extLst>
           </p:cNvPr>
@@ -9120,7 +9059,7 @@
           <p:cNvPr id="16" name="TextBox 15">
             <a:extLst>
               <a:ext uri="{FF2B5EF4-FFF2-40B4-BE49-F238E27FC236}">
-                <a16:creationId xmlns:a16="http://schemas.microsoft.com/office/drawing/2014/main" xmlns="" id="{C5AF383C-2D54-E447-8717-54E7289500E5}"/>
+                <a16:creationId xmlns:a16="http://schemas.microsoft.com/office/drawing/2014/main" id="{C5AF383C-2D54-E447-8717-54E7289500E5}"/>
               </a:ext>
             </a:extLst>
           </p:cNvPr>
@@ -9161,7 +9100,7 @@
           <p:cNvPr id="25" name="TextBox 24">
             <a:extLst>
               <a:ext uri="{FF2B5EF4-FFF2-40B4-BE49-F238E27FC236}">
-                <a16:creationId xmlns:a16="http://schemas.microsoft.com/office/drawing/2014/main" xmlns="" id="{446D6E44-8DD0-BA47-BA46-5A10BE1B5DE6}"/>
+                <a16:creationId xmlns:a16="http://schemas.microsoft.com/office/drawing/2014/main" id="{446D6E44-8DD0-BA47-BA46-5A10BE1B5DE6}"/>
               </a:ext>
             </a:extLst>
           </p:cNvPr>
@@ -9201,7 +9140,7 @@
           <p:cNvPr id="26" name="Picture 25">
             <a:extLst>
               <a:ext uri="{FF2B5EF4-FFF2-40B4-BE49-F238E27FC236}">
-                <a16:creationId xmlns:a16="http://schemas.microsoft.com/office/drawing/2014/main" xmlns="" id="{7589BDC0-E249-3B4C-A1DF-76B502E9E460}"/>
+                <a16:creationId xmlns:a16="http://schemas.microsoft.com/office/drawing/2014/main" id="{7589BDC0-E249-3B4C-A1DF-76B502E9E460}"/>
               </a:ext>
             </a:extLst>
           </p:cNvPr>
@@ -9237,7 +9176,7 @@
           <p:cNvPr id="31" name="Straight Connector 30">
             <a:extLst>
               <a:ext uri="{FF2B5EF4-FFF2-40B4-BE49-F238E27FC236}">
-                <a16:creationId xmlns:a16="http://schemas.microsoft.com/office/drawing/2014/main" xmlns="" id="{351E654F-0849-D640-A5D1-39BA8E1B6634}"/>
+                <a16:creationId xmlns:a16="http://schemas.microsoft.com/office/drawing/2014/main" id="{351E654F-0849-D640-A5D1-39BA8E1B6634}"/>
               </a:ext>
             </a:extLst>
           </p:cNvPr>
@@ -9281,7 +9220,7 @@
           <p:cNvPr id="32" name="Straight Connector 31">
             <a:extLst>
               <a:ext uri="{FF2B5EF4-FFF2-40B4-BE49-F238E27FC236}">
-                <a16:creationId xmlns:a16="http://schemas.microsoft.com/office/drawing/2014/main" xmlns="" id="{37FAB9D5-22BC-1740-9AED-C6175B9058C9}"/>
+                <a16:creationId xmlns:a16="http://schemas.microsoft.com/office/drawing/2014/main" id="{37FAB9D5-22BC-1740-9AED-C6175B9058C9}"/>
               </a:ext>
             </a:extLst>
           </p:cNvPr>
@@ -9327,7 +9266,7 @@
           <p:cNvPr id="33" name="Straight Connector 32">
             <a:extLst>
               <a:ext uri="{FF2B5EF4-FFF2-40B4-BE49-F238E27FC236}">
-                <a16:creationId xmlns:a16="http://schemas.microsoft.com/office/drawing/2014/main" xmlns="" id="{5F00015F-DD6E-AC45-91BA-2A68B3C41A01}"/>
+                <a16:creationId xmlns:a16="http://schemas.microsoft.com/office/drawing/2014/main" id="{5F00015F-DD6E-AC45-91BA-2A68B3C41A01}"/>
               </a:ext>
             </a:extLst>
           </p:cNvPr>
@@ -9371,7 +9310,7 @@
           <p:cNvPr id="34" name="Straight Connector 33">
             <a:extLst>
               <a:ext uri="{FF2B5EF4-FFF2-40B4-BE49-F238E27FC236}">
-                <a16:creationId xmlns:a16="http://schemas.microsoft.com/office/drawing/2014/main" xmlns="" id="{03DFBED5-256D-CA44-804D-FCABBF307FE7}"/>
+                <a16:creationId xmlns:a16="http://schemas.microsoft.com/office/drawing/2014/main" id="{03DFBED5-256D-CA44-804D-FCABBF307FE7}"/>
               </a:ext>
             </a:extLst>
           </p:cNvPr>
@@ -9417,7 +9356,7 @@
           <p:cNvPr id="35" name="Straight Connector 34">
             <a:extLst>
               <a:ext uri="{FF2B5EF4-FFF2-40B4-BE49-F238E27FC236}">
-                <a16:creationId xmlns:a16="http://schemas.microsoft.com/office/drawing/2014/main" xmlns="" id="{93C87B89-AD20-374A-93B6-96F8D8DCA2B2}"/>
+                <a16:creationId xmlns:a16="http://schemas.microsoft.com/office/drawing/2014/main" id="{93C87B89-AD20-374A-93B6-96F8D8DCA2B2}"/>
               </a:ext>
             </a:extLst>
           </p:cNvPr>
@@ -9461,7 +9400,7 @@
           <p:cNvPr id="40" name="TextBox 39">
             <a:extLst>
               <a:ext uri="{FF2B5EF4-FFF2-40B4-BE49-F238E27FC236}">
-                <a16:creationId xmlns:a16="http://schemas.microsoft.com/office/drawing/2014/main" xmlns="" id="{95C912AC-B1A4-3A4C-B547-3340B52DF45F}"/>
+                <a16:creationId xmlns:a16="http://schemas.microsoft.com/office/drawing/2014/main" id="{95C912AC-B1A4-3A4C-B547-3340B52DF45F}"/>
               </a:ext>
             </a:extLst>
           </p:cNvPr>
@@ -9497,7 +9436,7 @@
           <p:cNvPr id="44" name="TextBox 43">
             <a:extLst>
               <a:ext uri="{FF2B5EF4-FFF2-40B4-BE49-F238E27FC236}">
-                <a16:creationId xmlns:a16="http://schemas.microsoft.com/office/drawing/2014/main" xmlns="" id="{AE349F04-4F9F-9443-91F7-AF0E10881681}"/>
+                <a16:creationId xmlns:a16="http://schemas.microsoft.com/office/drawing/2014/main" id="{AE349F04-4F9F-9443-91F7-AF0E10881681}"/>
               </a:ext>
             </a:extLst>
           </p:cNvPr>
@@ -9543,13 +9482,6 @@
     <a:masterClrMapping/>
   </p:clrMapOvr>
   <p:transition spd="med"/>
-  <p:timing>
-    <p:tnLst>
-      <p:par>
-        <p:cTn id="1" dur="indefinite" restart="never" nodeType="tmRoot"/>
-      </p:par>
-    </p:tnLst>
-  </p:timing>
 </p:sld>
 </file>
 
@@ -9678,18 +9610,13 @@
               <a:buChar char="⁃"/>
             </a:pPr>
             <a:r>
-              <a:rPr lang="en-US" dirty="0" smtClean="0">
+              <a:rPr lang="en-US" dirty="0">
                 <a:solidFill>
                   <a:srgbClr val="351C35"/>
                 </a:solidFill>
               </a:rPr>
               <a:t>Durability</a:t>
             </a:r>
-            <a:endParaRPr lang="en-US" dirty="0">
-              <a:solidFill>
-                <a:srgbClr val="351C35"/>
-              </a:solidFill>
-            </a:endParaRPr>
           </a:p>
           <a:p>
             <a:pPr marL="803275" lvl="3" indent="-342900">
@@ -9700,18 +9627,13 @@
               <a:buChar char="⁃"/>
             </a:pPr>
             <a:r>
-              <a:rPr lang="en-US" dirty="0" smtClean="0">
+              <a:rPr lang="en-US" dirty="0">
                 <a:solidFill>
                   <a:srgbClr val="351C35"/>
                 </a:solidFill>
               </a:rPr>
               <a:t>Availability</a:t>
             </a:r>
-            <a:endParaRPr lang="en-US" dirty="0">
-              <a:solidFill>
-                <a:srgbClr val="351C35"/>
-              </a:solidFill>
-            </a:endParaRPr>
           </a:p>
           <a:p>
             <a:pPr marL="803275" lvl="3" indent="-342900">
@@ -9722,7 +9644,7 @@
               <a:buChar char="⁃"/>
             </a:pPr>
             <a:r>
-              <a:rPr lang="en-US" dirty="0" smtClean="0">
+              <a:rPr lang="en-US" dirty="0">
                 <a:solidFill>
                   <a:srgbClr val="351C35"/>
                 </a:solidFill>
@@ -9736,7 +9658,7 @@
                 <a:srgbClr val="96318A"/>
               </a:buClr>
             </a:pPr>
-            <a:endParaRPr lang="en-US" dirty="0" smtClean="0">
+            <a:endParaRPr lang="en-US" dirty="0">
               <a:solidFill>
                 <a:srgbClr val="351C35"/>
               </a:solidFill>
@@ -9751,20 +9673,12 @@
               <a:buChar char="•"/>
             </a:pPr>
             <a:r>
-              <a:rPr lang="en-US" dirty="0" smtClean="0">
-                <a:solidFill>
-                  <a:srgbClr val="351C35"/>
-                </a:solidFill>
-              </a:rPr>
-              <a:t>Secure </a:t>
-            </a:r>
-            <a:r>
               <a:rPr lang="en-US" dirty="0">
                 <a:solidFill>
                   <a:srgbClr val="351C35"/>
                 </a:solidFill>
               </a:rPr>
-              <a:t>by default</a:t>
+              <a:t>Secure by default</a:t>
             </a:r>
             <a:endParaRPr lang="en-US" dirty="0">
               <a:solidFill>
@@ -9795,7 +9709,7 @@
           </a:prstGeom>
           <a:extLst>
             <a:ext uri="{C572A759-6A51-4108-AA02-DFA0A04FC94B}">
-              <ma14:wrappingTextBoxFlag xmlns="" xmlns:ma14="http://schemas.microsoft.com/office/mac/drawingml/2011/main" val="1"/>
+              <ma14:wrappingTextBoxFlag xmlns:ma14="http://schemas.microsoft.com/office/mac/drawingml/2011/main" xmlns="" val="1"/>
             </a:ext>
           </a:extLst>
         </p:spPr>
@@ -9815,7 +9729,7 @@
           <p:cNvPr id="8" name="Text Placeholder 7">
             <a:extLst>
               <a:ext uri="{FF2B5EF4-FFF2-40B4-BE49-F238E27FC236}">
-                <a16:creationId xmlns:a16="http://schemas.microsoft.com/office/drawing/2014/main" xmlns="" id="{38436E23-043D-3D49-9FA8-D80811E522B6}"/>
+                <a16:creationId xmlns:a16="http://schemas.microsoft.com/office/drawing/2014/main" id="{38436E23-043D-3D49-9FA8-D80811E522B6}"/>
               </a:ext>
             </a:extLst>
           </p:cNvPr>
@@ -9883,13 +9797,6 @@
     <a:masterClrMapping/>
   </p:clrMapOvr>
   <p:transition spd="med"/>
-  <p:timing>
-    <p:tnLst>
-      <p:par>
-        <p:cTn id="1" dur="indefinite" restart="never" nodeType="tmRoot"/>
-      </p:par>
-    </p:tnLst>
-  </p:timing>
 </p:sld>
 </file>
 
@@ -9930,7 +9837,7 @@
           </a:prstGeom>
           <a:extLst>
             <a:ext uri="{C572A759-6A51-4108-AA02-DFA0A04FC94B}">
-              <ma14:wrappingTextBoxFlag xmlns="" xmlns:ma14="http://schemas.microsoft.com/office/mac/drawingml/2011/main" val="1"/>
+              <ma14:wrappingTextBoxFlag xmlns:ma14="http://schemas.microsoft.com/office/mac/drawingml/2011/main" xmlns="" val="1"/>
             </a:ext>
           </a:extLst>
         </p:spPr>
@@ -9950,7 +9857,7 @@
           <p:cNvPr id="8" name="Text Placeholder 7">
             <a:extLst>
               <a:ext uri="{FF2B5EF4-FFF2-40B4-BE49-F238E27FC236}">
-                <a16:creationId xmlns:a16="http://schemas.microsoft.com/office/drawing/2014/main" xmlns="" id="{38436E23-043D-3D49-9FA8-D80811E522B6}"/>
+                <a16:creationId xmlns:a16="http://schemas.microsoft.com/office/drawing/2014/main" id="{38436E23-043D-3D49-9FA8-D80811E522B6}"/>
               </a:ext>
             </a:extLst>
           </p:cNvPr>
@@ -10081,7 +9988,75 @@
   <p:timing>
     <p:tnLst>
       <p:par>
-        <p:cTn id="1" dur="indefinite" restart="never" nodeType="tmRoot"/>
+        <p:cTn id="1" dur="indefinite" restart="never" nodeType="tmRoot">
+          <p:childTnLst>
+            <p:seq concurrent="1" nextAc="seek">
+              <p:cTn id="2" dur="indefinite" nodeType="mainSeq">
+                <p:childTnLst>
+                  <p:par>
+                    <p:cTn id="3" fill="hold">
+                      <p:stCondLst>
+                        <p:cond delay="indefinite"/>
+                      </p:stCondLst>
+                      <p:childTnLst>
+                        <p:par>
+                          <p:cTn id="4" fill="hold">
+                            <p:stCondLst>
+                              <p:cond delay="0"/>
+                            </p:stCondLst>
+                            <p:childTnLst>
+                              <p:par>
+                                <p:cTn id="5" presetID="1" presetClass="entr" presetSubtype="0" fill="hold" nodeType="clickEffect">
+                                  <p:stCondLst>
+                                    <p:cond delay="0"/>
+                                  </p:stCondLst>
+                                  <p:childTnLst>
+                                    <p:set>
+                                      <p:cBhvr>
+                                        <p:cTn id="6" dur="1" fill="hold">
+                                          <p:stCondLst>
+                                            <p:cond delay="0"/>
+                                          </p:stCondLst>
+                                        </p:cTn>
+                                        <p:tgtEl>
+                                          <p:spTgt spid="3"/>
+                                        </p:tgtEl>
+                                        <p:attrNameLst>
+                                          <p:attrName>style.visibility</p:attrName>
+                                        </p:attrNameLst>
+                                      </p:cBhvr>
+                                      <p:to>
+                                        <p:strVal val="visible"/>
+                                      </p:to>
+                                    </p:set>
+                                  </p:childTnLst>
+                                </p:cTn>
+                              </p:par>
+                            </p:childTnLst>
+                          </p:cTn>
+                        </p:par>
+                      </p:childTnLst>
+                    </p:cTn>
+                  </p:par>
+                </p:childTnLst>
+              </p:cTn>
+              <p:prevCondLst>
+                <p:cond evt="onPrev" delay="0">
+                  <p:tgtEl>
+                    <p:sldTgt/>
+                  </p:tgtEl>
+                </p:cond>
+              </p:prevCondLst>
+              <p:nextCondLst>
+                <p:cond evt="onNext" delay="0">
+                  <p:tgtEl>
+                    <p:sldTgt/>
+                  </p:tgtEl>
+                </p:cond>
+              </p:nextCondLst>
+            </p:seq>
+          </p:childTnLst>
+        </p:cTn>
       </p:par>
     </p:tnLst>
   </p:timing>
@@ -10125,7 +10100,7 @@
           </a:prstGeom>
           <a:extLst>
             <a:ext uri="{C572A759-6A51-4108-AA02-DFA0A04FC94B}">
-              <ma14:wrappingTextBoxFlag xmlns="" xmlns:ma14="http://schemas.microsoft.com/office/mac/drawingml/2011/main" val="1"/>
+              <ma14:wrappingTextBoxFlag xmlns:ma14="http://schemas.microsoft.com/office/mac/drawingml/2011/main" xmlns="" val="1"/>
             </a:ext>
           </a:extLst>
         </p:spPr>
@@ -10145,7 +10120,7 @@
           <p:cNvPr id="8" name="Text Placeholder 7">
             <a:extLst>
               <a:ext uri="{FF2B5EF4-FFF2-40B4-BE49-F238E27FC236}">
-                <a16:creationId xmlns:a16="http://schemas.microsoft.com/office/drawing/2014/main" xmlns="" id="{38436E23-043D-3D49-9FA8-D80811E522B6}"/>
+                <a16:creationId xmlns:a16="http://schemas.microsoft.com/office/drawing/2014/main" id="{38436E23-043D-3D49-9FA8-D80811E522B6}"/>
               </a:ext>
             </a:extLst>
           </p:cNvPr>
@@ -10243,13 +10218,6 @@
     <a:masterClrMapping/>
   </p:clrMapOvr>
   <p:transition spd="med"/>
-  <p:timing>
-    <p:tnLst>
-      <p:par>
-        <p:cTn id="1" dur="indefinite" restart="never" nodeType="tmRoot"/>
-      </p:par>
-    </p:tnLst>
-  </p:timing>
 </p:sld>
 </file>
 
@@ -10290,7 +10258,7 @@
           </a:prstGeom>
           <a:extLst>
             <a:ext uri="{C572A759-6A51-4108-AA02-DFA0A04FC94B}">
-              <ma14:wrappingTextBoxFlag xmlns="" xmlns:ma14="http://schemas.microsoft.com/office/mac/drawingml/2011/main" val="1"/>
+              <ma14:wrappingTextBoxFlag xmlns:ma14="http://schemas.microsoft.com/office/mac/drawingml/2011/main" xmlns="" val="1"/>
             </a:ext>
           </a:extLst>
         </p:spPr>
@@ -10310,7 +10278,7 @@
           <p:cNvPr id="8" name="Text Placeholder 7">
             <a:extLst>
               <a:ext uri="{FF2B5EF4-FFF2-40B4-BE49-F238E27FC236}">
-                <a16:creationId xmlns:a16="http://schemas.microsoft.com/office/drawing/2014/main" xmlns="" id="{38436E23-043D-3D49-9FA8-D80811E522B6}"/>
+                <a16:creationId xmlns:a16="http://schemas.microsoft.com/office/drawing/2014/main" id="{38436E23-043D-3D49-9FA8-D80811E522B6}"/>
               </a:ext>
             </a:extLst>
           </p:cNvPr>
@@ -10544,13 +10512,6 @@
     <a:masterClrMapping/>
   </p:clrMapOvr>
   <p:transition spd="med"/>
-  <p:timing>
-    <p:tnLst>
-      <p:par>
-        <p:cTn id="1" dur="indefinite" restart="never" nodeType="tmRoot"/>
-      </p:par>
-    </p:tnLst>
-  </p:timing>
 </p:sld>
 </file>
 
@@ -10591,7 +10552,7 @@
           </a:prstGeom>
           <a:extLst>
             <a:ext uri="{C572A759-6A51-4108-AA02-DFA0A04FC94B}">
-              <ma14:wrappingTextBoxFlag xmlns="" xmlns:ma14="http://schemas.microsoft.com/office/mac/drawingml/2011/main" val="1"/>
+              <ma14:wrappingTextBoxFlag xmlns:ma14="http://schemas.microsoft.com/office/mac/drawingml/2011/main" xmlns="" val="1"/>
             </a:ext>
           </a:extLst>
         </p:spPr>
@@ -10611,7 +10572,7 @@
           <p:cNvPr id="8" name="Text Placeholder 7">
             <a:extLst>
               <a:ext uri="{FF2B5EF4-FFF2-40B4-BE49-F238E27FC236}">
-                <a16:creationId xmlns:a16="http://schemas.microsoft.com/office/drawing/2014/main" xmlns="" id="{38436E23-043D-3D49-9FA8-D80811E522B6}"/>
+                <a16:creationId xmlns:a16="http://schemas.microsoft.com/office/drawing/2014/main" id="{38436E23-043D-3D49-9FA8-D80811E522B6}"/>
               </a:ext>
             </a:extLst>
           </p:cNvPr>
@@ -10672,7 +10633,7 @@
           <p:cNvPr id="9" name="Picture 8">
             <a:extLst>
               <a:ext uri="{FF2B5EF4-FFF2-40B4-BE49-F238E27FC236}">
-                <a16:creationId xmlns:a16="http://schemas.microsoft.com/office/drawing/2014/main" xmlns="" id="{D163140C-1F8A-5D4F-877D-07594E04BBB1}"/>
+                <a16:creationId xmlns:a16="http://schemas.microsoft.com/office/drawing/2014/main" id="{D163140C-1F8A-5D4F-877D-07594E04BBB1}"/>
               </a:ext>
             </a:extLst>
           </p:cNvPr>
@@ -10708,7 +10669,7 @@
           <p:cNvPr id="10" name="TextBox 9">
             <a:extLst>
               <a:ext uri="{FF2B5EF4-FFF2-40B4-BE49-F238E27FC236}">
-                <a16:creationId xmlns:a16="http://schemas.microsoft.com/office/drawing/2014/main" xmlns="" id="{DF126B8C-F447-9C4B-BD5E-550B915872E0}"/>
+                <a16:creationId xmlns:a16="http://schemas.microsoft.com/office/drawing/2014/main" id="{DF126B8C-F447-9C4B-BD5E-550B915872E0}"/>
               </a:ext>
             </a:extLst>
           </p:cNvPr>
@@ -10751,7 +10712,7 @@
           <p:cNvPr id="11" name="Picture 10">
             <a:extLst>
               <a:ext uri="{FF2B5EF4-FFF2-40B4-BE49-F238E27FC236}">
-                <a16:creationId xmlns:a16="http://schemas.microsoft.com/office/drawing/2014/main" xmlns="" id="{9D34B039-132C-6D46-9A44-C0F1AAA13C50}"/>
+                <a16:creationId xmlns:a16="http://schemas.microsoft.com/office/drawing/2014/main" id="{9D34B039-132C-6D46-9A44-C0F1AAA13C50}"/>
               </a:ext>
             </a:extLst>
           </p:cNvPr>
@@ -10787,7 +10748,7 @@
           <p:cNvPr id="12" name="TextBox 11">
             <a:extLst>
               <a:ext uri="{FF2B5EF4-FFF2-40B4-BE49-F238E27FC236}">
-                <a16:creationId xmlns:a16="http://schemas.microsoft.com/office/drawing/2014/main" xmlns="" id="{0D9474C7-54C0-B54A-9540-B83A4CE3B71B}"/>
+                <a16:creationId xmlns:a16="http://schemas.microsoft.com/office/drawing/2014/main" id="{0D9474C7-54C0-B54A-9540-B83A4CE3B71B}"/>
               </a:ext>
             </a:extLst>
           </p:cNvPr>
@@ -10826,7 +10787,7 @@
           <p:cNvPr id="13" name="Picture 12">
             <a:extLst>
               <a:ext uri="{FF2B5EF4-FFF2-40B4-BE49-F238E27FC236}">
-                <a16:creationId xmlns:a16="http://schemas.microsoft.com/office/drawing/2014/main" xmlns="" id="{BE952E1E-4CA4-F640-9BBD-53DB76DFFC4F}"/>
+                <a16:creationId xmlns:a16="http://schemas.microsoft.com/office/drawing/2014/main" id="{BE952E1E-4CA4-F640-9BBD-53DB76DFFC4F}"/>
               </a:ext>
             </a:extLst>
           </p:cNvPr>
@@ -10862,7 +10823,7 @@
           <p:cNvPr id="14" name="TextBox 13">
             <a:extLst>
               <a:ext uri="{FF2B5EF4-FFF2-40B4-BE49-F238E27FC236}">
-                <a16:creationId xmlns:a16="http://schemas.microsoft.com/office/drawing/2014/main" xmlns="" id="{35EFDB07-230F-8C4C-BFD3-80F13A045ACE}"/>
+                <a16:creationId xmlns:a16="http://schemas.microsoft.com/office/drawing/2014/main" id="{35EFDB07-230F-8C4C-BFD3-80F13A045ACE}"/>
               </a:ext>
             </a:extLst>
           </p:cNvPr>
@@ -10901,7 +10862,7 @@
           <p:cNvPr id="15" name="Picture 14">
             <a:extLst>
               <a:ext uri="{FF2B5EF4-FFF2-40B4-BE49-F238E27FC236}">
-                <a16:creationId xmlns:a16="http://schemas.microsoft.com/office/drawing/2014/main" xmlns="" id="{BC6C36CE-9902-C549-93DC-B288214D2815}"/>
+                <a16:creationId xmlns:a16="http://schemas.microsoft.com/office/drawing/2014/main" id="{BC6C36CE-9902-C549-93DC-B288214D2815}"/>
               </a:ext>
             </a:extLst>
           </p:cNvPr>
@@ -10937,7 +10898,7 @@
           <p:cNvPr id="16" name="TextBox 15">
             <a:extLst>
               <a:ext uri="{FF2B5EF4-FFF2-40B4-BE49-F238E27FC236}">
-                <a16:creationId xmlns:a16="http://schemas.microsoft.com/office/drawing/2014/main" xmlns="" id="{C5AF383C-2D54-E447-8717-54E7289500E5}"/>
+                <a16:creationId xmlns:a16="http://schemas.microsoft.com/office/drawing/2014/main" id="{C5AF383C-2D54-E447-8717-54E7289500E5}"/>
               </a:ext>
             </a:extLst>
           </p:cNvPr>
@@ -10978,7 +10939,7 @@
           <p:cNvPr id="25" name="TextBox 24">
             <a:extLst>
               <a:ext uri="{FF2B5EF4-FFF2-40B4-BE49-F238E27FC236}">
-                <a16:creationId xmlns:a16="http://schemas.microsoft.com/office/drawing/2014/main" xmlns="" id="{446D6E44-8DD0-BA47-BA46-5A10BE1B5DE6}"/>
+                <a16:creationId xmlns:a16="http://schemas.microsoft.com/office/drawing/2014/main" id="{446D6E44-8DD0-BA47-BA46-5A10BE1B5DE6}"/>
               </a:ext>
             </a:extLst>
           </p:cNvPr>
@@ -11018,7 +10979,7 @@
           <p:cNvPr id="26" name="Picture 25">
             <a:extLst>
               <a:ext uri="{FF2B5EF4-FFF2-40B4-BE49-F238E27FC236}">
-                <a16:creationId xmlns:a16="http://schemas.microsoft.com/office/drawing/2014/main" xmlns="" id="{7589BDC0-E249-3B4C-A1DF-76B502E9E460}"/>
+                <a16:creationId xmlns:a16="http://schemas.microsoft.com/office/drawing/2014/main" id="{7589BDC0-E249-3B4C-A1DF-76B502E9E460}"/>
               </a:ext>
             </a:extLst>
           </p:cNvPr>
@@ -11054,7 +11015,7 @@
           <p:cNvPr id="31" name="Straight Connector 30">
             <a:extLst>
               <a:ext uri="{FF2B5EF4-FFF2-40B4-BE49-F238E27FC236}">
-                <a16:creationId xmlns:a16="http://schemas.microsoft.com/office/drawing/2014/main" xmlns="" id="{351E654F-0849-D640-A5D1-39BA8E1B6634}"/>
+                <a16:creationId xmlns:a16="http://schemas.microsoft.com/office/drawing/2014/main" id="{351E654F-0849-D640-A5D1-39BA8E1B6634}"/>
               </a:ext>
             </a:extLst>
           </p:cNvPr>
@@ -11098,7 +11059,7 @@
           <p:cNvPr id="32" name="Straight Connector 31">
             <a:extLst>
               <a:ext uri="{FF2B5EF4-FFF2-40B4-BE49-F238E27FC236}">
-                <a16:creationId xmlns:a16="http://schemas.microsoft.com/office/drawing/2014/main" xmlns="" id="{37FAB9D5-22BC-1740-9AED-C6175B9058C9}"/>
+                <a16:creationId xmlns:a16="http://schemas.microsoft.com/office/drawing/2014/main" id="{37FAB9D5-22BC-1740-9AED-C6175B9058C9}"/>
               </a:ext>
             </a:extLst>
           </p:cNvPr>
@@ -11144,7 +11105,7 @@
           <p:cNvPr id="33" name="Straight Connector 32">
             <a:extLst>
               <a:ext uri="{FF2B5EF4-FFF2-40B4-BE49-F238E27FC236}">
-                <a16:creationId xmlns:a16="http://schemas.microsoft.com/office/drawing/2014/main" xmlns="" id="{5F00015F-DD6E-AC45-91BA-2A68B3C41A01}"/>
+                <a16:creationId xmlns:a16="http://schemas.microsoft.com/office/drawing/2014/main" id="{5F00015F-DD6E-AC45-91BA-2A68B3C41A01}"/>
               </a:ext>
             </a:extLst>
           </p:cNvPr>
@@ -11188,7 +11149,7 @@
           <p:cNvPr id="34" name="Straight Connector 33">
             <a:extLst>
               <a:ext uri="{FF2B5EF4-FFF2-40B4-BE49-F238E27FC236}">
-                <a16:creationId xmlns:a16="http://schemas.microsoft.com/office/drawing/2014/main" xmlns="" id="{03DFBED5-256D-CA44-804D-FCABBF307FE7}"/>
+                <a16:creationId xmlns:a16="http://schemas.microsoft.com/office/drawing/2014/main" id="{03DFBED5-256D-CA44-804D-FCABBF307FE7}"/>
               </a:ext>
             </a:extLst>
           </p:cNvPr>
@@ -11234,7 +11195,7 @@
           <p:cNvPr id="35" name="Straight Connector 34">
             <a:extLst>
               <a:ext uri="{FF2B5EF4-FFF2-40B4-BE49-F238E27FC236}">
-                <a16:creationId xmlns:a16="http://schemas.microsoft.com/office/drawing/2014/main" xmlns="" id="{93C87B89-AD20-374A-93B6-96F8D8DCA2B2}"/>
+                <a16:creationId xmlns:a16="http://schemas.microsoft.com/office/drawing/2014/main" id="{93C87B89-AD20-374A-93B6-96F8D8DCA2B2}"/>
               </a:ext>
             </a:extLst>
           </p:cNvPr>
@@ -11278,7 +11239,7 @@
           <p:cNvPr id="38" name="TextBox 37">
             <a:extLst>
               <a:ext uri="{FF2B5EF4-FFF2-40B4-BE49-F238E27FC236}">
-                <a16:creationId xmlns:a16="http://schemas.microsoft.com/office/drawing/2014/main" xmlns="" id="{0033E436-6580-1844-804F-CED039B683CC}"/>
+                <a16:creationId xmlns:a16="http://schemas.microsoft.com/office/drawing/2014/main" id="{0033E436-6580-1844-804F-CED039B683CC}"/>
               </a:ext>
             </a:extLst>
           </p:cNvPr>
@@ -11352,7 +11313,7 @@
           <p:cNvPr id="40" name="TextBox 39">
             <a:extLst>
               <a:ext uri="{FF2B5EF4-FFF2-40B4-BE49-F238E27FC236}">
-                <a16:creationId xmlns:a16="http://schemas.microsoft.com/office/drawing/2014/main" xmlns="" id="{95C912AC-B1A4-3A4C-B547-3340B52DF45F}"/>
+                <a16:creationId xmlns:a16="http://schemas.microsoft.com/office/drawing/2014/main" id="{95C912AC-B1A4-3A4C-B547-3340B52DF45F}"/>
               </a:ext>
             </a:extLst>
           </p:cNvPr>
@@ -11388,7 +11349,7 @@
           <p:cNvPr id="44" name="TextBox 43">
             <a:extLst>
               <a:ext uri="{FF2B5EF4-FFF2-40B4-BE49-F238E27FC236}">
-                <a16:creationId xmlns:a16="http://schemas.microsoft.com/office/drawing/2014/main" xmlns="" id="{AE349F04-4F9F-9443-91F7-AF0E10881681}"/>
+                <a16:creationId xmlns:a16="http://schemas.microsoft.com/office/drawing/2014/main" id="{AE349F04-4F9F-9443-91F7-AF0E10881681}"/>
               </a:ext>
             </a:extLst>
           </p:cNvPr>
@@ -11428,7 +11389,7 @@
           <p:cNvPr id="47" name="Straight Connector 46">
             <a:extLst>
               <a:ext uri="{FF2B5EF4-FFF2-40B4-BE49-F238E27FC236}">
-                <a16:creationId xmlns:a16="http://schemas.microsoft.com/office/drawing/2014/main" xmlns="" id="{0456150B-B835-104A-A0D1-A000183EE513}"/>
+                <a16:creationId xmlns:a16="http://schemas.microsoft.com/office/drawing/2014/main" id="{0456150B-B835-104A-A0D1-A000183EE513}"/>
               </a:ext>
             </a:extLst>
           </p:cNvPr>
@@ -11474,7 +11435,7 @@
           <p:cNvPr id="49" name="Picture 48">
             <a:extLst>
               <a:ext uri="{FF2B5EF4-FFF2-40B4-BE49-F238E27FC236}">
-                <a16:creationId xmlns:a16="http://schemas.microsoft.com/office/drawing/2014/main" xmlns="" id="{97294088-8AD2-F246-923D-7378892AB986}"/>
+                <a16:creationId xmlns:a16="http://schemas.microsoft.com/office/drawing/2014/main" id="{97294088-8AD2-F246-923D-7378892AB986}"/>
               </a:ext>
             </a:extLst>
           </p:cNvPr>
@@ -11706,7 +11667,7 @@
           </a:prstGeom>
           <a:extLst>
             <a:ext uri="{C572A759-6A51-4108-AA02-DFA0A04FC94B}">
-              <ma14:wrappingTextBoxFlag xmlns="" xmlns:ma14="http://schemas.microsoft.com/office/mac/drawingml/2011/main" val="1"/>
+              <ma14:wrappingTextBoxFlag xmlns:ma14="http://schemas.microsoft.com/office/mac/drawingml/2011/main" xmlns="" val="1"/>
             </a:ext>
           </a:extLst>
         </p:spPr>
@@ -11726,7 +11687,7 @@
           <p:cNvPr id="8" name="Text Placeholder 7">
             <a:extLst>
               <a:ext uri="{FF2B5EF4-FFF2-40B4-BE49-F238E27FC236}">
-                <a16:creationId xmlns:a16="http://schemas.microsoft.com/office/drawing/2014/main" xmlns="" id="{38436E23-043D-3D49-9FA8-D80811E522B6}"/>
+                <a16:creationId xmlns:a16="http://schemas.microsoft.com/office/drawing/2014/main" id="{38436E23-043D-3D49-9FA8-D80811E522B6}"/>
               </a:ext>
             </a:extLst>
           </p:cNvPr>
@@ -11787,7 +11748,7 @@
           <p:cNvPr id="9" name="Picture 8">
             <a:extLst>
               <a:ext uri="{FF2B5EF4-FFF2-40B4-BE49-F238E27FC236}">
-                <a16:creationId xmlns:a16="http://schemas.microsoft.com/office/drawing/2014/main" xmlns="" id="{D163140C-1F8A-5D4F-877D-07594E04BBB1}"/>
+                <a16:creationId xmlns:a16="http://schemas.microsoft.com/office/drawing/2014/main" id="{D163140C-1F8A-5D4F-877D-07594E04BBB1}"/>
               </a:ext>
             </a:extLst>
           </p:cNvPr>
@@ -11823,7 +11784,7 @@
           <p:cNvPr id="10" name="TextBox 9">
             <a:extLst>
               <a:ext uri="{FF2B5EF4-FFF2-40B4-BE49-F238E27FC236}">
-                <a16:creationId xmlns:a16="http://schemas.microsoft.com/office/drawing/2014/main" xmlns="" id="{DF126B8C-F447-9C4B-BD5E-550B915872E0}"/>
+                <a16:creationId xmlns:a16="http://schemas.microsoft.com/office/drawing/2014/main" id="{DF126B8C-F447-9C4B-BD5E-550B915872E0}"/>
               </a:ext>
             </a:extLst>
           </p:cNvPr>
@@ -11866,7 +11827,7 @@
           <p:cNvPr id="11" name="Picture 10">
             <a:extLst>
               <a:ext uri="{FF2B5EF4-FFF2-40B4-BE49-F238E27FC236}">
-                <a16:creationId xmlns:a16="http://schemas.microsoft.com/office/drawing/2014/main" xmlns="" id="{9D34B039-132C-6D46-9A44-C0F1AAA13C50}"/>
+                <a16:creationId xmlns:a16="http://schemas.microsoft.com/office/drawing/2014/main" id="{9D34B039-132C-6D46-9A44-C0F1AAA13C50}"/>
               </a:ext>
             </a:extLst>
           </p:cNvPr>
@@ -11902,7 +11863,7 @@
           <p:cNvPr id="12" name="TextBox 11">
             <a:extLst>
               <a:ext uri="{FF2B5EF4-FFF2-40B4-BE49-F238E27FC236}">
-                <a16:creationId xmlns:a16="http://schemas.microsoft.com/office/drawing/2014/main" xmlns="" id="{0D9474C7-54C0-B54A-9540-B83A4CE3B71B}"/>
+                <a16:creationId xmlns:a16="http://schemas.microsoft.com/office/drawing/2014/main" id="{0D9474C7-54C0-B54A-9540-B83A4CE3B71B}"/>
               </a:ext>
             </a:extLst>
           </p:cNvPr>
@@ -11941,7 +11902,7 @@
           <p:cNvPr id="13" name="Picture 12">
             <a:extLst>
               <a:ext uri="{FF2B5EF4-FFF2-40B4-BE49-F238E27FC236}">
-                <a16:creationId xmlns:a16="http://schemas.microsoft.com/office/drawing/2014/main" xmlns="" id="{BE952E1E-4CA4-F640-9BBD-53DB76DFFC4F}"/>
+                <a16:creationId xmlns:a16="http://schemas.microsoft.com/office/drawing/2014/main" id="{BE952E1E-4CA4-F640-9BBD-53DB76DFFC4F}"/>
               </a:ext>
             </a:extLst>
           </p:cNvPr>
@@ -11977,7 +11938,7 @@
           <p:cNvPr id="14" name="TextBox 13">
             <a:extLst>
               <a:ext uri="{FF2B5EF4-FFF2-40B4-BE49-F238E27FC236}">
-                <a16:creationId xmlns:a16="http://schemas.microsoft.com/office/drawing/2014/main" xmlns="" id="{35EFDB07-230F-8C4C-BFD3-80F13A045ACE}"/>
+                <a16:creationId xmlns:a16="http://schemas.microsoft.com/office/drawing/2014/main" id="{35EFDB07-230F-8C4C-BFD3-80F13A045ACE}"/>
               </a:ext>
             </a:extLst>
           </p:cNvPr>
@@ -12016,7 +11977,7 @@
           <p:cNvPr id="15" name="Picture 14">
             <a:extLst>
               <a:ext uri="{FF2B5EF4-FFF2-40B4-BE49-F238E27FC236}">
-                <a16:creationId xmlns:a16="http://schemas.microsoft.com/office/drawing/2014/main" xmlns="" id="{BC6C36CE-9902-C549-93DC-B288214D2815}"/>
+                <a16:creationId xmlns:a16="http://schemas.microsoft.com/office/drawing/2014/main" id="{BC6C36CE-9902-C549-93DC-B288214D2815}"/>
               </a:ext>
             </a:extLst>
           </p:cNvPr>
@@ -12052,7 +12013,7 @@
           <p:cNvPr id="16" name="TextBox 15">
             <a:extLst>
               <a:ext uri="{FF2B5EF4-FFF2-40B4-BE49-F238E27FC236}">
-                <a16:creationId xmlns:a16="http://schemas.microsoft.com/office/drawing/2014/main" xmlns="" id="{C5AF383C-2D54-E447-8717-54E7289500E5}"/>
+                <a16:creationId xmlns:a16="http://schemas.microsoft.com/office/drawing/2014/main" id="{C5AF383C-2D54-E447-8717-54E7289500E5}"/>
               </a:ext>
             </a:extLst>
           </p:cNvPr>
@@ -12093,7 +12054,7 @@
           <p:cNvPr id="17" name="Picture 16">
             <a:extLst>
               <a:ext uri="{FF2B5EF4-FFF2-40B4-BE49-F238E27FC236}">
-                <a16:creationId xmlns:a16="http://schemas.microsoft.com/office/drawing/2014/main" xmlns="" id="{3C048B77-D91C-3F4B-B35A-6B6B277CB363}"/>
+                <a16:creationId xmlns:a16="http://schemas.microsoft.com/office/drawing/2014/main" id="{3C048B77-D91C-3F4B-B35A-6B6B277CB363}"/>
               </a:ext>
             </a:extLst>
           </p:cNvPr>
@@ -12129,7 +12090,7 @@
           <p:cNvPr id="18" name="TextBox 17">
             <a:extLst>
               <a:ext uri="{FF2B5EF4-FFF2-40B4-BE49-F238E27FC236}">
-                <a16:creationId xmlns:a16="http://schemas.microsoft.com/office/drawing/2014/main" xmlns="" id="{8FC702AC-8CF1-6743-AB0F-EE9AC1D10C75}"/>
+                <a16:creationId xmlns:a16="http://schemas.microsoft.com/office/drawing/2014/main" id="{8FC702AC-8CF1-6743-AB0F-EE9AC1D10C75}"/>
               </a:ext>
             </a:extLst>
           </p:cNvPr>
@@ -12165,7 +12126,7 @@
           <p:cNvPr id="25" name="TextBox 24">
             <a:extLst>
               <a:ext uri="{FF2B5EF4-FFF2-40B4-BE49-F238E27FC236}">
-                <a16:creationId xmlns:a16="http://schemas.microsoft.com/office/drawing/2014/main" xmlns="" id="{446D6E44-8DD0-BA47-BA46-5A10BE1B5DE6}"/>
+                <a16:creationId xmlns:a16="http://schemas.microsoft.com/office/drawing/2014/main" id="{446D6E44-8DD0-BA47-BA46-5A10BE1B5DE6}"/>
               </a:ext>
             </a:extLst>
           </p:cNvPr>
@@ -12205,7 +12166,7 @@
           <p:cNvPr id="26" name="Picture 25">
             <a:extLst>
               <a:ext uri="{FF2B5EF4-FFF2-40B4-BE49-F238E27FC236}">
-                <a16:creationId xmlns:a16="http://schemas.microsoft.com/office/drawing/2014/main" xmlns="" id="{7589BDC0-E249-3B4C-A1DF-76B502E9E460}"/>
+                <a16:creationId xmlns:a16="http://schemas.microsoft.com/office/drawing/2014/main" id="{7589BDC0-E249-3B4C-A1DF-76B502E9E460}"/>
               </a:ext>
             </a:extLst>
           </p:cNvPr>
@@ -12241,7 +12202,7 @@
           <p:cNvPr id="31" name="Straight Connector 30">
             <a:extLst>
               <a:ext uri="{FF2B5EF4-FFF2-40B4-BE49-F238E27FC236}">
-                <a16:creationId xmlns:a16="http://schemas.microsoft.com/office/drawing/2014/main" xmlns="" id="{351E654F-0849-D640-A5D1-39BA8E1B6634}"/>
+                <a16:creationId xmlns:a16="http://schemas.microsoft.com/office/drawing/2014/main" id="{351E654F-0849-D640-A5D1-39BA8E1B6634}"/>
               </a:ext>
             </a:extLst>
           </p:cNvPr>
@@ -12285,7 +12246,7 @@
           <p:cNvPr id="32" name="Straight Connector 31">
             <a:extLst>
               <a:ext uri="{FF2B5EF4-FFF2-40B4-BE49-F238E27FC236}">
-                <a16:creationId xmlns:a16="http://schemas.microsoft.com/office/drawing/2014/main" xmlns="" id="{37FAB9D5-22BC-1740-9AED-C6175B9058C9}"/>
+                <a16:creationId xmlns:a16="http://schemas.microsoft.com/office/drawing/2014/main" id="{37FAB9D5-22BC-1740-9AED-C6175B9058C9}"/>
               </a:ext>
             </a:extLst>
           </p:cNvPr>
@@ -12331,7 +12292,7 @@
           <p:cNvPr id="33" name="Straight Connector 32">
             <a:extLst>
               <a:ext uri="{FF2B5EF4-FFF2-40B4-BE49-F238E27FC236}">
-                <a16:creationId xmlns:a16="http://schemas.microsoft.com/office/drawing/2014/main" xmlns="" id="{5F00015F-DD6E-AC45-91BA-2A68B3C41A01}"/>
+                <a16:creationId xmlns:a16="http://schemas.microsoft.com/office/drawing/2014/main" id="{5F00015F-DD6E-AC45-91BA-2A68B3C41A01}"/>
               </a:ext>
             </a:extLst>
           </p:cNvPr>
@@ -12375,7 +12336,7 @@
           <p:cNvPr id="34" name="Straight Connector 33">
             <a:extLst>
               <a:ext uri="{FF2B5EF4-FFF2-40B4-BE49-F238E27FC236}">
-                <a16:creationId xmlns:a16="http://schemas.microsoft.com/office/drawing/2014/main" xmlns="" id="{03DFBED5-256D-CA44-804D-FCABBF307FE7}"/>
+                <a16:creationId xmlns:a16="http://schemas.microsoft.com/office/drawing/2014/main" id="{03DFBED5-256D-CA44-804D-FCABBF307FE7}"/>
               </a:ext>
             </a:extLst>
           </p:cNvPr>
@@ -12421,7 +12382,7 @@
           <p:cNvPr id="35" name="Straight Connector 34">
             <a:extLst>
               <a:ext uri="{FF2B5EF4-FFF2-40B4-BE49-F238E27FC236}">
-                <a16:creationId xmlns:a16="http://schemas.microsoft.com/office/drawing/2014/main" xmlns="" id="{93C87B89-AD20-374A-93B6-96F8D8DCA2B2}"/>
+                <a16:creationId xmlns:a16="http://schemas.microsoft.com/office/drawing/2014/main" id="{93C87B89-AD20-374A-93B6-96F8D8DCA2B2}"/>
               </a:ext>
             </a:extLst>
           </p:cNvPr>
@@ -12465,7 +12426,7 @@
           <p:cNvPr id="38" name="TextBox 37">
             <a:extLst>
               <a:ext uri="{FF2B5EF4-FFF2-40B4-BE49-F238E27FC236}">
-                <a16:creationId xmlns:a16="http://schemas.microsoft.com/office/drawing/2014/main" xmlns="" id="{0033E436-6580-1844-804F-CED039B683CC}"/>
+                <a16:creationId xmlns:a16="http://schemas.microsoft.com/office/drawing/2014/main" id="{0033E436-6580-1844-804F-CED039B683CC}"/>
               </a:ext>
             </a:extLst>
           </p:cNvPr>
@@ -12539,7 +12500,7 @@
           <p:cNvPr id="40" name="TextBox 39">
             <a:extLst>
               <a:ext uri="{FF2B5EF4-FFF2-40B4-BE49-F238E27FC236}">
-                <a16:creationId xmlns:a16="http://schemas.microsoft.com/office/drawing/2014/main" xmlns="" id="{95C912AC-B1A4-3A4C-B547-3340B52DF45F}"/>
+                <a16:creationId xmlns:a16="http://schemas.microsoft.com/office/drawing/2014/main" id="{95C912AC-B1A4-3A4C-B547-3340B52DF45F}"/>
               </a:ext>
             </a:extLst>
           </p:cNvPr>
@@ -12575,7 +12536,7 @@
           <p:cNvPr id="44" name="TextBox 43">
             <a:extLst>
               <a:ext uri="{FF2B5EF4-FFF2-40B4-BE49-F238E27FC236}">
-                <a16:creationId xmlns:a16="http://schemas.microsoft.com/office/drawing/2014/main" xmlns="" id="{AE349F04-4F9F-9443-91F7-AF0E10881681}"/>
+                <a16:creationId xmlns:a16="http://schemas.microsoft.com/office/drawing/2014/main" id="{AE349F04-4F9F-9443-91F7-AF0E10881681}"/>
               </a:ext>
             </a:extLst>
           </p:cNvPr>
@@ -12621,13 +12582,6 @@
     <a:masterClrMapping/>
   </p:clrMapOvr>
   <p:transition spd="med"/>
-  <p:timing>
-    <p:tnLst>
-      <p:par>
-        <p:cTn id="1" dur="indefinite" restart="never" nodeType="tmRoot"/>
-      </p:par>
-    </p:tnLst>
-  </p:timing>
 </p:sld>
 </file>
 
@@ -12770,7 +12724,7 @@
           </a:prstGeom>
           <a:extLst>
             <a:ext uri="{C572A759-6A51-4108-AA02-DFA0A04FC94B}">
-              <ma14:wrappingTextBoxFlag xmlns="" xmlns:ma14="http://schemas.microsoft.com/office/mac/drawingml/2011/main" val="1"/>
+              <ma14:wrappingTextBoxFlag xmlns:ma14="http://schemas.microsoft.com/office/mac/drawingml/2011/main" xmlns="" val="1"/>
             </a:ext>
           </a:extLst>
         </p:spPr>
@@ -12790,7 +12744,7 @@
           <p:cNvPr id="8" name="Text Placeholder 7">
             <a:extLst>
               <a:ext uri="{FF2B5EF4-FFF2-40B4-BE49-F238E27FC236}">
-                <a16:creationId xmlns:a16="http://schemas.microsoft.com/office/drawing/2014/main" xmlns="" id="{38436E23-043D-3D49-9FA8-D80811E522B6}"/>
+                <a16:creationId xmlns:a16="http://schemas.microsoft.com/office/drawing/2014/main" id="{38436E23-043D-3D49-9FA8-D80811E522B6}"/>
               </a:ext>
             </a:extLst>
           </p:cNvPr>
@@ -12858,13 +12812,6 @@
     <a:masterClrMapping/>
   </p:clrMapOvr>
   <p:transition spd="med"/>
-  <p:timing>
-    <p:tnLst>
-      <p:par>
-        <p:cTn id="1" dur="indefinite" restart="never" nodeType="tmRoot"/>
-      </p:par>
-    </p:tnLst>
-  </p:timing>
 </p:sld>
 </file>
 
@@ -12905,7 +12852,7 @@
           </a:prstGeom>
           <a:extLst>
             <a:ext uri="{C572A759-6A51-4108-AA02-DFA0A04FC94B}">
-              <ma14:wrappingTextBoxFlag xmlns="" xmlns:ma14="http://schemas.microsoft.com/office/mac/drawingml/2011/main" val="1"/>
+              <ma14:wrappingTextBoxFlag xmlns:ma14="http://schemas.microsoft.com/office/mac/drawingml/2011/main" xmlns="" val="1"/>
             </a:ext>
           </a:extLst>
         </p:spPr>
@@ -12925,7 +12872,7 @@
           <p:cNvPr id="8" name="Text Placeholder 7">
             <a:extLst>
               <a:ext uri="{FF2B5EF4-FFF2-40B4-BE49-F238E27FC236}">
-                <a16:creationId xmlns:a16="http://schemas.microsoft.com/office/drawing/2014/main" xmlns="" id="{38436E23-043D-3D49-9FA8-D80811E522B6}"/>
+                <a16:creationId xmlns:a16="http://schemas.microsoft.com/office/drawing/2014/main" id="{38436E23-043D-3D49-9FA8-D80811E522B6}"/>
               </a:ext>
             </a:extLst>
           </p:cNvPr>
@@ -13021,13 +12968,6 @@
     <a:masterClrMapping/>
   </p:clrMapOvr>
   <p:transition spd="med"/>
-  <p:timing>
-    <p:tnLst>
-      <p:par>
-        <p:cTn id="1" dur="indefinite" restart="never" nodeType="tmRoot"/>
-      </p:par>
-    </p:tnLst>
-  </p:timing>
 </p:sld>
 </file>
 
@@ -13068,7 +13008,7 @@
           </a:prstGeom>
           <a:extLst>
             <a:ext uri="{C572A759-6A51-4108-AA02-DFA0A04FC94B}">
-              <ma14:wrappingTextBoxFlag xmlns="" xmlns:ma14="http://schemas.microsoft.com/office/mac/drawingml/2011/main" val="1"/>
+              <ma14:wrappingTextBoxFlag xmlns:ma14="http://schemas.microsoft.com/office/mac/drawingml/2011/main" xmlns="" val="1"/>
             </a:ext>
           </a:extLst>
         </p:spPr>
@@ -13088,7 +13028,7 @@
           <p:cNvPr id="8" name="Text Placeholder 7">
             <a:extLst>
               <a:ext uri="{FF2B5EF4-FFF2-40B4-BE49-F238E27FC236}">
-                <a16:creationId xmlns:a16="http://schemas.microsoft.com/office/drawing/2014/main" xmlns="" id="{38436E23-043D-3D49-9FA8-D80811E522B6}"/>
+                <a16:creationId xmlns:a16="http://schemas.microsoft.com/office/drawing/2014/main" id="{38436E23-043D-3D49-9FA8-D80811E522B6}"/>
               </a:ext>
             </a:extLst>
           </p:cNvPr>
@@ -13322,13 +13262,6 @@
     <a:masterClrMapping/>
   </p:clrMapOvr>
   <p:transition spd="med"/>
-  <p:timing>
-    <p:tnLst>
-      <p:par>
-        <p:cTn id="1" dur="indefinite" restart="never" nodeType="tmRoot"/>
-      </p:par>
-    </p:tnLst>
-  </p:timing>
 </p:sld>
 </file>
 
@@ -13369,7 +13302,7 @@
           </a:prstGeom>
           <a:extLst>
             <a:ext uri="{C572A759-6A51-4108-AA02-DFA0A04FC94B}">
-              <ma14:wrappingTextBoxFlag xmlns="" xmlns:ma14="http://schemas.microsoft.com/office/mac/drawingml/2011/main" val="1"/>
+              <ma14:wrappingTextBoxFlag xmlns:ma14="http://schemas.microsoft.com/office/mac/drawingml/2011/main" xmlns="" val="1"/>
             </a:ext>
           </a:extLst>
         </p:spPr>
@@ -13389,7 +13322,7 @@
           <p:cNvPr id="8" name="Text Placeholder 7">
             <a:extLst>
               <a:ext uri="{FF2B5EF4-FFF2-40B4-BE49-F238E27FC236}">
-                <a16:creationId xmlns:a16="http://schemas.microsoft.com/office/drawing/2014/main" xmlns="" id="{38436E23-043D-3D49-9FA8-D80811E522B6}"/>
+                <a16:creationId xmlns:a16="http://schemas.microsoft.com/office/drawing/2014/main" id="{38436E23-043D-3D49-9FA8-D80811E522B6}"/>
               </a:ext>
             </a:extLst>
           </p:cNvPr>
@@ -13623,13 +13556,6 @@
     <a:masterClrMapping/>
   </p:clrMapOvr>
   <p:transition spd="med"/>
-  <p:timing>
-    <p:tnLst>
-      <p:par>
-        <p:cTn id="1" dur="indefinite" restart="never" nodeType="tmRoot"/>
-      </p:par>
-    </p:tnLst>
-  </p:timing>
 </p:sld>
 </file>
 
@@ -13670,7 +13596,7 @@
           </a:prstGeom>
           <a:extLst>
             <a:ext uri="{C572A759-6A51-4108-AA02-DFA0A04FC94B}">
-              <ma14:wrappingTextBoxFlag xmlns="" xmlns:ma14="http://schemas.microsoft.com/office/mac/drawingml/2011/main" val="1"/>
+              <ma14:wrappingTextBoxFlag xmlns:ma14="http://schemas.microsoft.com/office/mac/drawingml/2011/main" xmlns="" val="1"/>
             </a:ext>
           </a:extLst>
         </p:spPr>
@@ -13690,7 +13616,7 @@
           <p:cNvPr id="8" name="Text Placeholder 7">
             <a:extLst>
               <a:ext uri="{FF2B5EF4-FFF2-40B4-BE49-F238E27FC236}">
-                <a16:creationId xmlns:a16="http://schemas.microsoft.com/office/drawing/2014/main" xmlns="" id="{38436E23-043D-3D49-9FA8-D80811E522B6}"/>
+                <a16:creationId xmlns:a16="http://schemas.microsoft.com/office/drawing/2014/main" id="{38436E23-043D-3D49-9FA8-D80811E522B6}"/>
               </a:ext>
             </a:extLst>
           </p:cNvPr>
@@ -13751,7 +13677,7 @@
           <p:cNvPr id="9" name="Picture 8">
             <a:extLst>
               <a:ext uri="{FF2B5EF4-FFF2-40B4-BE49-F238E27FC236}">
-                <a16:creationId xmlns:a16="http://schemas.microsoft.com/office/drawing/2014/main" xmlns="" id="{D163140C-1F8A-5D4F-877D-07594E04BBB1}"/>
+                <a16:creationId xmlns:a16="http://schemas.microsoft.com/office/drawing/2014/main" id="{D163140C-1F8A-5D4F-877D-07594E04BBB1}"/>
               </a:ext>
             </a:extLst>
           </p:cNvPr>
@@ -13787,7 +13713,7 @@
           <p:cNvPr id="10" name="TextBox 9">
             <a:extLst>
               <a:ext uri="{FF2B5EF4-FFF2-40B4-BE49-F238E27FC236}">
-                <a16:creationId xmlns:a16="http://schemas.microsoft.com/office/drawing/2014/main" xmlns="" id="{DF126B8C-F447-9C4B-BD5E-550B915872E0}"/>
+                <a16:creationId xmlns:a16="http://schemas.microsoft.com/office/drawing/2014/main" id="{DF126B8C-F447-9C4B-BD5E-550B915872E0}"/>
               </a:ext>
             </a:extLst>
           </p:cNvPr>
@@ -13830,7 +13756,7 @@
           <p:cNvPr id="11" name="Picture 10">
             <a:extLst>
               <a:ext uri="{FF2B5EF4-FFF2-40B4-BE49-F238E27FC236}">
-                <a16:creationId xmlns:a16="http://schemas.microsoft.com/office/drawing/2014/main" xmlns="" id="{9D34B039-132C-6D46-9A44-C0F1AAA13C50}"/>
+                <a16:creationId xmlns:a16="http://schemas.microsoft.com/office/drawing/2014/main" id="{9D34B039-132C-6D46-9A44-C0F1AAA13C50}"/>
               </a:ext>
             </a:extLst>
           </p:cNvPr>
@@ -13866,7 +13792,7 @@
           <p:cNvPr id="12" name="TextBox 11">
             <a:extLst>
               <a:ext uri="{FF2B5EF4-FFF2-40B4-BE49-F238E27FC236}">
-                <a16:creationId xmlns:a16="http://schemas.microsoft.com/office/drawing/2014/main" xmlns="" id="{0D9474C7-54C0-B54A-9540-B83A4CE3B71B}"/>
+                <a16:creationId xmlns:a16="http://schemas.microsoft.com/office/drawing/2014/main" id="{0D9474C7-54C0-B54A-9540-B83A4CE3B71B}"/>
               </a:ext>
             </a:extLst>
           </p:cNvPr>
@@ -13905,7 +13831,7 @@
           <p:cNvPr id="13" name="Picture 12">
             <a:extLst>
               <a:ext uri="{FF2B5EF4-FFF2-40B4-BE49-F238E27FC236}">
-                <a16:creationId xmlns:a16="http://schemas.microsoft.com/office/drawing/2014/main" xmlns="" id="{BE952E1E-4CA4-F640-9BBD-53DB76DFFC4F}"/>
+                <a16:creationId xmlns:a16="http://schemas.microsoft.com/office/drawing/2014/main" id="{BE952E1E-4CA4-F640-9BBD-53DB76DFFC4F}"/>
               </a:ext>
             </a:extLst>
           </p:cNvPr>
@@ -13941,7 +13867,7 @@
           <p:cNvPr id="14" name="TextBox 13">
             <a:extLst>
               <a:ext uri="{FF2B5EF4-FFF2-40B4-BE49-F238E27FC236}">
-                <a16:creationId xmlns:a16="http://schemas.microsoft.com/office/drawing/2014/main" xmlns="" id="{35EFDB07-230F-8C4C-BFD3-80F13A045ACE}"/>
+                <a16:creationId xmlns:a16="http://schemas.microsoft.com/office/drawing/2014/main" id="{35EFDB07-230F-8C4C-BFD3-80F13A045ACE}"/>
               </a:ext>
             </a:extLst>
           </p:cNvPr>
@@ -13980,7 +13906,7 @@
           <p:cNvPr id="15" name="Picture 14">
             <a:extLst>
               <a:ext uri="{FF2B5EF4-FFF2-40B4-BE49-F238E27FC236}">
-                <a16:creationId xmlns:a16="http://schemas.microsoft.com/office/drawing/2014/main" xmlns="" id="{BC6C36CE-9902-C549-93DC-B288214D2815}"/>
+                <a16:creationId xmlns:a16="http://schemas.microsoft.com/office/drawing/2014/main" id="{BC6C36CE-9902-C549-93DC-B288214D2815}"/>
               </a:ext>
             </a:extLst>
           </p:cNvPr>
@@ -14016,7 +13942,7 @@
           <p:cNvPr id="16" name="TextBox 15">
             <a:extLst>
               <a:ext uri="{FF2B5EF4-FFF2-40B4-BE49-F238E27FC236}">
-                <a16:creationId xmlns:a16="http://schemas.microsoft.com/office/drawing/2014/main" xmlns="" id="{C5AF383C-2D54-E447-8717-54E7289500E5}"/>
+                <a16:creationId xmlns:a16="http://schemas.microsoft.com/office/drawing/2014/main" id="{C5AF383C-2D54-E447-8717-54E7289500E5}"/>
               </a:ext>
             </a:extLst>
           </p:cNvPr>
@@ -14057,7 +13983,7 @@
           <p:cNvPr id="17" name="Picture 16">
             <a:extLst>
               <a:ext uri="{FF2B5EF4-FFF2-40B4-BE49-F238E27FC236}">
-                <a16:creationId xmlns:a16="http://schemas.microsoft.com/office/drawing/2014/main" xmlns="" id="{3C048B77-D91C-3F4B-B35A-6B6B277CB363}"/>
+                <a16:creationId xmlns:a16="http://schemas.microsoft.com/office/drawing/2014/main" id="{3C048B77-D91C-3F4B-B35A-6B6B277CB363}"/>
               </a:ext>
             </a:extLst>
           </p:cNvPr>
@@ -14093,7 +14019,7 @@
           <p:cNvPr id="18" name="TextBox 17">
             <a:extLst>
               <a:ext uri="{FF2B5EF4-FFF2-40B4-BE49-F238E27FC236}">
-                <a16:creationId xmlns:a16="http://schemas.microsoft.com/office/drawing/2014/main" xmlns="" id="{8FC702AC-8CF1-6743-AB0F-EE9AC1D10C75}"/>
+                <a16:creationId xmlns:a16="http://schemas.microsoft.com/office/drawing/2014/main" id="{8FC702AC-8CF1-6743-AB0F-EE9AC1D10C75}"/>
               </a:ext>
             </a:extLst>
           </p:cNvPr>
@@ -14129,7 +14055,7 @@
           <p:cNvPr id="21" name="TextBox 20">
             <a:extLst>
               <a:ext uri="{FF2B5EF4-FFF2-40B4-BE49-F238E27FC236}">
-                <a16:creationId xmlns:a16="http://schemas.microsoft.com/office/drawing/2014/main" xmlns="" id="{064D403A-1D33-9C45-A266-D4C966596758}"/>
+                <a16:creationId xmlns:a16="http://schemas.microsoft.com/office/drawing/2014/main" id="{064D403A-1D33-9C45-A266-D4C966596758}"/>
               </a:ext>
             </a:extLst>
           </p:cNvPr>
@@ -14169,7 +14095,7 @@
           <p:cNvPr id="25" name="TextBox 24">
             <a:extLst>
               <a:ext uri="{FF2B5EF4-FFF2-40B4-BE49-F238E27FC236}">
-                <a16:creationId xmlns:a16="http://schemas.microsoft.com/office/drawing/2014/main" xmlns="" id="{446D6E44-8DD0-BA47-BA46-5A10BE1B5DE6}"/>
+                <a16:creationId xmlns:a16="http://schemas.microsoft.com/office/drawing/2014/main" id="{446D6E44-8DD0-BA47-BA46-5A10BE1B5DE6}"/>
               </a:ext>
             </a:extLst>
           </p:cNvPr>
@@ -14209,7 +14135,7 @@
           <p:cNvPr id="26" name="Picture 25">
             <a:extLst>
               <a:ext uri="{FF2B5EF4-FFF2-40B4-BE49-F238E27FC236}">
-                <a16:creationId xmlns:a16="http://schemas.microsoft.com/office/drawing/2014/main" xmlns="" id="{7589BDC0-E249-3B4C-A1DF-76B502E9E460}"/>
+                <a16:creationId xmlns:a16="http://schemas.microsoft.com/office/drawing/2014/main" id="{7589BDC0-E249-3B4C-A1DF-76B502E9E460}"/>
               </a:ext>
             </a:extLst>
           </p:cNvPr>
@@ -14245,7 +14171,7 @@
           <p:cNvPr id="31" name="Straight Connector 30">
             <a:extLst>
               <a:ext uri="{FF2B5EF4-FFF2-40B4-BE49-F238E27FC236}">
-                <a16:creationId xmlns:a16="http://schemas.microsoft.com/office/drawing/2014/main" xmlns="" id="{351E654F-0849-D640-A5D1-39BA8E1B6634}"/>
+                <a16:creationId xmlns:a16="http://schemas.microsoft.com/office/drawing/2014/main" id="{351E654F-0849-D640-A5D1-39BA8E1B6634}"/>
               </a:ext>
             </a:extLst>
           </p:cNvPr>
@@ -14289,7 +14215,7 @@
           <p:cNvPr id="32" name="Straight Connector 31">
             <a:extLst>
               <a:ext uri="{FF2B5EF4-FFF2-40B4-BE49-F238E27FC236}">
-                <a16:creationId xmlns:a16="http://schemas.microsoft.com/office/drawing/2014/main" xmlns="" id="{37FAB9D5-22BC-1740-9AED-C6175B9058C9}"/>
+                <a16:creationId xmlns:a16="http://schemas.microsoft.com/office/drawing/2014/main" id="{37FAB9D5-22BC-1740-9AED-C6175B9058C9}"/>
               </a:ext>
             </a:extLst>
           </p:cNvPr>
@@ -14335,7 +14261,7 @@
           <p:cNvPr id="33" name="Straight Connector 32">
             <a:extLst>
               <a:ext uri="{FF2B5EF4-FFF2-40B4-BE49-F238E27FC236}">
-                <a16:creationId xmlns:a16="http://schemas.microsoft.com/office/drawing/2014/main" xmlns="" id="{5F00015F-DD6E-AC45-91BA-2A68B3C41A01}"/>
+                <a16:creationId xmlns:a16="http://schemas.microsoft.com/office/drawing/2014/main" id="{5F00015F-DD6E-AC45-91BA-2A68B3C41A01}"/>
               </a:ext>
             </a:extLst>
           </p:cNvPr>
@@ -14379,7 +14305,7 @@
           <p:cNvPr id="34" name="Straight Connector 33">
             <a:extLst>
               <a:ext uri="{FF2B5EF4-FFF2-40B4-BE49-F238E27FC236}">
-                <a16:creationId xmlns:a16="http://schemas.microsoft.com/office/drawing/2014/main" xmlns="" id="{03DFBED5-256D-CA44-804D-FCABBF307FE7}"/>
+                <a16:creationId xmlns:a16="http://schemas.microsoft.com/office/drawing/2014/main" id="{03DFBED5-256D-CA44-804D-FCABBF307FE7}"/>
               </a:ext>
             </a:extLst>
           </p:cNvPr>
@@ -14425,7 +14351,7 @@
           <p:cNvPr id="35" name="Straight Connector 34">
             <a:extLst>
               <a:ext uri="{FF2B5EF4-FFF2-40B4-BE49-F238E27FC236}">
-                <a16:creationId xmlns:a16="http://schemas.microsoft.com/office/drawing/2014/main" xmlns="" id="{93C87B89-AD20-374A-93B6-96F8D8DCA2B2}"/>
+                <a16:creationId xmlns:a16="http://schemas.microsoft.com/office/drawing/2014/main" id="{93C87B89-AD20-374A-93B6-96F8D8DCA2B2}"/>
               </a:ext>
             </a:extLst>
           </p:cNvPr>
@@ -14469,7 +14395,7 @@
           <p:cNvPr id="36" name="Straight Connector 35">
             <a:extLst>
               <a:ext uri="{FF2B5EF4-FFF2-40B4-BE49-F238E27FC236}">
-                <a16:creationId xmlns:a16="http://schemas.microsoft.com/office/drawing/2014/main" xmlns="" id="{B47082CE-E768-CF41-A760-407DC2313F04}"/>
+                <a16:creationId xmlns:a16="http://schemas.microsoft.com/office/drawing/2014/main" id="{B47082CE-E768-CF41-A760-407DC2313F04}"/>
               </a:ext>
             </a:extLst>
           </p:cNvPr>
@@ -14513,7 +14439,7 @@
           <p:cNvPr id="38" name="TextBox 37">
             <a:extLst>
               <a:ext uri="{FF2B5EF4-FFF2-40B4-BE49-F238E27FC236}">
-                <a16:creationId xmlns:a16="http://schemas.microsoft.com/office/drawing/2014/main" xmlns="" id="{0033E436-6580-1844-804F-CED039B683CC}"/>
+                <a16:creationId xmlns:a16="http://schemas.microsoft.com/office/drawing/2014/main" id="{0033E436-6580-1844-804F-CED039B683CC}"/>
               </a:ext>
             </a:extLst>
           </p:cNvPr>
@@ -14587,7 +14513,7 @@
           <p:cNvPr id="40" name="TextBox 39">
             <a:extLst>
               <a:ext uri="{FF2B5EF4-FFF2-40B4-BE49-F238E27FC236}">
-                <a16:creationId xmlns:a16="http://schemas.microsoft.com/office/drawing/2014/main" xmlns="" id="{95C912AC-B1A4-3A4C-B547-3340B52DF45F}"/>
+                <a16:creationId xmlns:a16="http://schemas.microsoft.com/office/drawing/2014/main" id="{95C912AC-B1A4-3A4C-B547-3340B52DF45F}"/>
               </a:ext>
             </a:extLst>
           </p:cNvPr>
@@ -14623,7 +14549,7 @@
           <p:cNvPr id="44" name="TextBox 43">
             <a:extLst>
               <a:ext uri="{FF2B5EF4-FFF2-40B4-BE49-F238E27FC236}">
-                <a16:creationId xmlns:a16="http://schemas.microsoft.com/office/drawing/2014/main" xmlns="" id="{AE349F04-4F9F-9443-91F7-AF0E10881681}"/>
+                <a16:creationId xmlns:a16="http://schemas.microsoft.com/office/drawing/2014/main" id="{AE349F04-4F9F-9443-91F7-AF0E10881681}"/>
               </a:ext>
             </a:extLst>
           </p:cNvPr>
@@ -14889,7 +14815,7 @@
           </a:prstGeom>
           <a:extLst>
             <a:ext uri="{C572A759-6A51-4108-AA02-DFA0A04FC94B}">
-              <ma14:wrappingTextBoxFlag xmlns="" xmlns:ma14="http://schemas.microsoft.com/office/mac/drawingml/2011/main" val="1"/>
+              <ma14:wrappingTextBoxFlag xmlns:ma14="http://schemas.microsoft.com/office/mac/drawingml/2011/main" xmlns="" val="1"/>
             </a:ext>
           </a:extLst>
         </p:spPr>
@@ -14909,7 +14835,7 @@
           <p:cNvPr id="8" name="Text Placeholder 7">
             <a:extLst>
               <a:ext uri="{FF2B5EF4-FFF2-40B4-BE49-F238E27FC236}">
-                <a16:creationId xmlns:a16="http://schemas.microsoft.com/office/drawing/2014/main" xmlns="" id="{38436E23-043D-3D49-9FA8-D80811E522B6}"/>
+                <a16:creationId xmlns:a16="http://schemas.microsoft.com/office/drawing/2014/main" id="{38436E23-043D-3D49-9FA8-D80811E522B6}"/>
               </a:ext>
             </a:extLst>
           </p:cNvPr>
@@ -14970,7 +14896,7 @@
           <p:cNvPr id="9" name="Picture 8">
             <a:extLst>
               <a:ext uri="{FF2B5EF4-FFF2-40B4-BE49-F238E27FC236}">
-                <a16:creationId xmlns:a16="http://schemas.microsoft.com/office/drawing/2014/main" xmlns="" id="{D163140C-1F8A-5D4F-877D-07594E04BBB1}"/>
+                <a16:creationId xmlns:a16="http://schemas.microsoft.com/office/drawing/2014/main" id="{D163140C-1F8A-5D4F-877D-07594E04BBB1}"/>
               </a:ext>
             </a:extLst>
           </p:cNvPr>
@@ -15006,7 +14932,7 @@
           <p:cNvPr id="10" name="TextBox 9">
             <a:extLst>
               <a:ext uri="{FF2B5EF4-FFF2-40B4-BE49-F238E27FC236}">
-                <a16:creationId xmlns:a16="http://schemas.microsoft.com/office/drawing/2014/main" xmlns="" id="{DF126B8C-F447-9C4B-BD5E-550B915872E0}"/>
+                <a16:creationId xmlns:a16="http://schemas.microsoft.com/office/drawing/2014/main" id="{DF126B8C-F447-9C4B-BD5E-550B915872E0}"/>
               </a:ext>
             </a:extLst>
           </p:cNvPr>
@@ -15049,7 +14975,7 @@
           <p:cNvPr id="11" name="Picture 10">
             <a:extLst>
               <a:ext uri="{FF2B5EF4-FFF2-40B4-BE49-F238E27FC236}">
-                <a16:creationId xmlns:a16="http://schemas.microsoft.com/office/drawing/2014/main" xmlns="" id="{9D34B039-132C-6D46-9A44-C0F1AAA13C50}"/>
+                <a16:creationId xmlns:a16="http://schemas.microsoft.com/office/drawing/2014/main" id="{9D34B039-132C-6D46-9A44-C0F1AAA13C50}"/>
               </a:ext>
             </a:extLst>
           </p:cNvPr>
@@ -15085,7 +15011,7 @@
           <p:cNvPr id="12" name="TextBox 11">
             <a:extLst>
               <a:ext uri="{FF2B5EF4-FFF2-40B4-BE49-F238E27FC236}">
-                <a16:creationId xmlns:a16="http://schemas.microsoft.com/office/drawing/2014/main" xmlns="" id="{0D9474C7-54C0-B54A-9540-B83A4CE3B71B}"/>
+                <a16:creationId xmlns:a16="http://schemas.microsoft.com/office/drawing/2014/main" id="{0D9474C7-54C0-B54A-9540-B83A4CE3B71B}"/>
               </a:ext>
             </a:extLst>
           </p:cNvPr>
@@ -15124,7 +15050,7 @@
           <p:cNvPr id="13" name="Picture 12">
             <a:extLst>
               <a:ext uri="{FF2B5EF4-FFF2-40B4-BE49-F238E27FC236}">
-                <a16:creationId xmlns:a16="http://schemas.microsoft.com/office/drawing/2014/main" xmlns="" id="{BE952E1E-4CA4-F640-9BBD-53DB76DFFC4F}"/>
+                <a16:creationId xmlns:a16="http://schemas.microsoft.com/office/drawing/2014/main" id="{BE952E1E-4CA4-F640-9BBD-53DB76DFFC4F}"/>
               </a:ext>
             </a:extLst>
           </p:cNvPr>
@@ -15160,7 +15086,7 @@
           <p:cNvPr id="14" name="TextBox 13">
             <a:extLst>
               <a:ext uri="{FF2B5EF4-FFF2-40B4-BE49-F238E27FC236}">
-                <a16:creationId xmlns:a16="http://schemas.microsoft.com/office/drawing/2014/main" xmlns="" id="{35EFDB07-230F-8C4C-BFD3-80F13A045ACE}"/>
+                <a16:creationId xmlns:a16="http://schemas.microsoft.com/office/drawing/2014/main" id="{35EFDB07-230F-8C4C-BFD3-80F13A045ACE}"/>
               </a:ext>
             </a:extLst>
           </p:cNvPr>
@@ -15199,7 +15125,7 @@
           <p:cNvPr id="15" name="Picture 14">
             <a:extLst>
               <a:ext uri="{FF2B5EF4-FFF2-40B4-BE49-F238E27FC236}">
-                <a16:creationId xmlns:a16="http://schemas.microsoft.com/office/drawing/2014/main" xmlns="" id="{BC6C36CE-9902-C549-93DC-B288214D2815}"/>
+                <a16:creationId xmlns:a16="http://schemas.microsoft.com/office/drawing/2014/main" id="{BC6C36CE-9902-C549-93DC-B288214D2815}"/>
               </a:ext>
             </a:extLst>
           </p:cNvPr>
@@ -15235,7 +15161,7 @@
           <p:cNvPr id="16" name="TextBox 15">
             <a:extLst>
               <a:ext uri="{FF2B5EF4-FFF2-40B4-BE49-F238E27FC236}">
-                <a16:creationId xmlns:a16="http://schemas.microsoft.com/office/drawing/2014/main" xmlns="" id="{C5AF383C-2D54-E447-8717-54E7289500E5}"/>
+                <a16:creationId xmlns:a16="http://schemas.microsoft.com/office/drawing/2014/main" id="{C5AF383C-2D54-E447-8717-54E7289500E5}"/>
               </a:ext>
             </a:extLst>
           </p:cNvPr>
@@ -15276,7 +15202,7 @@
           <p:cNvPr id="17" name="Picture 16">
             <a:extLst>
               <a:ext uri="{FF2B5EF4-FFF2-40B4-BE49-F238E27FC236}">
-                <a16:creationId xmlns:a16="http://schemas.microsoft.com/office/drawing/2014/main" xmlns="" id="{3C048B77-D91C-3F4B-B35A-6B6B277CB363}"/>
+                <a16:creationId xmlns:a16="http://schemas.microsoft.com/office/drawing/2014/main" id="{3C048B77-D91C-3F4B-B35A-6B6B277CB363}"/>
               </a:ext>
             </a:extLst>
           </p:cNvPr>
@@ -15312,7 +15238,7 @@
           <p:cNvPr id="18" name="TextBox 17">
             <a:extLst>
               <a:ext uri="{FF2B5EF4-FFF2-40B4-BE49-F238E27FC236}">
-                <a16:creationId xmlns:a16="http://schemas.microsoft.com/office/drawing/2014/main" xmlns="" id="{8FC702AC-8CF1-6743-AB0F-EE9AC1D10C75}"/>
+                <a16:creationId xmlns:a16="http://schemas.microsoft.com/office/drawing/2014/main" id="{8FC702AC-8CF1-6743-AB0F-EE9AC1D10C75}"/>
               </a:ext>
             </a:extLst>
           </p:cNvPr>
@@ -15348,7 +15274,7 @@
           <p:cNvPr id="19" name="Picture 18">
             <a:extLst>
               <a:ext uri="{FF2B5EF4-FFF2-40B4-BE49-F238E27FC236}">
-                <a16:creationId xmlns:a16="http://schemas.microsoft.com/office/drawing/2014/main" xmlns="" id="{09DEE258-A5D4-9942-8C7E-D15BE97C8F7D}"/>
+                <a16:creationId xmlns:a16="http://schemas.microsoft.com/office/drawing/2014/main" id="{09DEE258-A5D4-9942-8C7E-D15BE97C8F7D}"/>
               </a:ext>
             </a:extLst>
           </p:cNvPr>
@@ -15385,7 +15311,7 @@
           <p:cNvPr id="20" name="Picture 19">
             <a:extLst>
               <a:ext uri="{FF2B5EF4-FFF2-40B4-BE49-F238E27FC236}">
-                <a16:creationId xmlns:a16="http://schemas.microsoft.com/office/drawing/2014/main" xmlns="" id="{5222B396-301E-104B-AB78-B44FD22A855D}"/>
+                <a16:creationId xmlns:a16="http://schemas.microsoft.com/office/drawing/2014/main" id="{5222B396-301E-104B-AB78-B44FD22A855D}"/>
               </a:ext>
             </a:extLst>
           </p:cNvPr>
@@ -15422,7 +15348,7 @@
           <p:cNvPr id="21" name="TextBox 20">
             <a:extLst>
               <a:ext uri="{FF2B5EF4-FFF2-40B4-BE49-F238E27FC236}">
-                <a16:creationId xmlns:a16="http://schemas.microsoft.com/office/drawing/2014/main" xmlns="" id="{064D403A-1D33-9C45-A266-D4C966596758}"/>
+                <a16:creationId xmlns:a16="http://schemas.microsoft.com/office/drawing/2014/main" id="{064D403A-1D33-9C45-A266-D4C966596758}"/>
               </a:ext>
             </a:extLst>
           </p:cNvPr>
@@ -15462,7 +15388,7 @@
           <p:cNvPr id="22" name="Picture 21">
             <a:extLst>
               <a:ext uri="{FF2B5EF4-FFF2-40B4-BE49-F238E27FC236}">
-                <a16:creationId xmlns:a16="http://schemas.microsoft.com/office/drawing/2014/main" xmlns="" id="{D84AF1D1-0D6F-1A43-BF78-059926A33B96}"/>
+                <a16:creationId xmlns:a16="http://schemas.microsoft.com/office/drawing/2014/main" id="{D84AF1D1-0D6F-1A43-BF78-059926A33B96}"/>
               </a:ext>
             </a:extLst>
           </p:cNvPr>
@@ -15498,7 +15424,7 @@
           <p:cNvPr id="25" name="TextBox 24">
             <a:extLst>
               <a:ext uri="{FF2B5EF4-FFF2-40B4-BE49-F238E27FC236}">
-                <a16:creationId xmlns:a16="http://schemas.microsoft.com/office/drawing/2014/main" xmlns="" id="{446D6E44-8DD0-BA47-BA46-5A10BE1B5DE6}"/>
+                <a16:creationId xmlns:a16="http://schemas.microsoft.com/office/drawing/2014/main" id="{446D6E44-8DD0-BA47-BA46-5A10BE1B5DE6}"/>
               </a:ext>
             </a:extLst>
           </p:cNvPr>
@@ -15538,7 +15464,7 @@
           <p:cNvPr id="26" name="Picture 25">
             <a:extLst>
               <a:ext uri="{FF2B5EF4-FFF2-40B4-BE49-F238E27FC236}">
-                <a16:creationId xmlns:a16="http://schemas.microsoft.com/office/drawing/2014/main" xmlns="" id="{7589BDC0-E249-3B4C-A1DF-76B502E9E460}"/>
+                <a16:creationId xmlns:a16="http://schemas.microsoft.com/office/drawing/2014/main" id="{7589BDC0-E249-3B4C-A1DF-76B502E9E460}"/>
               </a:ext>
             </a:extLst>
           </p:cNvPr>
@@ -15574,7 +15500,7 @@
           <p:cNvPr id="31" name="Straight Connector 30">
             <a:extLst>
               <a:ext uri="{FF2B5EF4-FFF2-40B4-BE49-F238E27FC236}">
-                <a16:creationId xmlns:a16="http://schemas.microsoft.com/office/drawing/2014/main" xmlns="" id="{351E654F-0849-D640-A5D1-39BA8E1B6634}"/>
+                <a16:creationId xmlns:a16="http://schemas.microsoft.com/office/drawing/2014/main" id="{351E654F-0849-D640-A5D1-39BA8E1B6634}"/>
               </a:ext>
             </a:extLst>
           </p:cNvPr>
@@ -15618,7 +15544,7 @@
           <p:cNvPr id="32" name="Straight Connector 31">
             <a:extLst>
               <a:ext uri="{FF2B5EF4-FFF2-40B4-BE49-F238E27FC236}">
-                <a16:creationId xmlns:a16="http://schemas.microsoft.com/office/drawing/2014/main" xmlns="" id="{37FAB9D5-22BC-1740-9AED-C6175B9058C9}"/>
+                <a16:creationId xmlns:a16="http://schemas.microsoft.com/office/drawing/2014/main" id="{37FAB9D5-22BC-1740-9AED-C6175B9058C9}"/>
               </a:ext>
             </a:extLst>
           </p:cNvPr>
@@ -15664,7 +15590,7 @@
           <p:cNvPr id="33" name="Straight Connector 32">
             <a:extLst>
               <a:ext uri="{FF2B5EF4-FFF2-40B4-BE49-F238E27FC236}">
-                <a16:creationId xmlns:a16="http://schemas.microsoft.com/office/drawing/2014/main" xmlns="" id="{5F00015F-DD6E-AC45-91BA-2A68B3C41A01}"/>
+                <a16:creationId xmlns:a16="http://schemas.microsoft.com/office/drawing/2014/main" id="{5F00015F-DD6E-AC45-91BA-2A68B3C41A01}"/>
               </a:ext>
             </a:extLst>
           </p:cNvPr>
@@ -15708,7 +15634,7 @@
           <p:cNvPr id="34" name="Straight Connector 33">
             <a:extLst>
               <a:ext uri="{FF2B5EF4-FFF2-40B4-BE49-F238E27FC236}">
-                <a16:creationId xmlns:a16="http://schemas.microsoft.com/office/drawing/2014/main" xmlns="" id="{03DFBED5-256D-CA44-804D-FCABBF307FE7}"/>
+                <a16:creationId xmlns:a16="http://schemas.microsoft.com/office/drawing/2014/main" id="{03DFBED5-256D-CA44-804D-FCABBF307FE7}"/>
               </a:ext>
             </a:extLst>
           </p:cNvPr>
@@ -15754,7 +15680,7 @@
           <p:cNvPr id="35" name="Straight Connector 34">
             <a:extLst>
               <a:ext uri="{FF2B5EF4-FFF2-40B4-BE49-F238E27FC236}">
-                <a16:creationId xmlns:a16="http://schemas.microsoft.com/office/drawing/2014/main" xmlns="" id="{93C87B89-AD20-374A-93B6-96F8D8DCA2B2}"/>
+                <a16:creationId xmlns:a16="http://schemas.microsoft.com/office/drawing/2014/main" id="{93C87B89-AD20-374A-93B6-96F8D8DCA2B2}"/>
               </a:ext>
             </a:extLst>
           </p:cNvPr>
@@ -15798,7 +15724,7 @@
           <p:cNvPr id="36" name="Straight Connector 35">
             <a:extLst>
               <a:ext uri="{FF2B5EF4-FFF2-40B4-BE49-F238E27FC236}">
-                <a16:creationId xmlns:a16="http://schemas.microsoft.com/office/drawing/2014/main" xmlns="" id="{B47082CE-E768-CF41-A760-407DC2313F04}"/>
+                <a16:creationId xmlns:a16="http://schemas.microsoft.com/office/drawing/2014/main" id="{B47082CE-E768-CF41-A760-407DC2313F04}"/>
               </a:ext>
             </a:extLst>
           </p:cNvPr>
@@ -15842,7 +15768,7 @@
           <p:cNvPr id="38" name="TextBox 37">
             <a:extLst>
               <a:ext uri="{FF2B5EF4-FFF2-40B4-BE49-F238E27FC236}">
-                <a16:creationId xmlns:a16="http://schemas.microsoft.com/office/drawing/2014/main" xmlns="" id="{0033E436-6580-1844-804F-CED039B683CC}"/>
+                <a16:creationId xmlns:a16="http://schemas.microsoft.com/office/drawing/2014/main" id="{0033E436-6580-1844-804F-CED039B683CC}"/>
               </a:ext>
             </a:extLst>
           </p:cNvPr>
@@ -15916,7 +15842,7 @@
           <p:cNvPr id="40" name="TextBox 39">
             <a:extLst>
               <a:ext uri="{FF2B5EF4-FFF2-40B4-BE49-F238E27FC236}">
-                <a16:creationId xmlns:a16="http://schemas.microsoft.com/office/drawing/2014/main" xmlns="" id="{95C912AC-B1A4-3A4C-B547-3340B52DF45F}"/>
+                <a16:creationId xmlns:a16="http://schemas.microsoft.com/office/drawing/2014/main" id="{95C912AC-B1A4-3A4C-B547-3340B52DF45F}"/>
               </a:ext>
             </a:extLst>
           </p:cNvPr>
@@ -15952,7 +15878,7 @@
           <p:cNvPr id="41" name="TextBox 40">
             <a:extLst>
               <a:ext uri="{FF2B5EF4-FFF2-40B4-BE49-F238E27FC236}">
-                <a16:creationId xmlns:a16="http://schemas.microsoft.com/office/drawing/2014/main" xmlns="" id="{EE3D86A4-9057-6A46-9B4A-B833A0C643EC}"/>
+                <a16:creationId xmlns:a16="http://schemas.microsoft.com/office/drawing/2014/main" id="{EE3D86A4-9057-6A46-9B4A-B833A0C643EC}"/>
               </a:ext>
             </a:extLst>
           </p:cNvPr>
@@ -15988,7 +15914,7 @@
           <p:cNvPr id="44" name="TextBox 43">
             <a:extLst>
               <a:ext uri="{FF2B5EF4-FFF2-40B4-BE49-F238E27FC236}">
-                <a16:creationId xmlns:a16="http://schemas.microsoft.com/office/drawing/2014/main" xmlns="" id="{AE349F04-4F9F-9443-91F7-AF0E10881681}"/>
+                <a16:creationId xmlns:a16="http://schemas.microsoft.com/office/drawing/2014/main" id="{AE349F04-4F9F-9443-91F7-AF0E10881681}"/>
               </a:ext>
             </a:extLst>
           </p:cNvPr>
@@ -16034,13 +15960,6 @@
     <a:masterClrMapping/>
   </p:clrMapOvr>
   <p:transition spd="med"/>
-  <p:timing>
-    <p:tnLst>
-      <p:par>
-        <p:cTn id="1" dur="indefinite" restart="never" nodeType="tmRoot"/>
-      </p:par>
-    </p:tnLst>
-  </p:timing>
 </p:sld>
 </file>
 
@@ -16106,7 +16025,7 @@
                 <a:srgbClr val="96318A"/>
               </a:buClr>
             </a:pPr>
-            <a:endParaRPr lang="en-US" dirty="0" smtClean="0">
+            <a:endParaRPr lang="en-US" dirty="0">
               <a:solidFill>
                 <a:srgbClr val="351C35"/>
               </a:solidFill>
@@ -16121,28 +16040,12 @@
               <a:buChar char="•"/>
             </a:pPr>
             <a:r>
-              <a:rPr lang="en-US" dirty="0" smtClean="0">
-                <a:solidFill>
-                  <a:srgbClr val="351C35"/>
-                </a:solidFill>
-              </a:rPr>
-              <a:t>Author </a:t>
-            </a:r>
-            <a:r>
               <a:rPr lang="en-US" dirty="0">
                 <a:solidFill>
                   <a:srgbClr val="351C35"/>
                 </a:solidFill>
               </a:rPr>
-              <a:t>and deploy your code to AWS </a:t>
-            </a:r>
-            <a:r>
-              <a:rPr lang="en-US" dirty="0" smtClean="0">
-                <a:solidFill>
-                  <a:srgbClr val="351C35"/>
-                </a:solidFill>
-              </a:rPr>
-              <a:t>Lambda</a:t>
+              <a:t>Author and deploy your code to AWS Lambda</a:t>
             </a:r>
           </a:p>
           <a:p>
@@ -16168,34 +16071,13 @@
               <a:buChar char="•"/>
             </a:pPr>
             <a:r>
-              <a:rPr lang="en-US" dirty="0" smtClean="0">
-                <a:solidFill>
-                  <a:srgbClr val="351C35"/>
-                </a:solidFill>
-              </a:rPr>
-              <a:t>Execute </a:t>
-            </a:r>
-            <a:r>
               <a:rPr lang="en-US" dirty="0">
                 <a:solidFill>
                   <a:srgbClr val="351C35"/>
                 </a:solidFill>
               </a:rPr>
-              <a:t>code in response to </a:t>
-            </a:r>
-            <a:r>
-              <a:rPr lang="en-US" dirty="0" smtClean="0">
-                <a:solidFill>
-                  <a:srgbClr val="351C35"/>
-                </a:solidFill>
-              </a:rPr>
-              <a:t>triggers</a:t>
-            </a:r>
-            <a:endParaRPr lang="en-US" dirty="0">
-              <a:solidFill>
-                <a:srgbClr val="351C35"/>
-              </a:solidFill>
-            </a:endParaRPr>
+              <a:t>Execute code in response to triggers</a:t>
+            </a:r>
           </a:p>
         </p:txBody>
       </p:sp>
@@ -16219,7 +16101,7 @@
           </a:prstGeom>
           <a:extLst>
             <a:ext uri="{C572A759-6A51-4108-AA02-DFA0A04FC94B}">
-              <ma14:wrappingTextBoxFlag xmlns="" xmlns:ma14="http://schemas.microsoft.com/office/mac/drawingml/2011/main" val="1"/>
+              <ma14:wrappingTextBoxFlag xmlns:ma14="http://schemas.microsoft.com/office/mac/drawingml/2011/main" xmlns="" val="1"/>
             </a:ext>
           </a:extLst>
         </p:spPr>
@@ -16239,7 +16121,7 @@
           <p:cNvPr id="8" name="Text Placeholder 7">
             <a:extLst>
               <a:ext uri="{FF2B5EF4-FFF2-40B4-BE49-F238E27FC236}">
-                <a16:creationId xmlns:a16="http://schemas.microsoft.com/office/drawing/2014/main" xmlns="" id="{38436E23-043D-3D49-9FA8-D80811E522B6}"/>
+                <a16:creationId xmlns:a16="http://schemas.microsoft.com/office/drawing/2014/main" id="{38436E23-043D-3D49-9FA8-D80811E522B6}"/>
               </a:ext>
             </a:extLst>
           </p:cNvPr>
@@ -16307,13 +16189,6 @@
     <a:masterClrMapping/>
   </p:clrMapOvr>
   <p:transition spd="med"/>
-  <p:timing>
-    <p:tnLst>
-      <p:par>
-        <p:cTn id="1" dur="indefinite" restart="never" nodeType="tmRoot"/>
-      </p:par>
-    </p:tnLst>
-  </p:timing>
 </p:sld>
 </file>
 
@@ -16354,7 +16229,7 @@
           </a:prstGeom>
           <a:extLst>
             <a:ext uri="{C572A759-6A51-4108-AA02-DFA0A04FC94B}">
-              <ma14:wrappingTextBoxFlag xmlns="" xmlns:ma14="http://schemas.microsoft.com/office/mac/drawingml/2011/main" val="1"/>
+              <ma14:wrappingTextBoxFlag xmlns:ma14="http://schemas.microsoft.com/office/mac/drawingml/2011/main" xmlns="" val="1"/>
             </a:ext>
           </a:extLst>
         </p:spPr>
@@ -16374,7 +16249,7 @@
           <p:cNvPr id="8" name="Text Placeholder 7">
             <a:extLst>
               <a:ext uri="{FF2B5EF4-FFF2-40B4-BE49-F238E27FC236}">
-                <a16:creationId xmlns:a16="http://schemas.microsoft.com/office/drawing/2014/main" xmlns="" id="{38436E23-043D-3D49-9FA8-D80811E522B6}"/>
+                <a16:creationId xmlns:a16="http://schemas.microsoft.com/office/drawing/2014/main" id="{38436E23-043D-3D49-9FA8-D80811E522B6}"/>
               </a:ext>
             </a:extLst>
           </p:cNvPr>
@@ -16436,7 +16311,7 @@
           <p:cNvPr id="2" name="Rectangle 1">
             <a:extLst>
               <a:ext uri="{FF2B5EF4-FFF2-40B4-BE49-F238E27FC236}">
-                <a16:creationId xmlns:a16="http://schemas.microsoft.com/office/drawing/2014/main" xmlns="" id="{2AAAAF5C-4AD7-254B-9B6D-E457300227FE}"/>
+                <a16:creationId xmlns:a16="http://schemas.microsoft.com/office/drawing/2014/main" id="{2AAAAF5C-4AD7-254B-9B6D-E457300227FE}"/>
               </a:ext>
             </a:extLst>
           </p:cNvPr>
@@ -16503,13 +16378,6 @@
     <a:masterClrMapping/>
   </p:clrMapOvr>
   <p:transition spd="med"/>
-  <p:timing>
-    <p:tnLst>
-      <p:par>
-        <p:cTn id="1" dur="indefinite" restart="never" nodeType="tmRoot"/>
-      </p:par>
-    </p:tnLst>
-  </p:timing>
 </p:sld>
 </file>
 
@@ -16550,7 +16418,7 @@
           </a:prstGeom>
           <a:extLst>
             <a:ext uri="{C572A759-6A51-4108-AA02-DFA0A04FC94B}">
-              <ma14:wrappingTextBoxFlag xmlns="" xmlns:ma14="http://schemas.microsoft.com/office/mac/drawingml/2011/main" val="1"/>
+              <ma14:wrappingTextBoxFlag xmlns:ma14="http://schemas.microsoft.com/office/mac/drawingml/2011/main" xmlns="" val="1"/>
             </a:ext>
           </a:extLst>
         </p:spPr>
@@ -16570,7 +16438,7 @@
           <p:cNvPr id="8" name="Text Placeholder 7">
             <a:extLst>
               <a:ext uri="{FF2B5EF4-FFF2-40B4-BE49-F238E27FC236}">
-                <a16:creationId xmlns:a16="http://schemas.microsoft.com/office/drawing/2014/main" xmlns="" id="{38436E23-043D-3D49-9FA8-D80811E522B6}"/>
+                <a16:creationId xmlns:a16="http://schemas.microsoft.com/office/drawing/2014/main" id="{38436E23-043D-3D49-9FA8-D80811E522B6}"/>
               </a:ext>
             </a:extLst>
           </p:cNvPr>
@@ -16632,7 +16500,7 @@
           <p:cNvPr id="2" name="Rectangle 1">
             <a:extLst>
               <a:ext uri="{FF2B5EF4-FFF2-40B4-BE49-F238E27FC236}">
-                <a16:creationId xmlns:a16="http://schemas.microsoft.com/office/drawing/2014/main" xmlns="" id="{2AAAAF5C-4AD7-254B-9B6D-E457300227FE}"/>
+                <a16:creationId xmlns:a16="http://schemas.microsoft.com/office/drawing/2014/main" id="{2AAAAF5C-4AD7-254B-9B6D-E457300227FE}"/>
               </a:ext>
             </a:extLst>
           </p:cNvPr>
@@ -16700,13 +16568,6 @@
     <a:masterClrMapping/>
   </p:clrMapOvr>
   <p:transition spd="med"/>
-  <p:timing>
-    <p:tnLst>
-      <p:par>
-        <p:cTn id="1" dur="indefinite" restart="never" nodeType="tmRoot"/>
-      </p:par>
-    </p:tnLst>
-  </p:timing>
 </p:sld>
 </file>
 
@@ -16747,7 +16608,7 @@
           </a:prstGeom>
           <a:extLst>
             <a:ext uri="{C572A759-6A51-4108-AA02-DFA0A04FC94B}">
-              <ma14:wrappingTextBoxFlag xmlns="" xmlns:ma14="http://schemas.microsoft.com/office/mac/drawingml/2011/main" val="1"/>
+              <ma14:wrappingTextBoxFlag xmlns:ma14="http://schemas.microsoft.com/office/mac/drawingml/2011/main" xmlns="" val="1"/>
             </a:ext>
           </a:extLst>
         </p:spPr>
@@ -16767,7 +16628,7 @@
           <p:cNvPr id="8" name="Text Placeholder 7">
             <a:extLst>
               <a:ext uri="{FF2B5EF4-FFF2-40B4-BE49-F238E27FC236}">
-                <a16:creationId xmlns:a16="http://schemas.microsoft.com/office/drawing/2014/main" xmlns="" id="{38436E23-043D-3D49-9FA8-D80811E522B6}"/>
+                <a16:creationId xmlns:a16="http://schemas.microsoft.com/office/drawing/2014/main" id="{38436E23-043D-3D49-9FA8-D80811E522B6}"/>
               </a:ext>
             </a:extLst>
           </p:cNvPr>
@@ -16995,13 +16856,6 @@
     <a:masterClrMapping/>
   </p:clrMapOvr>
   <p:transition spd="med"/>
-  <p:timing>
-    <p:tnLst>
-      <p:par>
-        <p:cTn id="1" dur="indefinite" restart="never" nodeType="tmRoot"/>
-      </p:par>
-    </p:tnLst>
-  </p:timing>
 </p:sld>
 </file>
 
@@ -17042,7 +16896,7 @@
           </a:prstGeom>
           <a:extLst>
             <a:ext uri="{C572A759-6A51-4108-AA02-DFA0A04FC94B}">
-              <ma14:wrappingTextBoxFlag xmlns="" xmlns:ma14="http://schemas.microsoft.com/office/mac/drawingml/2011/main" val="1"/>
+              <ma14:wrappingTextBoxFlag xmlns:ma14="http://schemas.microsoft.com/office/mac/drawingml/2011/main" xmlns="" val="1"/>
             </a:ext>
           </a:extLst>
         </p:spPr>
@@ -17062,7 +16916,7 @@
           <p:cNvPr id="8" name="Text Placeholder 7">
             <a:extLst>
               <a:ext uri="{FF2B5EF4-FFF2-40B4-BE49-F238E27FC236}">
-                <a16:creationId xmlns:a16="http://schemas.microsoft.com/office/drawing/2014/main" xmlns="" id="{38436E23-043D-3D49-9FA8-D80811E522B6}"/>
+                <a16:creationId xmlns:a16="http://schemas.microsoft.com/office/drawing/2014/main" id="{38436E23-043D-3D49-9FA8-D80811E522B6}"/>
               </a:ext>
             </a:extLst>
           </p:cNvPr>
@@ -17123,7 +16977,7 @@
           <p:cNvPr id="9" name="Picture 8">
             <a:extLst>
               <a:ext uri="{FF2B5EF4-FFF2-40B4-BE49-F238E27FC236}">
-                <a16:creationId xmlns:a16="http://schemas.microsoft.com/office/drawing/2014/main" xmlns="" id="{D163140C-1F8A-5D4F-877D-07594E04BBB1}"/>
+                <a16:creationId xmlns:a16="http://schemas.microsoft.com/office/drawing/2014/main" id="{D163140C-1F8A-5D4F-877D-07594E04BBB1}"/>
               </a:ext>
             </a:extLst>
           </p:cNvPr>
@@ -17159,7 +17013,7 @@
           <p:cNvPr id="10" name="TextBox 9">
             <a:extLst>
               <a:ext uri="{FF2B5EF4-FFF2-40B4-BE49-F238E27FC236}">
-                <a16:creationId xmlns:a16="http://schemas.microsoft.com/office/drawing/2014/main" xmlns="" id="{DF126B8C-F447-9C4B-BD5E-550B915872E0}"/>
+                <a16:creationId xmlns:a16="http://schemas.microsoft.com/office/drawing/2014/main" id="{DF126B8C-F447-9C4B-BD5E-550B915872E0}"/>
               </a:ext>
             </a:extLst>
           </p:cNvPr>
@@ -17202,7 +17056,7 @@
           <p:cNvPr id="11" name="Picture 10">
             <a:extLst>
               <a:ext uri="{FF2B5EF4-FFF2-40B4-BE49-F238E27FC236}">
-                <a16:creationId xmlns:a16="http://schemas.microsoft.com/office/drawing/2014/main" xmlns="" id="{9D34B039-132C-6D46-9A44-C0F1AAA13C50}"/>
+                <a16:creationId xmlns:a16="http://schemas.microsoft.com/office/drawing/2014/main" id="{9D34B039-132C-6D46-9A44-C0F1AAA13C50}"/>
               </a:ext>
             </a:extLst>
           </p:cNvPr>
@@ -17238,7 +17092,7 @@
           <p:cNvPr id="12" name="TextBox 11">
             <a:extLst>
               <a:ext uri="{FF2B5EF4-FFF2-40B4-BE49-F238E27FC236}">
-                <a16:creationId xmlns:a16="http://schemas.microsoft.com/office/drawing/2014/main" xmlns="" id="{0D9474C7-54C0-B54A-9540-B83A4CE3B71B}"/>
+                <a16:creationId xmlns:a16="http://schemas.microsoft.com/office/drawing/2014/main" id="{0D9474C7-54C0-B54A-9540-B83A4CE3B71B}"/>
               </a:ext>
             </a:extLst>
           </p:cNvPr>
@@ -17277,7 +17131,7 @@
           <p:cNvPr id="13" name="Picture 12">
             <a:extLst>
               <a:ext uri="{FF2B5EF4-FFF2-40B4-BE49-F238E27FC236}">
-                <a16:creationId xmlns:a16="http://schemas.microsoft.com/office/drawing/2014/main" xmlns="" id="{BE952E1E-4CA4-F640-9BBD-53DB76DFFC4F}"/>
+                <a16:creationId xmlns:a16="http://schemas.microsoft.com/office/drawing/2014/main" id="{BE952E1E-4CA4-F640-9BBD-53DB76DFFC4F}"/>
               </a:ext>
             </a:extLst>
           </p:cNvPr>
@@ -17313,7 +17167,7 @@
           <p:cNvPr id="14" name="TextBox 13">
             <a:extLst>
               <a:ext uri="{FF2B5EF4-FFF2-40B4-BE49-F238E27FC236}">
-                <a16:creationId xmlns:a16="http://schemas.microsoft.com/office/drawing/2014/main" xmlns="" id="{35EFDB07-230F-8C4C-BFD3-80F13A045ACE}"/>
+                <a16:creationId xmlns:a16="http://schemas.microsoft.com/office/drawing/2014/main" id="{35EFDB07-230F-8C4C-BFD3-80F13A045ACE}"/>
               </a:ext>
             </a:extLst>
           </p:cNvPr>
@@ -17352,7 +17206,7 @@
           <p:cNvPr id="15" name="Picture 14">
             <a:extLst>
               <a:ext uri="{FF2B5EF4-FFF2-40B4-BE49-F238E27FC236}">
-                <a16:creationId xmlns:a16="http://schemas.microsoft.com/office/drawing/2014/main" xmlns="" id="{BC6C36CE-9902-C549-93DC-B288214D2815}"/>
+                <a16:creationId xmlns:a16="http://schemas.microsoft.com/office/drawing/2014/main" id="{BC6C36CE-9902-C549-93DC-B288214D2815}"/>
               </a:ext>
             </a:extLst>
           </p:cNvPr>
@@ -17388,7 +17242,7 @@
           <p:cNvPr id="16" name="TextBox 15">
             <a:extLst>
               <a:ext uri="{FF2B5EF4-FFF2-40B4-BE49-F238E27FC236}">
-                <a16:creationId xmlns:a16="http://schemas.microsoft.com/office/drawing/2014/main" xmlns="" id="{C5AF383C-2D54-E447-8717-54E7289500E5}"/>
+                <a16:creationId xmlns:a16="http://schemas.microsoft.com/office/drawing/2014/main" id="{C5AF383C-2D54-E447-8717-54E7289500E5}"/>
               </a:ext>
             </a:extLst>
           </p:cNvPr>
@@ -17429,7 +17283,7 @@
           <p:cNvPr id="17" name="Picture 16">
             <a:extLst>
               <a:ext uri="{FF2B5EF4-FFF2-40B4-BE49-F238E27FC236}">
-                <a16:creationId xmlns:a16="http://schemas.microsoft.com/office/drawing/2014/main" xmlns="" id="{3C048B77-D91C-3F4B-B35A-6B6B277CB363}"/>
+                <a16:creationId xmlns:a16="http://schemas.microsoft.com/office/drawing/2014/main" id="{3C048B77-D91C-3F4B-B35A-6B6B277CB363}"/>
               </a:ext>
             </a:extLst>
           </p:cNvPr>
@@ -17465,7 +17319,7 @@
           <p:cNvPr id="18" name="TextBox 17">
             <a:extLst>
               <a:ext uri="{FF2B5EF4-FFF2-40B4-BE49-F238E27FC236}">
-                <a16:creationId xmlns:a16="http://schemas.microsoft.com/office/drawing/2014/main" xmlns="" id="{8FC702AC-8CF1-6743-AB0F-EE9AC1D10C75}"/>
+                <a16:creationId xmlns:a16="http://schemas.microsoft.com/office/drawing/2014/main" id="{8FC702AC-8CF1-6743-AB0F-EE9AC1D10C75}"/>
               </a:ext>
             </a:extLst>
           </p:cNvPr>
@@ -17501,7 +17355,7 @@
           <p:cNvPr id="19" name="Picture 18">
             <a:extLst>
               <a:ext uri="{FF2B5EF4-FFF2-40B4-BE49-F238E27FC236}">
-                <a16:creationId xmlns:a16="http://schemas.microsoft.com/office/drawing/2014/main" xmlns="" id="{09DEE258-A5D4-9942-8C7E-D15BE97C8F7D}"/>
+                <a16:creationId xmlns:a16="http://schemas.microsoft.com/office/drawing/2014/main" id="{09DEE258-A5D4-9942-8C7E-D15BE97C8F7D}"/>
               </a:ext>
             </a:extLst>
           </p:cNvPr>
@@ -17538,7 +17392,7 @@
           <p:cNvPr id="20" name="Picture 19">
             <a:extLst>
               <a:ext uri="{FF2B5EF4-FFF2-40B4-BE49-F238E27FC236}">
-                <a16:creationId xmlns:a16="http://schemas.microsoft.com/office/drawing/2014/main" xmlns="" id="{5222B396-301E-104B-AB78-B44FD22A855D}"/>
+                <a16:creationId xmlns:a16="http://schemas.microsoft.com/office/drawing/2014/main" id="{5222B396-301E-104B-AB78-B44FD22A855D}"/>
               </a:ext>
             </a:extLst>
           </p:cNvPr>
@@ -17575,7 +17429,7 @@
           <p:cNvPr id="21" name="TextBox 20">
             <a:extLst>
               <a:ext uri="{FF2B5EF4-FFF2-40B4-BE49-F238E27FC236}">
-                <a16:creationId xmlns:a16="http://schemas.microsoft.com/office/drawing/2014/main" xmlns="" id="{064D403A-1D33-9C45-A266-D4C966596758}"/>
+                <a16:creationId xmlns:a16="http://schemas.microsoft.com/office/drawing/2014/main" id="{064D403A-1D33-9C45-A266-D4C966596758}"/>
               </a:ext>
             </a:extLst>
           </p:cNvPr>
@@ -17615,7 +17469,7 @@
           <p:cNvPr id="22" name="Picture 21">
             <a:extLst>
               <a:ext uri="{FF2B5EF4-FFF2-40B4-BE49-F238E27FC236}">
-                <a16:creationId xmlns:a16="http://schemas.microsoft.com/office/drawing/2014/main" xmlns="" id="{D84AF1D1-0D6F-1A43-BF78-059926A33B96}"/>
+                <a16:creationId xmlns:a16="http://schemas.microsoft.com/office/drawing/2014/main" id="{D84AF1D1-0D6F-1A43-BF78-059926A33B96}"/>
               </a:ext>
             </a:extLst>
           </p:cNvPr>
@@ -17651,7 +17505,7 @@
           <p:cNvPr id="25" name="TextBox 24">
             <a:extLst>
               <a:ext uri="{FF2B5EF4-FFF2-40B4-BE49-F238E27FC236}">
-                <a16:creationId xmlns:a16="http://schemas.microsoft.com/office/drawing/2014/main" xmlns="" id="{446D6E44-8DD0-BA47-BA46-5A10BE1B5DE6}"/>
+                <a16:creationId xmlns:a16="http://schemas.microsoft.com/office/drawing/2014/main" id="{446D6E44-8DD0-BA47-BA46-5A10BE1B5DE6}"/>
               </a:ext>
             </a:extLst>
           </p:cNvPr>
@@ -17691,7 +17545,7 @@
           <p:cNvPr id="26" name="Picture 25">
             <a:extLst>
               <a:ext uri="{FF2B5EF4-FFF2-40B4-BE49-F238E27FC236}">
-                <a16:creationId xmlns:a16="http://schemas.microsoft.com/office/drawing/2014/main" xmlns="" id="{7589BDC0-E249-3B4C-A1DF-76B502E9E460}"/>
+                <a16:creationId xmlns:a16="http://schemas.microsoft.com/office/drawing/2014/main" id="{7589BDC0-E249-3B4C-A1DF-76B502E9E460}"/>
               </a:ext>
             </a:extLst>
           </p:cNvPr>
@@ -17727,7 +17581,7 @@
           <p:cNvPr id="31" name="Straight Connector 30">
             <a:extLst>
               <a:ext uri="{FF2B5EF4-FFF2-40B4-BE49-F238E27FC236}">
-                <a16:creationId xmlns:a16="http://schemas.microsoft.com/office/drawing/2014/main" xmlns="" id="{351E654F-0849-D640-A5D1-39BA8E1B6634}"/>
+                <a16:creationId xmlns:a16="http://schemas.microsoft.com/office/drawing/2014/main" id="{351E654F-0849-D640-A5D1-39BA8E1B6634}"/>
               </a:ext>
             </a:extLst>
           </p:cNvPr>
@@ -17771,7 +17625,7 @@
           <p:cNvPr id="32" name="Straight Connector 31">
             <a:extLst>
               <a:ext uri="{FF2B5EF4-FFF2-40B4-BE49-F238E27FC236}">
-                <a16:creationId xmlns:a16="http://schemas.microsoft.com/office/drawing/2014/main" xmlns="" id="{37FAB9D5-22BC-1740-9AED-C6175B9058C9}"/>
+                <a16:creationId xmlns:a16="http://schemas.microsoft.com/office/drawing/2014/main" id="{37FAB9D5-22BC-1740-9AED-C6175B9058C9}"/>
               </a:ext>
             </a:extLst>
           </p:cNvPr>
@@ -17817,7 +17671,7 @@
           <p:cNvPr id="33" name="Straight Connector 32">
             <a:extLst>
               <a:ext uri="{FF2B5EF4-FFF2-40B4-BE49-F238E27FC236}">
-                <a16:creationId xmlns:a16="http://schemas.microsoft.com/office/drawing/2014/main" xmlns="" id="{5F00015F-DD6E-AC45-91BA-2A68B3C41A01}"/>
+                <a16:creationId xmlns:a16="http://schemas.microsoft.com/office/drawing/2014/main" id="{5F00015F-DD6E-AC45-91BA-2A68B3C41A01}"/>
               </a:ext>
             </a:extLst>
           </p:cNvPr>
@@ -17861,7 +17715,7 @@
           <p:cNvPr id="34" name="Straight Connector 33">
             <a:extLst>
               <a:ext uri="{FF2B5EF4-FFF2-40B4-BE49-F238E27FC236}">
-                <a16:creationId xmlns:a16="http://schemas.microsoft.com/office/drawing/2014/main" xmlns="" id="{03DFBED5-256D-CA44-804D-FCABBF307FE7}"/>
+                <a16:creationId xmlns:a16="http://schemas.microsoft.com/office/drawing/2014/main" id="{03DFBED5-256D-CA44-804D-FCABBF307FE7}"/>
               </a:ext>
             </a:extLst>
           </p:cNvPr>
@@ -17907,7 +17761,7 @@
           <p:cNvPr id="35" name="Straight Connector 34">
             <a:extLst>
               <a:ext uri="{FF2B5EF4-FFF2-40B4-BE49-F238E27FC236}">
-                <a16:creationId xmlns:a16="http://schemas.microsoft.com/office/drawing/2014/main" xmlns="" id="{93C87B89-AD20-374A-93B6-96F8D8DCA2B2}"/>
+                <a16:creationId xmlns:a16="http://schemas.microsoft.com/office/drawing/2014/main" id="{93C87B89-AD20-374A-93B6-96F8D8DCA2B2}"/>
               </a:ext>
             </a:extLst>
           </p:cNvPr>
@@ -17951,7 +17805,7 @@
           <p:cNvPr id="36" name="Straight Connector 35">
             <a:extLst>
               <a:ext uri="{FF2B5EF4-FFF2-40B4-BE49-F238E27FC236}">
-                <a16:creationId xmlns:a16="http://schemas.microsoft.com/office/drawing/2014/main" xmlns="" id="{B47082CE-E768-CF41-A760-407DC2313F04}"/>
+                <a16:creationId xmlns:a16="http://schemas.microsoft.com/office/drawing/2014/main" id="{B47082CE-E768-CF41-A760-407DC2313F04}"/>
               </a:ext>
             </a:extLst>
           </p:cNvPr>
@@ -17995,7 +17849,7 @@
           <p:cNvPr id="38" name="TextBox 37">
             <a:extLst>
               <a:ext uri="{FF2B5EF4-FFF2-40B4-BE49-F238E27FC236}">
-                <a16:creationId xmlns:a16="http://schemas.microsoft.com/office/drawing/2014/main" xmlns="" id="{0033E436-6580-1844-804F-CED039B683CC}"/>
+                <a16:creationId xmlns:a16="http://schemas.microsoft.com/office/drawing/2014/main" id="{0033E436-6580-1844-804F-CED039B683CC}"/>
               </a:ext>
             </a:extLst>
           </p:cNvPr>
@@ -18069,7 +17923,7 @@
           <p:cNvPr id="40" name="TextBox 39">
             <a:extLst>
               <a:ext uri="{FF2B5EF4-FFF2-40B4-BE49-F238E27FC236}">
-                <a16:creationId xmlns:a16="http://schemas.microsoft.com/office/drawing/2014/main" xmlns="" id="{95C912AC-B1A4-3A4C-B547-3340B52DF45F}"/>
+                <a16:creationId xmlns:a16="http://schemas.microsoft.com/office/drawing/2014/main" id="{95C912AC-B1A4-3A4C-B547-3340B52DF45F}"/>
               </a:ext>
             </a:extLst>
           </p:cNvPr>
@@ -18105,7 +17959,7 @@
           <p:cNvPr id="41" name="TextBox 40">
             <a:extLst>
               <a:ext uri="{FF2B5EF4-FFF2-40B4-BE49-F238E27FC236}">
-                <a16:creationId xmlns:a16="http://schemas.microsoft.com/office/drawing/2014/main" xmlns="" id="{EE3D86A4-9057-6A46-9B4A-B833A0C643EC}"/>
+                <a16:creationId xmlns:a16="http://schemas.microsoft.com/office/drawing/2014/main" id="{EE3D86A4-9057-6A46-9B4A-B833A0C643EC}"/>
               </a:ext>
             </a:extLst>
           </p:cNvPr>
@@ -18141,7 +17995,7 @@
           <p:cNvPr id="42" name="Straight Connector 41">
             <a:extLst>
               <a:ext uri="{FF2B5EF4-FFF2-40B4-BE49-F238E27FC236}">
-                <a16:creationId xmlns:a16="http://schemas.microsoft.com/office/drawing/2014/main" xmlns="" id="{C3188BB0-DD34-2045-896F-BC1E78A4288C}"/>
+                <a16:creationId xmlns:a16="http://schemas.microsoft.com/office/drawing/2014/main" id="{C3188BB0-DD34-2045-896F-BC1E78A4288C}"/>
               </a:ext>
             </a:extLst>
           </p:cNvPr>
@@ -18185,7 +18039,7 @@
           <p:cNvPr id="44" name="TextBox 43">
             <a:extLst>
               <a:ext uri="{FF2B5EF4-FFF2-40B4-BE49-F238E27FC236}">
-                <a16:creationId xmlns:a16="http://schemas.microsoft.com/office/drawing/2014/main" xmlns="" id="{AE349F04-4F9F-9443-91F7-AF0E10881681}"/>
+                <a16:creationId xmlns:a16="http://schemas.microsoft.com/office/drawing/2014/main" id="{AE349F04-4F9F-9443-91F7-AF0E10881681}"/>
               </a:ext>
             </a:extLst>
           </p:cNvPr>
@@ -18225,7 +18079,7 @@
           <p:cNvPr id="45" name="TextBox 44">
             <a:extLst>
               <a:ext uri="{FF2B5EF4-FFF2-40B4-BE49-F238E27FC236}">
-                <a16:creationId xmlns:a16="http://schemas.microsoft.com/office/drawing/2014/main" xmlns="" id="{3A95FAE1-18C2-9D4F-9574-8256BF20152A}"/>
+                <a16:creationId xmlns:a16="http://schemas.microsoft.com/office/drawing/2014/main" id="{3A95FAE1-18C2-9D4F-9574-8256BF20152A}"/>
               </a:ext>
             </a:extLst>
           </p:cNvPr>
@@ -18502,7 +18356,7 @@
           </a:prstGeom>
           <a:extLst>
             <a:ext uri="{C572A759-6A51-4108-AA02-DFA0A04FC94B}">
-              <ma14:wrappingTextBoxFlag xmlns="" xmlns:ma14="http://schemas.microsoft.com/office/mac/drawingml/2011/main" val="1"/>
+              <ma14:wrappingTextBoxFlag xmlns:ma14="http://schemas.microsoft.com/office/mac/drawingml/2011/main" xmlns="" val="1"/>
             </a:ext>
           </a:extLst>
         </p:spPr>
@@ -18522,7 +18376,7 @@
           <p:cNvPr id="8" name="Text Placeholder 7">
             <a:extLst>
               <a:ext uri="{FF2B5EF4-FFF2-40B4-BE49-F238E27FC236}">
-                <a16:creationId xmlns:a16="http://schemas.microsoft.com/office/drawing/2014/main" xmlns="" id="{38436E23-043D-3D49-9FA8-D80811E522B6}"/>
+                <a16:creationId xmlns:a16="http://schemas.microsoft.com/office/drawing/2014/main" id="{38436E23-043D-3D49-9FA8-D80811E522B6}"/>
               </a:ext>
             </a:extLst>
           </p:cNvPr>
@@ -18583,7 +18437,7 @@
           <p:cNvPr id="9" name="Picture 8">
             <a:extLst>
               <a:ext uri="{FF2B5EF4-FFF2-40B4-BE49-F238E27FC236}">
-                <a16:creationId xmlns:a16="http://schemas.microsoft.com/office/drawing/2014/main" xmlns="" id="{D163140C-1F8A-5D4F-877D-07594E04BBB1}"/>
+                <a16:creationId xmlns:a16="http://schemas.microsoft.com/office/drawing/2014/main" id="{D163140C-1F8A-5D4F-877D-07594E04BBB1}"/>
               </a:ext>
             </a:extLst>
           </p:cNvPr>
@@ -18619,7 +18473,7 @@
           <p:cNvPr id="10" name="TextBox 9">
             <a:extLst>
               <a:ext uri="{FF2B5EF4-FFF2-40B4-BE49-F238E27FC236}">
-                <a16:creationId xmlns:a16="http://schemas.microsoft.com/office/drawing/2014/main" xmlns="" id="{DF126B8C-F447-9C4B-BD5E-550B915872E0}"/>
+                <a16:creationId xmlns:a16="http://schemas.microsoft.com/office/drawing/2014/main" id="{DF126B8C-F447-9C4B-BD5E-550B915872E0}"/>
               </a:ext>
             </a:extLst>
           </p:cNvPr>
@@ -18662,7 +18516,7 @@
           <p:cNvPr id="11" name="Picture 10">
             <a:extLst>
               <a:ext uri="{FF2B5EF4-FFF2-40B4-BE49-F238E27FC236}">
-                <a16:creationId xmlns:a16="http://schemas.microsoft.com/office/drawing/2014/main" xmlns="" id="{9D34B039-132C-6D46-9A44-C0F1AAA13C50}"/>
+                <a16:creationId xmlns:a16="http://schemas.microsoft.com/office/drawing/2014/main" id="{9D34B039-132C-6D46-9A44-C0F1AAA13C50}"/>
               </a:ext>
             </a:extLst>
           </p:cNvPr>
@@ -18698,7 +18552,7 @@
           <p:cNvPr id="12" name="TextBox 11">
             <a:extLst>
               <a:ext uri="{FF2B5EF4-FFF2-40B4-BE49-F238E27FC236}">
-                <a16:creationId xmlns:a16="http://schemas.microsoft.com/office/drawing/2014/main" xmlns="" id="{0D9474C7-54C0-B54A-9540-B83A4CE3B71B}"/>
+                <a16:creationId xmlns:a16="http://schemas.microsoft.com/office/drawing/2014/main" id="{0D9474C7-54C0-B54A-9540-B83A4CE3B71B}"/>
               </a:ext>
             </a:extLst>
           </p:cNvPr>
@@ -18737,7 +18591,7 @@
           <p:cNvPr id="13" name="Picture 12">
             <a:extLst>
               <a:ext uri="{FF2B5EF4-FFF2-40B4-BE49-F238E27FC236}">
-                <a16:creationId xmlns:a16="http://schemas.microsoft.com/office/drawing/2014/main" xmlns="" id="{BE952E1E-4CA4-F640-9BBD-53DB76DFFC4F}"/>
+                <a16:creationId xmlns:a16="http://schemas.microsoft.com/office/drawing/2014/main" id="{BE952E1E-4CA4-F640-9BBD-53DB76DFFC4F}"/>
               </a:ext>
             </a:extLst>
           </p:cNvPr>
@@ -18773,7 +18627,7 @@
           <p:cNvPr id="14" name="TextBox 13">
             <a:extLst>
               <a:ext uri="{FF2B5EF4-FFF2-40B4-BE49-F238E27FC236}">
-                <a16:creationId xmlns:a16="http://schemas.microsoft.com/office/drawing/2014/main" xmlns="" id="{35EFDB07-230F-8C4C-BFD3-80F13A045ACE}"/>
+                <a16:creationId xmlns:a16="http://schemas.microsoft.com/office/drawing/2014/main" id="{35EFDB07-230F-8C4C-BFD3-80F13A045ACE}"/>
               </a:ext>
             </a:extLst>
           </p:cNvPr>
@@ -18812,7 +18666,7 @@
           <p:cNvPr id="15" name="Picture 14">
             <a:extLst>
               <a:ext uri="{FF2B5EF4-FFF2-40B4-BE49-F238E27FC236}">
-                <a16:creationId xmlns:a16="http://schemas.microsoft.com/office/drawing/2014/main" xmlns="" id="{BC6C36CE-9902-C549-93DC-B288214D2815}"/>
+                <a16:creationId xmlns:a16="http://schemas.microsoft.com/office/drawing/2014/main" id="{BC6C36CE-9902-C549-93DC-B288214D2815}"/>
               </a:ext>
             </a:extLst>
           </p:cNvPr>
@@ -18848,7 +18702,7 @@
           <p:cNvPr id="16" name="TextBox 15">
             <a:extLst>
               <a:ext uri="{FF2B5EF4-FFF2-40B4-BE49-F238E27FC236}">
-                <a16:creationId xmlns:a16="http://schemas.microsoft.com/office/drawing/2014/main" xmlns="" id="{C5AF383C-2D54-E447-8717-54E7289500E5}"/>
+                <a16:creationId xmlns:a16="http://schemas.microsoft.com/office/drawing/2014/main" id="{C5AF383C-2D54-E447-8717-54E7289500E5}"/>
               </a:ext>
             </a:extLst>
           </p:cNvPr>
@@ -18889,7 +18743,7 @@
           <p:cNvPr id="17" name="Picture 16">
             <a:extLst>
               <a:ext uri="{FF2B5EF4-FFF2-40B4-BE49-F238E27FC236}">
-                <a16:creationId xmlns:a16="http://schemas.microsoft.com/office/drawing/2014/main" xmlns="" id="{3C048B77-D91C-3F4B-B35A-6B6B277CB363}"/>
+                <a16:creationId xmlns:a16="http://schemas.microsoft.com/office/drawing/2014/main" id="{3C048B77-D91C-3F4B-B35A-6B6B277CB363}"/>
               </a:ext>
             </a:extLst>
           </p:cNvPr>
@@ -18925,7 +18779,7 @@
           <p:cNvPr id="18" name="TextBox 17">
             <a:extLst>
               <a:ext uri="{FF2B5EF4-FFF2-40B4-BE49-F238E27FC236}">
-                <a16:creationId xmlns:a16="http://schemas.microsoft.com/office/drawing/2014/main" xmlns="" id="{8FC702AC-8CF1-6743-AB0F-EE9AC1D10C75}"/>
+                <a16:creationId xmlns:a16="http://schemas.microsoft.com/office/drawing/2014/main" id="{8FC702AC-8CF1-6743-AB0F-EE9AC1D10C75}"/>
               </a:ext>
             </a:extLst>
           </p:cNvPr>
@@ -18961,7 +18815,7 @@
           <p:cNvPr id="19" name="Picture 18">
             <a:extLst>
               <a:ext uri="{FF2B5EF4-FFF2-40B4-BE49-F238E27FC236}">
-                <a16:creationId xmlns:a16="http://schemas.microsoft.com/office/drawing/2014/main" xmlns="" id="{09DEE258-A5D4-9942-8C7E-D15BE97C8F7D}"/>
+                <a16:creationId xmlns:a16="http://schemas.microsoft.com/office/drawing/2014/main" id="{09DEE258-A5D4-9942-8C7E-D15BE97C8F7D}"/>
               </a:ext>
             </a:extLst>
           </p:cNvPr>
@@ -18998,7 +18852,7 @@
           <p:cNvPr id="20" name="Picture 19">
             <a:extLst>
               <a:ext uri="{FF2B5EF4-FFF2-40B4-BE49-F238E27FC236}">
-                <a16:creationId xmlns:a16="http://schemas.microsoft.com/office/drawing/2014/main" xmlns="" id="{5222B396-301E-104B-AB78-B44FD22A855D}"/>
+                <a16:creationId xmlns:a16="http://schemas.microsoft.com/office/drawing/2014/main" id="{5222B396-301E-104B-AB78-B44FD22A855D}"/>
               </a:ext>
             </a:extLst>
           </p:cNvPr>
@@ -19035,7 +18889,7 @@
           <p:cNvPr id="21" name="TextBox 20">
             <a:extLst>
               <a:ext uri="{FF2B5EF4-FFF2-40B4-BE49-F238E27FC236}">
-                <a16:creationId xmlns:a16="http://schemas.microsoft.com/office/drawing/2014/main" xmlns="" id="{064D403A-1D33-9C45-A266-D4C966596758}"/>
+                <a16:creationId xmlns:a16="http://schemas.microsoft.com/office/drawing/2014/main" id="{064D403A-1D33-9C45-A266-D4C966596758}"/>
               </a:ext>
             </a:extLst>
           </p:cNvPr>
@@ -19075,7 +18929,7 @@
           <p:cNvPr id="22" name="Picture 21">
             <a:extLst>
               <a:ext uri="{FF2B5EF4-FFF2-40B4-BE49-F238E27FC236}">
-                <a16:creationId xmlns:a16="http://schemas.microsoft.com/office/drawing/2014/main" xmlns="" id="{D84AF1D1-0D6F-1A43-BF78-059926A33B96}"/>
+                <a16:creationId xmlns:a16="http://schemas.microsoft.com/office/drawing/2014/main" id="{D84AF1D1-0D6F-1A43-BF78-059926A33B96}"/>
               </a:ext>
             </a:extLst>
           </p:cNvPr>
@@ -19111,7 +18965,7 @@
           <p:cNvPr id="23" name="Picture 22">
             <a:extLst>
               <a:ext uri="{FF2B5EF4-FFF2-40B4-BE49-F238E27FC236}">
-                <a16:creationId xmlns:a16="http://schemas.microsoft.com/office/drawing/2014/main" xmlns="" id="{B10076F5-9D87-304D-9351-96C2B6B58D17}"/>
+                <a16:creationId xmlns:a16="http://schemas.microsoft.com/office/drawing/2014/main" id="{B10076F5-9D87-304D-9351-96C2B6B58D17}"/>
               </a:ext>
             </a:extLst>
           </p:cNvPr>
@@ -19147,7 +19001,7 @@
           <p:cNvPr id="24" name="TextBox 23">
             <a:extLst>
               <a:ext uri="{FF2B5EF4-FFF2-40B4-BE49-F238E27FC236}">
-                <a16:creationId xmlns:a16="http://schemas.microsoft.com/office/drawing/2014/main" xmlns="" id="{97DB7356-2951-C447-AE96-3EA43A9BB204}"/>
+                <a16:creationId xmlns:a16="http://schemas.microsoft.com/office/drawing/2014/main" id="{97DB7356-2951-C447-AE96-3EA43A9BB204}"/>
               </a:ext>
             </a:extLst>
           </p:cNvPr>
@@ -19190,7 +19044,7 @@
           <p:cNvPr id="25" name="TextBox 24">
             <a:extLst>
               <a:ext uri="{FF2B5EF4-FFF2-40B4-BE49-F238E27FC236}">
-                <a16:creationId xmlns:a16="http://schemas.microsoft.com/office/drawing/2014/main" xmlns="" id="{446D6E44-8DD0-BA47-BA46-5A10BE1B5DE6}"/>
+                <a16:creationId xmlns:a16="http://schemas.microsoft.com/office/drawing/2014/main" id="{446D6E44-8DD0-BA47-BA46-5A10BE1B5DE6}"/>
               </a:ext>
             </a:extLst>
           </p:cNvPr>
@@ -19230,7 +19084,7 @@
           <p:cNvPr id="26" name="Picture 25">
             <a:extLst>
               <a:ext uri="{FF2B5EF4-FFF2-40B4-BE49-F238E27FC236}">
-                <a16:creationId xmlns:a16="http://schemas.microsoft.com/office/drawing/2014/main" xmlns="" id="{7589BDC0-E249-3B4C-A1DF-76B502E9E460}"/>
+                <a16:creationId xmlns:a16="http://schemas.microsoft.com/office/drawing/2014/main" id="{7589BDC0-E249-3B4C-A1DF-76B502E9E460}"/>
               </a:ext>
             </a:extLst>
           </p:cNvPr>
@@ -19266,7 +19120,7 @@
           <p:cNvPr id="31" name="Straight Connector 30">
             <a:extLst>
               <a:ext uri="{FF2B5EF4-FFF2-40B4-BE49-F238E27FC236}">
-                <a16:creationId xmlns:a16="http://schemas.microsoft.com/office/drawing/2014/main" xmlns="" id="{351E654F-0849-D640-A5D1-39BA8E1B6634}"/>
+                <a16:creationId xmlns:a16="http://schemas.microsoft.com/office/drawing/2014/main" id="{351E654F-0849-D640-A5D1-39BA8E1B6634}"/>
               </a:ext>
             </a:extLst>
           </p:cNvPr>
@@ -19310,7 +19164,7 @@
           <p:cNvPr id="32" name="Straight Connector 31">
             <a:extLst>
               <a:ext uri="{FF2B5EF4-FFF2-40B4-BE49-F238E27FC236}">
-                <a16:creationId xmlns:a16="http://schemas.microsoft.com/office/drawing/2014/main" xmlns="" id="{37FAB9D5-22BC-1740-9AED-C6175B9058C9}"/>
+                <a16:creationId xmlns:a16="http://schemas.microsoft.com/office/drawing/2014/main" id="{37FAB9D5-22BC-1740-9AED-C6175B9058C9}"/>
               </a:ext>
             </a:extLst>
           </p:cNvPr>
@@ -19356,7 +19210,7 @@
           <p:cNvPr id="33" name="Straight Connector 32">
             <a:extLst>
               <a:ext uri="{FF2B5EF4-FFF2-40B4-BE49-F238E27FC236}">
-                <a16:creationId xmlns:a16="http://schemas.microsoft.com/office/drawing/2014/main" xmlns="" id="{5F00015F-DD6E-AC45-91BA-2A68B3C41A01}"/>
+                <a16:creationId xmlns:a16="http://schemas.microsoft.com/office/drawing/2014/main" id="{5F00015F-DD6E-AC45-91BA-2A68B3C41A01}"/>
               </a:ext>
             </a:extLst>
           </p:cNvPr>
@@ -19400,7 +19254,7 @@
           <p:cNvPr id="34" name="Straight Connector 33">
             <a:extLst>
               <a:ext uri="{FF2B5EF4-FFF2-40B4-BE49-F238E27FC236}">
-                <a16:creationId xmlns:a16="http://schemas.microsoft.com/office/drawing/2014/main" xmlns="" id="{03DFBED5-256D-CA44-804D-FCABBF307FE7}"/>
+                <a16:creationId xmlns:a16="http://schemas.microsoft.com/office/drawing/2014/main" id="{03DFBED5-256D-CA44-804D-FCABBF307FE7}"/>
               </a:ext>
             </a:extLst>
           </p:cNvPr>
@@ -19446,7 +19300,7 @@
           <p:cNvPr id="35" name="Straight Connector 34">
             <a:extLst>
               <a:ext uri="{FF2B5EF4-FFF2-40B4-BE49-F238E27FC236}">
-                <a16:creationId xmlns:a16="http://schemas.microsoft.com/office/drawing/2014/main" xmlns="" id="{93C87B89-AD20-374A-93B6-96F8D8DCA2B2}"/>
+                <a16:creationId xmlns:a16="http://schemas.microsoft.com/office/drawing/2014/main" id="{93C87B89-AD20-374A-93B6-96F8D8DCA2B2}"/>
               </a:ext>
             </a:extLst>
           </p:cNvPr>
@@ -19490,7 +19344,7 @@
           <p:cNvPr id="36" name="Straight Connector 35">
             <a:extLst>
               <a:ext uri="{FF2B5EF4-FFF2-40B4-BE49-F238E27FC236}">
-                <a16:creationId xmlns:a16="http://schemas.microsoft.com/office/drawing/2014/main" xmlns="" id="{B47082CE-E768-CF41-A760-407DC2313F04}"/>
+                <a16:creationId xmlns:a16="http://schemas.microsoft.com/office/drawing/2014/main" id="{B47082CE-E768-CF41-A760-407DC2313F04}"/>
               </a:ext>
             </a:extLst>
           </p:cNvPr>
@@ -19534,7 +19388,7 @@
           <p:cNvPr id="38" name="TextBox 37">
             <a:extLst>
               <a:ext uri="{FF2B5EF4-FFF2-40B4-BE49-F238E27FC236}">
-                <a16:creationId xmlns:a16="http://schemas.microsoft.com/office/drawing/2014/main" xmlns="" id="{0033E436-6580-1844-804F-CED039B683CC}"/>
+                <a16:creationId xmlns:a16="http://schemas.microsoft.com/office/drawing/2014/main" id="{0033E436-6580-1844-804F-CED039B683CC}"/>
               </a:ext>
             </a:extLst>
           </p:cNvPr>
@@ -19608,7 +19462,7 @@
           <p:cNvPr id="40" name="TextBox 39">
             <a:extLst>
               <a:ext uri="{FF2B5EF4-FFF2-40B4-BE49-F238E27FC236}">
-                <a16:creationId xmlns:a16="http://schemas.microsoft.com/office/drawing/2014/main" xmlns="" id="{95C912AC-B1A4-3A4C-B547-3340B52DF45F}"/>
+                <a16:creationId xmlns:a16="http://schemas.microsoft.com/office/drawing/2014/main" id="{95C912AC-B1A4-3A4C-B547-3340B52DF45F}"/>
               </a:ext>
             </a:extLst>
           </p:cNvPr>
@@ -19644,7 +19498,7 @@
           <p:cNvPr id="41" name="TextBox 40">
             <a:extLst>
               <a:ext uri="{FF2B5EF4-FFF2-40B4-BE49-F238E27FC236}">
-                <a16:creationId xmlns:a16="http://schemas.microsoft.com/office/drawing/2014/main" xmlns="" id="{EE3D86A4-9057-6A46-9B4A-B833A0C643EC}"/>
+                <a16:creationId xmlns:a16="http://schemas.microsoft.com/office/drawing/2014/main" id="{EE3D86A4-9057-6A46-9B4A-B833A0C643EC}"/>
               </a:ext>
             </a:extLst>
           </p:cNvPr>
@@ -19680,7 +19534,7 @@
           <p:cNvPr id="42" name="Straight Connector 41">
             <a:extLst>
               <a:ext uri="{FF2B5EF4-FFF2-40B4-BE49-F238E27FC236}">
-                <a16:creationId xmlns:a16="http://schemas.microsoft.com/office/drawing/2014/main" xmlns="" id="{C3188BB0-DD34-2045-896F-BC1E78A4288C}"/>
+                <a16:creationId xmlns:a16="http://schemas.microsoft.com/office/drawing/2014/main" id="{C3188BB0-DD34-2045-896F-BC1E78A4288C}"/>
               </a:ext>
             </a:extLst>
           </p:cNvPr>
@@ -19724,7 +19578,7 @@
           <p:cNvPr id="44" name="TextBox 43">
             <a:extLst>
               <a:ext uri="{FF2B5EF4-FFF2-40B4-BE49-F238E27FC236}">
-                <a16:creationId xmlns:a16="http://schemas.microsoft.com/office/drawing/2014/main" xmlns="" id="{AE349F04-4F9F-9443-91F7-AF0E10881681}"/>
+                <a16:creationId xmlns:a16="http://schemas.microsoft.com/office/drawing/2014/main" id="{AE349F04-4F9F-9443-91F7-AF0E10881681}"/>
               </a:ext>
             </a:extLst>
           </p:cNvPr>
@@ -19764,7 +19618,7 @@
           <p:cNvPr id="45" name="TextBox 44">
             <a:extLst>
               <a:ext uri="{FF2B5EF4-FFF2-40B4-BE49-F238E27FC236}">
-                <a16:creationId xmlns:a16="http://schemas.microsoft.com/office/drawing/2014/main" xmlns="" id="{3A95FAE1-18C2-9D4F-9574-8256BF20152A}"/>
+                <a16:creationId xmlns:a16="http://schemas.microsoft.com/office/drawing/2014/main" id="{3A95FAE1-18C2-9D4F-9574-8256BF20152A}"/>
               </a:ext>
             </a:extLst>
           </p:cNvPr>
@@ -19821,13 +19675,6 @@
     <a:masterClrMapping/>
   </p:clrMapOvr>
   <p:transition spd="med"/>
-  <p:timing>
-    <p:tnLst>
-      <p:par>
-        <p:cTn id="1" dur="indefinite" restart="never" nodeType="tmRoot"/>
-      </p:par>
-    </p:tnLst>
-  </p:timing>
 </p:sld>
 </file>
 
@@ -19879,34 +19726,13 @@
               <a:buChar char="•"/>
             </a:pPr>
             <a:r>
-              <a:rPr lang="en-US" dirty="0" smtClean="0">
-                <a:solidFill>
-                  <a:srgbClr val="351C35"/>
-                </a:solidFill>
-              </a:rPr>
-              <a:t>A </a:t>
-            </a:r>
-            <a:r>
               <a:rPr lang="en-US" dirty="0">
                 <a:solidFill>
                   <a:srgbClr val="351C35"/>
                 </a:solidFill>
               </a:rPr>
-              <a:t>non-relational database that delivers reliable performance at any </a:t>
-            </a:r>
-            <a:r>
-              <a:rPr lang="en-US" dirty="0" smtClean="0">
-                <a:solidFill>
-                  <a:srgbClr val="351C35"/>
-                </a:solidFill>
-              </a:rPr>
-              <a:t>scale</a:t>
-            </a:r>
-            <a:endParaRPr lang="en-US" dirty="0">
-              <a:solidFill>
-                <a:srgbClr val="351C35"/>
-              </a:solidFill>
-            </a:endParaRPr>
+              <a:t>A non-relational database that delivers reliable performance at any scale</a:t>
+            </a:r>
           </a:p>
           <a:p>
             <a:pPr lvl="3" indent="0">
@@ -19934,23 +19760,7 @@
                   <a:srgbClr val="351C35"/>
                 </a:solidFill>
               </a:rPr>
-              <a:t>Supports </a:t>
-            </a:r>
-            <a:r>
-              <a:rPr lang="en-US" dirty="0">
-                <a:solidFill>
-                  <a:srgbClr val="351C35"/>
-                </a:solidFill>
-              </a:rPr>
-              <a:t>key-value data structures that are designed to scale </a:t>
-            </a:r>
-            <a:r>
-              <a:rPr lang="en-US" dirty="0">
-                <a:solidFill>
-                  <a:srgbClr val="351C35"/>
-                </a:solidFill>
-              </a:rPr>
-              <a:t>easily</a:t>
+              <a:t>Supports key-value data structures that are designed to scale easily</a:t>
             </a:r>
           </a:p>
           <a:p>
@@ -19980,25 +19790,7 @@
                 </a:solidFill>
                 <a:sym typeface="Helvetica Neue"/>
               </a:rPr>
-              <a:t>Delivers </a:t>
-            </a:r>
-            <a:r>
-              <a:rPr lang="en-US" dirty="0">
-                <a:solidFill>
-                  <a:srgbClr val="351C35"/>
-                </a:solidFill>
-                <a:sym typeface="Helvetica Neue"/>
-              </a:rPr>
-              <a:t>seamless, automatic scaling of throughput and storage scaling via APIs and the AWS Management Console</a:t>
-            </a:r>
-            <a:r>
-              <a:rPr lang="en-US" dirty="0">
-                <a:solidFill>
-                  <a:srgbClr val="351C35"/>
-                </a:solidFill>
-                <a:sym typeface="Helvetica Neue"/>
-              </a:rPr>
-              <a:t>.</a:t>
+              <a:t>Delivers seamless, automatic scaling of throughput and storage scaling via APIs and the AWS Management Console.</a:t>
             </a:r>
             <a:endParaRPr lang="en-US" dirty="0">
               <a:solidFill>
@@ -20032,15 +19824,7 @@
                   <a:srgbClr val="351C35"/>
                 </a:solidFill>
               </a:rPr>
-              <a:t>Built-in </a:t>
-            </a:r>
-            <a:r>
-              <a:rPr lang="en-US" dirty="0">
-                <a:solidFill>
-                  <a:srgbClr val="351C35"/>
-                </a:solidFill>
-              </a:rPr>
-              <a:t>security, backup and restore, and in-memory caching </a:t>
+              <a:t>Built-in security, backup and restore, and in-memory caching </a:t>
             </a:r>
           </a:p>
           <a:p>
@@ -20079,7 +19863,7 @@
           </a:prstGeom>
           <a:extLst>
             <a:ext uri="{C572A759-6A51-4108-AA02-DFA0A04FC94B}">
-              <ma14:wrappingTextBoxFlag xmlns="" xmlns:ma14="http://schemas.microsoft.com/office/mac/drawingml/2011/main" val="1"/>
+              <ma14:wrappingTextBoxFlag xmlns:ma14="http://schemas.microsoft.com/office/mac/drawingml/2011/main" xmlns="" val="1"/>
             </a:ext>
           </a:extLst>
         </p:spPr>
@@ -20099,7 +19883,7 @@
           <p:cNvPr id="8" name="Text Placeholder 7">
             <a:extLst>
               <a:ext uri="{FF2B5EF4-FFF2-40B4-BE49-F238E27FC236}">
-                <a16:creationId xmlns:a16="http://schemas.microsoft.com/office/drawing/2014/main" xmlns="" id="{38436E23-043D-3D49-9FA8-D80811E522B6}"/>
+                <a16:creationId xmlns:a16="http://schemas.microsoft.com/office/drawing/2014/main" id="{38436E23-043D-3D49-9FA8-D80811E522B6}"/>
               </a:ext>
             </a:extLst>
           </p:cNvPr>
@@ -20171,13 +19955,6 @@
     <a:masterClrMapping/>
   </p:clrMapOvr>
   <p:transition spd="med"/>
-  <p:timing>
-    <p:tnLst>
-      <p:par>
-        <p:cTn id="1" dur="indefinite" restart="never" nodeType="tmRoot"/>
-      </p:par>
-    </p:tnLst>
-  </p:timing>
 </p:sld>
 </file>
 
@@ -20218,7 +19995,7 @@
           </a:prstGeom>
           <a:extLst>
             <a:ext uri="{C572A759-6A51-4108-AA02-DFA0A04FC94B}">
-              <ma14:wrappingTextBoxFlag xmlns="" xmlns:ma14="http://schemas.microsoft.com/office/mac/drawingml/2011/main" val="1"/>
+              <ma14:wrappingTextBoxFlag xmlns:ma14="http://schemas.microsoft.com/office/mac/drawingml/2011/main" xmlns="" val="1"/>
             </a:ext>
           </a:extLst>
         </p:spPr>
@@ -20238,7 +20015,7 @@
           <p:cNvPr id="8" name="Text Placeholder 7">
             <a:extLst>
               <a:ext uri="{FF2B5EF4-FFF2-40B4-BE49-F238E27FC236}">
-                <a16:creationId xmlns:a16="http://schemas.microsoft.com/office/drawing/2014/main" xmlns="" id="{38436E23-043D-3D49-9FA8-D80811E522B6}"/>
+                <a16:creationId xmlns:a16="http://schemas.microsoft.com/office/drawing/2014/main" id="{38436E23-043D-3D49-9FA8-D80811E522B6}"/>
               </a:ext>
             </a:extLst>
           </p:cNvPr>
@@ -20472,13 +20249,6 @@
     <a:masterClrMapping/>
   </p:clrMapOvr>
   <p:transition spd="med"/>
-  <p:timing>
-    <p:tnLst>
-      <p:par>
-        <p:cTn id="1" dur="indefinite" restart="never" nodeType="tmRoot"/>
-      </p:par>
-    </p:tnLst>
-  </p:timing>
 </p:sld>
 </file>
 
@@ -20519,7 +20289,7 @@
           </a:prstGeom>
           <a:extLst>
             <a:ext uri="{C572A759-6A51-4108-AA02-DFA0A04FC94B}">
-              <ma14:wrappingTextBoxFlag xmlns="" xmlns:ma14="http://schemas.microsoft.com/office/mac/drawingml/2011/main" val="1"/>
+              <ma14:wrappingTextBoxFlag xmlns:ma14="http://schemas.microsoft.com/office/mac/drawingml/2011/main" xmlns="" val="1"/>
             </a:ext>
           </a:extLst>
         </p:spPr>
@@ -20539,7 +20309,7 @@
           <p:cNvPr id="8" name="Text Placeholder 7">
             <a:extLst>
               <a:ext uri="{FF2B5EF4-FFF2-40B4-BE49-F238E27FC236}">
-                <a16:creationId xmlns:a16="http://schemas.microsoft.com/office/drawing/2014/main" xmlns="" id="{38436E23-043D-3D49-9FA8-D80811E522B6}"/>
+                <a16:creationId xmlns:a16="http://schemas.microsoft.com/office/drawing/2014/main" id="{38436E23-043D-3D49-9FA8-D80811E522B6}"/>
               </a:ext>
             </a:extLst>
           </p:cNvPr>
@@ -20644,13 +20414,6 @@
     <a:masterClrMapping/>
   </p:clrMapOvr>
   <p:transition spd="med"/>
-  <p:timing>
-    <p:tnLst>
-      <p:par>
-        <p:cTn id="1" dur="indefinite" restart="never" nodeType="tmRoot"/>
-      </p:par>
-    </p:tnLst>
-  </p:timing>
 </p:sld>
 </file>
 
@@ -20691,7 +20454,7 @@
           </a:prstGeom>
           <a:extLst>
             <a:ext uri="{C572A759-6A51-4108-AA02-DFA0A04FC94B}">
-              <ma14:wrappingTextBoxFlag xmlns="" xmlns:ma14="http://schemas.microsoft.com/office/mac/drawingml/2011/main" val="1"/>
+              <ma14:wrappingTextBoxFlag xmlns:ma14="http://schemas.microsoft.com/office/mac/drawingml/2011/main" xmlns="" val="1"/>
             </a:ext>
           </a:extLst>
         </p:spPr>
@@ -20711,7 +20474,7 @@
           <p:cNvPr id="8" name="Text Placeholder 7">
             <a:extLst>
               <a:ext uri="{FF2B5EF4-FFF2-40B4-BE49-F238E27FC236}">
-                <a16:creationId xmlns:a16="http://schemas.microsoft.com/office/drawing/2014/main" xmlns="" id="{38436E23-043D-3D49-9FA8-D80811E522B6}"/>
+                <a16:creationId xmlns:a16="http://schemas.microsoft.com/office/drawing/2014/main" id="{38436E23-043D-3D49-9FA8-D80811E522B6}"/>
               </a:ext>
             </a:extLst>
           </p:cNvPr>
@@ -20772,7 +20535,7 @@
           <p:cNvPr id="9" name="Picture 8">
             <a:extLst>
               <a:ext uri="{FF2B5EF4-FFF2-40B4-BE49-F238E27FC236}">
-                <a16:creationId xmlns:a16="http://schemas.microsoft.com/office/drawing/2014/main" xmlns="" id="{D163140C-1F8A-5D4F-877D-07594E04BBB1}"/>
+                <a16:creationId xmlns:a16="http://schemas.microsoft.com/office/drawing/2014/main" id="{D163140C-1F8A-5D4F-877D-07594E04BBB1}"/>
               </a:ext>
             </a:extLst>
           </p:cNvPr>
@@ -20808,7 +20571,7 @@
           <p:cNvPr id="10" name="TextBox 9">
             <a:extLst>
               <a:ext uri="{FF2B5EF4-FFF2-40B4-BE49-F238E27FC236}">
-                <a16:creationId xmlns:a16="http://schemas.microsoft.com/office/drawing/2014/main" xmlns="" id="{DF126B8C-F447-9C4B-BD5E-550B915872E0}"/>
+                <a16:creationId xmlns:a16="http://schemas.microsoft.com/office/drawing/2014/main" id="{DF126B8C-F447-9C4B-BD5E-550B915872E0}"/>
               </a:ext>
             </a:extLst>
           </p:cNvPr>
@@ -20851,7 +20614,7 @@
           <p:cNvPr id="11" name="Picture 10">
             <a:extLst>
               <a:ext uri="{FF2B5EF4-FFF2-40B4-BE49-F238E27FC236}">
-                <a16:creationId xmlns:a16="http://schemas.microsoft.com/office/drawing/2014/main" xmlns="" id="{9D34B039-132C-6D46-9A44-C0F1AAA13C50}"/>
+                <a16:creationId xmlns:a16="http://schemas.microsoft.com/office/drawing/2014/main" id="{9D34B039-132C-6D46-9A44-C0F1AAA13C50}"/>
               </a:ext>
             </a:extLst>
           </p:cNvPr>
@@ -20887,7 +20650,7 @@
           <p:cNvPr id="12" name="TextBox 11">
             <a:extLst>
               <a:ext uri="{FF2B5EF4-FFF2-40B4-BE49-F238E27FC236}">
-                <a16:creationId xmlns:a16="http://schemas.microsoft.com/office/drawing/2014/main" xmlns="" id="{0D9474C7-54C0-B54A-9540-B83A4CE3B71B}"/>
+                <a16:creationId xmlns:a16="http://schemas.microsoft.com/office/drawing/2014/main" id="{0D9474C7-54C0-B54A-9540-B83A4CE3B71B}"/>
               </a:ext>
             </a:extLst>
           </p:cNvPr>
@@ -20926,7 +20689,7 @@
           <p:cNvPr id="13" name="Picture 12">
             <a:extLst>
               <a:ext uri="{FF2B5EF4-FFF2-40B4-BE49-F238E27FC236}">
-                <a16:creationId xmlns:a16="http://schemas.microsoft.com/office/drawing/2014/main" xmlns="" id="{BE952E1E-4CA4-F640-9BBD-53DB76DFFC4F}"/>
+                <a16:creationId xmlns:a16="http://schemas.microsoft.com/office/drawing/2014/main" id="{BE952E1E-4CA4-F640-9BBD-53DB76DFFC4F}"/>
               </a:ext>
             </a:extLst>
           </p:cNvPr>
@@ -20962,7 +20725,7 @@
           <p:cNvPr id="14" name="TextBox 13">
             <a:extLst>
               <a:ext uri="{FF2B5EF4-FFF2-40B4-BE49-F238E27FC236}">
-                <a16:creationId xmlns:a16="http://schemas.microsoft.com/office/drawing/2014/main" xmlns="" id="{35EFDB07-230F-8C4C-BFD3-80F13A045ACE}"/>
+                <a16:creationId xmlns:a16="http://schemas.microsoft.com/office/drawing/2014/main" id="{35EFDB07-230F-8C4C-BFD3-80F13A045ACE}"/>
               </a:ext>
             </a:extLst>
           </p:cNvPr>
@@ -21001,7 +20764,7 @@
           <p:cNvPr id="15" name="Picture 14">
             <a:extLst>
               <a:ext uri="{FF2B5EF4-FFF2-40B4-BE49-F238E27FC236}">
-                <a16:creationId xmlns:a16="http://schemas.microsoft.com/office/drawing/2014/main" xmlns="" id="{BC6C36CE-9902-C549-93DC-B288214D2815}"/>
+                <a16:creationId xmlns:a16="http://schemas.microsoft.com/office/drawing/2014/main" id="{BC6C36CE-9902-C549-93DC-B288214D2815}"/>
               </a:ext>
             </a:extLst>
           </p:cNvPr>
@@ -21037,7 +20800,7 @@
           <p:cNvPr id="16" name="TextBox 15">
             <a:extLst>
               <a:ext uri="{FF2B5EF4-FFF2-40B4-BE49-F238E27FC236}">
-                <a16:creationId xmlns:a16="http://schemas.microsoft.com/office/drawing/2014/main" xmlns="" id="{C5AF383C-2D54-E447-8717-54E7289500E5}"/>
+                <a16:creationId xmlns:a16="http://schemas.microsoft.com/office/drawing/2014/main" id="{C5AF383C-2D54-E447-8717-54E7289500E5}"/>
               </a:ext>
             </a:extLst>
           </p:cNvPr>
@@ -21078,7 +20841,7 @@
           <p:cNvPr id="17" name="Picture 16">
             <a:extLst>
               <a:ext uri="{FF2B5EF4-FFF2-40B4-BE49-F238E27FC236}">
-                <a16:creationId xmlns:a16="http://schemas.microsoft.com/office/drawing/2014/main" xmlns="" id="{3C048B77-D91C-3F4B-B35A-6B6B277CB363}"/>
+                <a16:creationId xmlns:a16="http://schemas.microsoft.com/office/drawing/2014/main" id="{3C048B77-D91C-3F4B-B35A-6B6B277CB363}"/>
               </a:ext>
             </a:extLst>
           </p:cNvPr>
@@ -21114,7 +20877,7 @@
           <p:cNvPr id="18" name="TextBox 17">
             <a:extLst>
               <a:ext uri="{FF2B5EF4-FFF2-40B4-BE49-F238E27FC236}">
-                <a16:creationId xmlns:a16="http://schemas.microsoft.com/office/drawing/2014/main" xmlns="" id="{8FC702AC-8CF1-6743-AB0F-EE9AC1D10C75}"/>
+                <a16:creationId xmlns:a16="http://schemas.microsoft.com/office/drawing/2014/main" id="{8FC702AC-8CF1-6743-AB0F-EE9AC1D10C75}"/>
               </a:ext>
             </a:extLst>
           </p:cNvPr>
@@ -21150,7 +20913,7 @@
           <p:cNvPr id="19" name="Picture 18">
             <a:extLst>
               <a:ext uri="{FF2B5EF4-FFF2-40B4-BE49-F238E27FC236}">
-                <a16:creationId xmlns:a16="http://schemas.microsoft.com/office/drawing/2014/main" xmlns="" id="{09DEE258-A5D4-9942-8C7E-D15BE97C8F7D}"/>
+                <a16:creationId xmlns:a16="http://schemas.microsoft.com/office/drawing/2014/main" id="{09DEE258-A5D4-9942-8C7E-D15BE97C8F7D}"/>
               </a:ext>
             </a:extLst>
           </p:cNvPr>
@@ -21187,7 +20950,7 @@
           <p:cNvPr id="20" name="Picture 19">
             <a:extLst>
               <a:ext uri="{FF2B5EF4-FFF2-40B4-BE49-F238E27FC236}">
-                <a16:creationId xmlns:a16="http://schemas.microsoft.com/office/drawing/2014/main" xmlns="" id="{5222B396-301E-104B-AB78-B44FD22A855D}"/>
+                <a16:creationId xmlns:a16="http://schemas.microsoft.com/office/drawing/2014/main" id="{5222B396-301E-104B-AB78-B44FD22A855D}"/>
               </a:ext>
             </a:extLst>
           </p:cNvPr>
@@ -21224,7 +20987,7 @@
           <p:cNvPr id="21" name="TextBox 20">
             <a:extLst>
               <a:ext uri="{FF2B5EF4-FFF2-40B4-BE49-F238E27FC236}">
-                <a16:creationId xmlns:a16="http://schemas.microsoft.com/office/drawing/2014/main" xmlns="" id="{064D403A-1D33-9C45-A266-D4C966596758}"/>
+                <a16:creationId xmlns:a16="http://schemas.microsoft.com/office/drawing/2014/main" id="{064D403A-1D33-9C45-A266-D4C966596758}"/>
               </a:ext>
             </a:extLst>
           </p:cNvPr>
@@ -21264,7 +21027,7 @@
           <p:cNvPr id="22" name="Picture 21">
             <a:extLst>
               <a:ext uri="{FF2B5EF4-FFF2-40B4-BE49-F238E27FC236}">
-                <a16:creationId xmlns:a16="http://schemas.microsoft.com/office/drawing/2014/main" xmlns="" id="{D84AF1D1-0D6F-1A43-BF78-059926A33B96}"/>
+                <a16:creationId xmlns:a16="http://schemas.microsoft.com/office/drawing/2014/main" id="{D84AF1D1-0D6F-1A43-BF78-059926A33B96}"/>
               </a:ext>
             </a:extLst>
           </p:cNvPr>
@@ -21300,7 +21063,7 @@
           <p:cNvPr id="23" name="Picture 22">
             <a:extLst>
               <a:ext uri="{FF2B5EF4-FFF2-40B4-BE49-F238E27FC236}">
-                <a16:creationId xmlns:a16="http://schemas.microsoft.com/office/drawing/2014/main" xmlns="" id="{B10076F5-9D87-304D-9351-96C2B6B58D17}"/>
+                <a16:creationId xmlns:a16="http://schemas.microsoft.com/office/drawing/2014/main" id="{B10076F5-9D87-304D-9351-96C2B6B58D17}"/>
               </a:ext>
             </a:extLst>
           </p:cNvPr>
@@ -21336,7 +21099,7 @@
           <p:cNvPr id="24" name="TextBox 23">
             <a:extLst>
               <a:ext uri="{FF2B5EF4-FFF2-40B4-BE49-F238E27FC236}">
-                <a16:creationId xmlns:a16="http://schemas.microsoft.com/office/drawing/2014/main" xmlns="" id="{97DB7356-2951-C447-AE96-3EA43A9BB204}"/>
+                <a16:creationId xmlns:a16="http://schemas.microsoft.com/office/drawing/2014/main" id="{97DB7356-2951-C447-AE96-3EA43A9BB204}"/>
               </a:ext>
             </a:extLst>
           </p:cNvPr>
@@ -21380,7 +21143,7 @@
           <p:cNvPr id="25" name="TextBox 24">
             <a:extLst>
               <a:ext uri="{FF2B5EF4-FFF2-40B4-BE49-F238E27FC236}">
-                <a16:creationId xmlns:a16="http://schemas.microsoft.com/office/drawing/2014/main" xmlns="" id="{446D6E44-8DD0-BA47-BA46-5A10BE1B5DE6}"/>
+                <a16:creationId xmlns:a16="http://schemas.microsoft.com/office/drawing/2014/main" id="{446D6E44-8DD0-BA47-BA46-5A10BE1B5DE6}"/>
               </a:ext>
             </a:extLst>
           </p:cNvPr>
@@ -21420,7 +21183,7 @@
           <p:cNvPr id="26" name="Picture 25">
             <a:extLst>
               <a:ext uri="{FF2B5EF4-FFF2-40B4-BE49-F238E27FC236}">
-                <a16:creationId xmlns:a16="http://schemas.microsoft.com/office/drawing/2014/main" xmlns="" id="{7589BDC0-E249-3B4C-A1DF-76B502E9E460}"/>
+                <a16:creationId xmlns:a16="http://schemas.microsoft.com/office/drawing/2014/main" id="{7589BDC0-E249-3B4C-A1DF-76B502E9E460}"/>
               </a:ext>
             </a:extLst>
           </p:cNvPr>
@@ -21456,7 +21219,7 @@
           <p:cNvPr id="31" name="Straight Connector 30">
             <a:extLst>
               <a:ext uri="{FF2B5EF4-FFF2-40B4-BE49-F238E27FC236}">
-                <a16:creationId xmlns:a16="http://schemas.microsoft.com/office/drawing/2014/main" xmlns="" id="{351E654F-0849-D640-A5D1-39BA8E1B6634}"/>
+                <a16:creationId xmlns:a16="http://schemas.microsoft.com/office/drawing/2014/main" id="{351E654F-0849-D640-A5D1-39BA8E1B6634}"/>
               </a:ext>
             </a:extLst>
           </p:cNvPr>
@@ -21500,7 +21263,7 @@
           <p:cNvPr id="32" name="Straight Connector 31">
             <a:extLst>
               <a:ext uri="{FF2B5EF4-FFF2-40B4-BE49-F238E27FC236}">
-                <a16:creationId xmlns:a16="http://schemas.microsoft.com/office/drawing/2014/main" xmlns="" id="{37FAB9D5-22BC-1740-9AED-C6175B9058C9}"/>
+                <a16:creationId xmlns:a16="http://schemas.microsoft.com/office/drawing/2014/main" id="{37FAB9D5-22BC-1740-9AED-C6175B9058C9}"/>
               </a:ext>
             </a:extLst>
           </p:cNvPr>
@@ -21546,7 +21309,7 @@
           <p:cNvPr id="33" name="Straight Connector 32">
             <a:extLst>
               <a:ext uri="{FF2B5EF4-FFF2-40B4-BE49-F238E27FC236}">
-                <a16:creationId xmlns:a16="http://schemas.microsoft.com/office/drawing/2014/main" xmlns="" id="{5F00015F-DD6E-AC45-91BA-2A68B3C41A01}"/>
+                <a16:creationId xmlns:a16="http://schemas.microsoft.com/office/drawing/2014/main" id="{5F00015F-DD6E-AC45-91BA-2A68B3C41A01}"/>
               </a:ext>
             </a:extLst>
           </p:cNvPr>
@@ -21590,7 +21353,7 @@
           <p:cNvPr id="34" name="Straight Connector 33">
             <a:extLst>
               <a:ext uri="{FF2B5EF4-FFF2-40B4-BE49-F238E27FC236}">
-                <a16:creationId xmlns:a16="http://schemas.microsoft.com/office/drawing/2014/main" xmlns="" id="{03DFBED5-256D-CA44-804D-FCABBF307FE7}"/>
+                <a16:creationId xmlns:a16="http://schemas.microsoft.com/office/drawing/2014/main" id="{03DFBED5-256D-CA44-804D-FCABBF307FE7}"/>
               </a:ext>
             </a:extLst>
           </p:cNvPr>
@@ -21636,7 +21399,7 @@
           <p:cNvPr id="35" name="Straight Connector 34">
             <a:extLst>
               <a:ext uri="{FF2B5EF4-FFF2-40B4-BE49-F238E27FC236}">
-                <a16:creationId xmlns:a16="http://schemas.microsoft.com/office/drawing/2014/main" xmlns="" id="{93C87B89-AD20-374A-93B6-96F8D8DCA2B2}"/>
+                <a16:creationId xmlns:a16="http://schemas.microsoft.com/office/drawing/2014/main" id="{93C87B89-AD20-374A-93B6-96F8D8DCA2B2}"/>
               </a:ext>
             </a:extLst>
           </p:cNvPr>
@@ -21680,7 +21443,7 @@
           <p:cNvPr id="36" name="Straight Connector 35">
             <a:extLst>
               <a:ext uri="{FF2B5EF4-FFF2-40B4-BE49-F238E27FC236}">
-                <a16:creationId xmlns:a16="http://schemas.microsoft.com/office/drawing/2014/main" xmlns="" id="{B47082CE-E768-CF41-A760-407DC2313F04}"/>
+                <a16:creationId xmlns:a16="http://schemas.microsoft.com/office/drawing/2014/main" id="{B47082CE-E768-CF41-A760-407DC2313F04}"/>
               </a:ext>
             </a:extLst>
           </p:cNvPr>
@@ -21724,7 +21487,7 @@
           <p:cNvPr id="38" name="TextBox 37">
             <a:extLst>
               <a:ext uri="{FF2B5EF4-FFF2-40B4-BE49-F238E27FC236}">
-                <a16:creationId xmlns:a16="http://schemas.microsoft.com/office/drawing/2014/main" xmlns="" id="{0033E436-6580-1844-804F-CED039B683CC}"/>
+                <a16:creationId xmlns:a16="http://schemas.microsoft.com/office/drawing/2014/main" id="{0033E436-6580-1844-804F-CED039B683CC}"/>
               </a:ext>
             </a:extLst>
           </p:cNvPr>
@@ -21798,7 +21561,7 @@
           <p:cNvPr id="40" name="TextBox 39">
             <a:extLst>
               <a:ext uri="{FF2B5EF4-FFF2-40B4-BE49-F238E27FC236}">
-                <a16:creationId xmlns:a16="http://schemas.microsoft.com/office/drawing/2014/main" xmlns="" id="{95C912AC-B1A4-3A4C-B547-3340B52DF45F}"/>
+                <a16:creationId xmlns:a16="http://schemas.microsoft.com/office/drawing/2014/main" id="{95C912AC-B1A4-3A4C-B547-3340B52DF45F}"/>
               </a:ext>
             </a:extLst>
           </p:cNvPr>
@@ -21834,7 +21597,7 @@
           <p:cNvPr id="41" name="TextBox 40">
             <a:extLst>
               <a:ext uri="{FF2B5EF4-FFF2-40B4-BE49-F238E27FC236}">
-                <a16:creationId xmlns:a16="http://schemas.microsoft.com/office/drawing/2014/main" xmlns="" id="{EE3D86A4-9057-6A46-9B4A-B833A0C643EC}"/>
+                <a16:creationId xmlns:a16="http://schemas.microsoft.com/office/drawing/2014/main" id="{EE3D86A4-9057-6A46-9B4A-B833A0C643EC}"/>
               </a:ext>
             </a:extLst>
           </p:cNvPr>
@@ -21870,7 +21633,7 @@
           <p:cNvPr id="42" name="Straight Connector 41">
             <a:extLst>
               <a:ext uri="{FF2B5EF4-FFF2-40B4-BE49-F238E27FC236}">
-                <a16:creationId xmlns:a16="http://schemas.microsoft.com/office/drawing/2014/main" xmlns="" id="{C3188BB0-DD34-2045-896F-BC1E78A4288C}"/>
+                <a16:creationId xmlns:a16="http://schemas.microsoft.com/office/drawing/2014/main" id="{C3188BB0-DD34-2045-896F-BC1E78A4288C}"/>
               </a:ext>
             </a:extLst>
           </p:cNvPr>
@@ -21914,7 +21677,7 @@
           <p:cNvPr id="43" name="Straight Connector 42">
             <a:extLst>
               <a:ext uri="{FF2B5EF4-FFF2-40B4-BE49-F238E27FC236}">
-                <a16:creationId xmlns:a16="http://schemas.microsoft.com/office/drawing/2014/main" xmlns="" id="{BF8341DF-6A8E-E844-B89C-2E1E9A9E33B7}"/>
+                <a16:creationId xmlns:a16="http://schemas.microsoft.com/office/drawing/2014/main" id="{BF8341DF-6A8E-E844-B89C-2E1E9A9E33B7}"/>
               </a:ext>
             </a:extLst>
           </p:cNvPr>
@@ -21960,7 +21723,7 @@
           <p:cNvPr id="44" name="TextBox 43">
             <a:extLst>
               <a:ext uri="{FF2B5EF4-FFF2-40B4-BE49-F238E27FC236}">
-                <a16:creationId xmlns:a16="http://schemas.microsoft.com/office/drawing/2014/main" xmlns="" id="{AE349F04-4F9F-9443-91F7-AF0E10881681}"/>
+                <a16:creationId xmlns:a16="http://schemas.microsoft.com/office/drawing/2014/main" id="{AE349F04-4F9F-9443-91F7-AF0E10881681}"/>
               </a:ext>
             </a:extLst>
           </p:cNvPr>
@@ -22000,7 +21763,7 @@
           <p:cNvPr id="45" name="TextBox 44">
             <a:extLst>
               <a:ext uri="{FF2B5EF4-FFF2-40B4-BE49-F238E27FC236}">
-                <a16:creationId xmlns:a16="http://schemas.microsoft.com/office/drawing/2014/main" xmlns="" id="{3A95FAE1-18C2-9D4F-9574-8256BF20152A}"/>
+                <a16:creationId xmlns:a16="http://schemas.microsoft.com/office/drawing/2014/main" id="{3A95FAE1-18C2-9D4F-9574-8256BF20152A}"/>
               </a:ext>
             </a:extLst>
           </p:cNvPr>
@@ -22051,7 +21814,7 @@
           <p:cNvPr id="46" name="TextBox 45">
             <a:extLst>
               <a:ext uri="{FF2B5EF4-FFF2-40B4-BE49-F238E27FC236}">
-                <a16:creationId xmlns:a16="http://schemas.microsoft.com/office/drawing/2014/main" xmlns="" id="{75E032FE-69F5-9047-AB65-6C25743F5E4E}"/>
+                <a16:creationId xmlns:a16="http://schemas.microsoft.com/office/drawing/2014/main" id="{75E032FE-69F5-9047-AB65-6C25743F5E4E}"/>
               </a:ext>
             </a:extLst>
           </p:cNvPr>
@@ -22242,7 +22005,7 @@
           </a:prstGeom>
           <a:extLst>
             <a:ext uri="{C572A759-6A51-4108-AA02-DFA0A04FC94B}">
-              <ma14:wrappingTextBoxFlag xmlns="" xmlns:ma14="http://schemas.microsoft.com/office/mac/drawingml/2011/main" val="1"/>
+              <ma14:wrappingTextBoxFlag xmlns:ma14="http://schemas.microsoft.com/office/mac/drawingml/2011/main" xmlns="" val="1"/>
             </a:ext>
           </a:extLst>
         </p:spPr>
@@ -22262,7 +22025,7 @@
           <p:cNvPr id="8" name="Text Placeholder 7">
             <a:extLst>
               <a:ext uri="{FF2B5EF4-FFF2-40B4-BE49-F238E27FC236}">
-                <a16:creationId xmlns:a16="http://schemas.microsoft.com/office/drawing/2014/main" xmlns="" id="{38436E23-043D-3D49-9FA8-D80811E522B6}"/>
+                <a16:creationId xmlns:a16="http://schemas.microsoft.com/office/drawing/2014/main" id="{38436E23-043D-3D49-9FA8-D80811E522B6}"/>
               </a:ext>
             </a:extLst>
           </p:cNvPr>
@@ -22323,7 +22086,7 @@
           <p:cNvPr id="9" name="Picture 8">
             <a:extLst>
               <a:ext uri="{FF2B5EF4-FFF2-40B4-BE49-F238E27FC236}">
-                <a16:creationId xmlns:a16="http://schemas.microsoft.com/office/drawing/2014/main" xmlns="" id="{D163140C-1F8A-5D4F-877D-07594E04BBB1}"/>
+                <a16:creationId xmlns:a16="http://schemas.microsoft.com/office/drawing/2014/main" id="{D163140C-1F8A-5D4F-877D-07594E04BBB1}"/>
               </a:ext>
             </a:extLst>
           </p:cNvPr>
@@ -22359,7 +22122,7 @@
           <p:cNvPr id="10" name="TextBox 9">
             <a:extLst>
               <a:ext uri="{FF2B5EF4-FFF2-40B4-BE49-F238E27FC236}">
-                <a16:creationId xmlns:a16="http://schemas.microsoft.com/office/drawing/2014/main" xmlns="" id="{DF126B8C-F447-9C4B-BD5E-550B915872E0}"/>
+                <a16:creationId xmlns:a16="http://schemas.microsoft.com/office/drawing/2014/main" id="{DF126B8C-F447-9C4B-BD5E-550B915872E0}"/>
               </a:ext>
             </a:extLst>
           </p:cNvPr>
@@ -22402,7 +22165,7 @@
           <p:cNvPr id="11" name="Picture 10">
             <a:extLst>
               <a:ext uri="{FF2B5EF4-FFF2-40B4-BE49-F238E27FC236}">
-                <a16:creationId xmlns:a16="http://schemas.microsoft.com/office/drawing/2014/main" xmlns="" id="{9D34B039-132C-6D46-9A44-C0F1AAA13C50}"/>
+                <a16:creationId xmlns:a16="http://schemas.microsoft.com/office/drawing/2014/main" id="{9D34B039-132C-6D46-9A44-C0F1AAA13C50}"/>
               </a:ext>
             </a:extLst>
           </p:cNvPr>
@@ -22438,7 +22201,7 @@
           <p:cNvPr id="12" name="TextBox 11">
             <a:extLst>
               <a:ext uri="{FF2B5EF4-FFF2-40B4-BE49-F238E27FC236}">
-                <a16:creationId xmlns:a16="http://schemas.microsoft.com/office/drawing/2014/main" xmlns="" id="{0D9474C7-54C0-B54A-9540-B83A4CE3B71B}"/>
+                <a16:creationId xmlns:a16="http://schemas.microsoft.com/office/drawing/2014/main" id="{0D9474C7-54C0-B54A-9540-B83A4CE3B71B}"/>
               </a:ext>
             </a:extLst>
           </p:cNvPr>
@@ -22477,7 +22240,7 @@
           <p:cNvPr id="13" name="Picture 12">
             <a:extLst>
               <a:ext uri="{FF2B5EF4-FFF2-40B4-BE49-F238E27FC236}">
-                <a16:creationId xmlns:a16="http://schemas.microsoft.com/office/drawing/2014/main" xmlns="" id="{BE952E1E-4CA4-F640-9BBD-53DB76DFFC4F}"/>
+                <a16:creationId xmlns:a16="http://schemas.microsoft.com/office/drawing/2014/main" id="{BE952E1E-4CA4-F640-9BBD-53DB76DFFC4F}"/>
               </a:ext>
             </a:extLst>
           </p:cNvPr>
@@ -22513,7 +22276,7 @@
           <p:cNvPr id="14" name="TextBox 13">
             <a:extLst>
               <a:ext uri="{FF2B5EF4-FFF2-40B4-BE49-F238E27FC236}">
-                <a16:creationId xmlns:a16="http://schemas.microsoft.com/office/drawing/2014/main" xmlns="" id="{35EFDB07-230F-8C4C-BFD3-80F13A045ACE}"/>
+                <a16:creationId xmlns:a16="http://schemas.microsoft.com/office/drawing/2014/main" id="{35EFDB07-230F-8C4C-BFD3-80F13A045ACE}"/>
               </a:ext>
             </a:extLst>
           </p:cNvPr>
@@ -22552,7 +22315,7 @@
           <p:cNvPr id="15" name="Picture 14">
             <a:extLst>
               <a:ext uri="{FF2B5EF4-FFF2-40B4-BE49-F238E27FC236}">
-                <a16:creationId xmlns:a16="http://schemas.microsoft.com/office/drawing/2014/main" xmlns="" id="{BC6C36CE-9902-C549-93DC-B288214D2815}"/>
+                <a16:creationId xmlns:a16="http://schemas.microsoft.com/office/drawing/2014/main" id="{BC6C36CE-9902-C549-93DC-B288214D2815}"/>
               </a:ext>
             </a:extLst>
           </p:cNvPr>
@@ -22588,7 +22351,7 @@
           <p:cNvPr id="16" name="TextBox 15">
             <a:extLst>
               <a:ext uri="{FF2B5EF4-FFF2-40B4-BE49-F238E27FC236}">
-                <a16:creationId xmlns:a16="http://schemas.microsoft.com/office/drawing/2014/main" xmlns="" id="{C5AF383C-2D54-E447-8717-54E7289500E5}"/>
+                <a16:creationId xmlns:a16="http://schemas.microsoft.com/office/drawing/2014/main" id="{C5AF383C-2D54-E447-8717-54E7289500E5}"/>
               </a:ext>
             </a:extLst>
           </p:cNvPr>
@@ -22629,7 +22392,7 @@
           <p:cNvPr id="17" name="Picture 16">
             <a:extLst>
               <a:ext uri="{FF2B5EF4-FFF2-40B4-BE49-F238E27FC236}">
-                <a16:creationId xmlns:a16="http://schemas.microsoft.com/office/drawing/2014/main" xmlns="" id="{3C048B77-D91C-3F4B-B35A-6B6B277CB363}"/>
+                <a16:creationId xmlns:a16="http://schemas.microsoft.com/office/drawing/2014/main" id="{3C048B77-D91C-3F4B-B35A-6B6B277CB363}"/>
               </a:ext>
             </a:extLst>
           </p:cNvPr>
@@ -22665,7 +22428,7 @@
           <p:cNvPr id="18" name="TextBox 17">
             <a:extLst>
               <a:ext uri="{FF2B5EF4-FFF2-40B4-BE49-F238E27FC236}">
-                <a16:creationId xmlns:a16="http://schemas.microsoft.com/office/drawing/2014/main" xmlns="" id="{8FC702AC-8CF1-6743-AB0F-EE9AC1D10C75}"/>
+                <a16:creationId xmlns:a16="http://schemas.microsoft.com/office/drawing/2014/main" id="{8FC702AC-8CF1-6743-AB0F-EE9AC1D10C75}"/>
               </a:ext>
             </a:extLst>
           </p:cNvPr>
@@ -22701,7 +22464,7 @@
           <p:cNvPr id="19" name="Picture 18">
             <a:extLst>
               <a:ext uri="{FF2B5EF4-FFF2-40B4-BE49-F238E27FC236}">
-                <a16:creationId xmlns:a16="http://schemas.microsoft.com/office/drawing/2014/main" xmlns="" id="{09DEE258-A5D4-9942-8C7E-D15BE97C8F7D}"/>
+                <a16:creationId xmlns:a16="http://schemas.microsoft.com/office/drawing/2014/main" id="{09DEE258-A5D4-9942-8C7E-D15BE97C8F7D}"/>
               </a:ext>
             </a:extLst>
           </p:cNvPr>
@@ -22738,7 +22501,7 @@
           <p:cNvPr id="20" name="Picture 19">
             <a:extLst>
               <a:ext uri="{FF2B5EF4-FFF2-40B4-BE49-F238E27FC236}">
-                <a16:creationId xmlns:a16="http://schemas.microsoft.com/office/drawing/2014/main" xmlns="" id="{5222B396-301E-104B-AB78-B44FD22A855D}"/>
+                <a16:creationId xmlns:a16="http://schemas.microsoft.com/office/drawing/2014/main" id="{5222B396-301E-104B-AB78-B44FD22A855D}"/>
               </a:ext>
             </a:extLst>
           </p:cNvPr>
@@ -22775,7 +22538,7 @@
           <p:cNvPr id="21" name="TextBox 20">
             <a:extLst>
               <a:ext uri="{FF2B5EF4-FFF2-40B4-BE49-F238E27FC236}">
-                <a16:creationId xmlns:a16="http://schemas.microsoft.com/office/drawing/2014/main" xmlns="" id="{064D403A-1D33-9C45-A266-D4C966596758}"/>
+                <a16:creationId xmlns:a16="http://schemas.microsoft.com/office/drawing/2014/main" id="{064D403A-1D33-9C45-A266-D4C966596758}"/>
               </a:ext>
             </a:extLst>
           </p:cNvPr>
@@ -22815,7 +22578,7 @@
           <p:cNvPr id="22" name="Picture 21">
             <a:extLst>
               <a:ext uri="{FF2B5EF4-FFF2-40B4-BE49-F238E27FC236}">
-                <a16:creationId xmlns:a16="http://schemas.microsoft.com/office/drawing/2014/main" xmlns="" id="{D84AF1D1-0D6F-1A43-BF78-059926A33B96}"/>
+                <a16:creationId xmlns:a16="http://schemas.microsoft.com/office/drawing/2014/main" id="{D84AF1D1-0D6F-1A43-BF78-059926A33B96}"/>
               </a:ext>
             </a:extLst>
           </p:cNvPr>
@@ -22851,7 +22614,7 @@
           <p:cNvPr id="23" name="Picture 22">
             <a:extLst>
               <a:ext uri="{FF2B5EF4-FFF2-40B4-BE49-F238E27FC236}">
-                <a16:creationId xmlns:a16="http://schemas.microsoft.com/office/drawing/2014/main" xmlns="" id="{B10076F5-9D87-304D-9351-96C2B6B58D17}"/>
+                <a16:creationId xmlns:a16="http://schemas.microsoft.com/office/drawing/2014/main" id="{B10076F5-9D87-304D-9351-96C2B6B58D17}"/>
               </a:ext>
             </a:extLst>
           </p:cNvPr>
@@ -22887,7 +22650,7 @@
           <p:cNvPr id="24" name="TextBox 23">
             <a:extLst>
               <a:ext uri="{FF2B5EF4-FFF2-40B4-BE49-F238E27FC236}">
-                <a16:creationId xmlns:a16="http://schemas.microsoft.com/office/drawing/2014/main" xmlns="" id="{97DB7356-2951-C447-AE96-3EA43A9BB204}"/>
+                <a16:creationId xmlns:a16="http://schemas.microsoft.com/office/drawing/2014/main" id="{97DB7356-2951-C447-AE96-3EA43A9BB204}"/>
               </a:ext>
             </a:extLst>
           </p:cNvPr>
@@ -22931,7 +22694,7 @@
           <p:cNvPr id="25" name="TextBox 24">
             <a:extLst>
               <a:ext uri="{FF2B5EF4-FFF2-40B4-BE49-F238E27FC236}">
-                <a16:creationId xmlns:a16="http://schemas.microsoft.com/office/drawing/2014/main" xmlns="" id="{446D6E44-8DD0-BA47-BA46-5A10BE1B5DE6}"/>
+                <a16:creationId xmlns:a16="http://schemas.microsoft.com/office/drawing/2014/main" id="{446D6E44-8DD0-BA47-BA46-5A10BE1B5DE6}"/>
               </a:ext>
             </a:extLst>
           </p:cNvPr>
@@ -22971,7 +22734,7 @@
           <p:cNvPr id="26" name="Picture 25">
             <a:extLst>
               <a:ext uri="{FF2B5EF4-FFF2-40B4-BE49-F238E27FC236}">
-                <a16:creationId xmlns:a16="http://schemas.microsoft.com/office/drawing/2014/main" xmlns="" id="{7589BDC0-E249-3B4C-A1DF-76B502E9E460}"/>
+                <a16:creationId xmlns:a16="http://schemas.microsoft.com/office/drawing/2014/main" id="{7589BDC0-E249-3B4C-A1DF-76B502E9E460}"/>
               </a:ext>
             </a:extLst>
           </p:cNvPr>
@@ -23007,7 +22770,7 @@
           <p:cNvPr id="27" name="TextBox 26">
             <a:extLst>
               <a:ext uri="{FF2B5EF4-FFF2-40B4-BE49-F238E27FC236}">
-                <a16:creationId xmlns:a16="http://schemas.microsoft.com/office/drawing/2014/main" xmlns="" id="{6F7FA544-1407-6F4D-AEAB-D46042A64129}"/>
+                <a16:creationId xmlns:a16="http://schemas.microsoft.com/office/drawing/2014/main" id="{6F7FA544-1407-6F4D-AEAB-D46042A64129}"/>
               </a:ext>
             </a:extLst>
           </p:cNvPr>
@@ -23043,7 +22806,7 @@
           <p:cNvPr id="28" name="Picture 27">
             <a:extLst>
               <a:ext uri="{FF2B5EF4-FFF2-40B4-BE49-F238E27FC236}">
-                <a16:creationId xmlns:a16="http://schemas.microsoft.com/office/drawing/2014/main" xmlns="" id="{44FD315F-834B-7D47-8F0B-43D0409F5229}"/>
+                <a16:creationId xmlns:a16="http://schemas.microsoft.com/office/drawing/2014/main" id="{44FD315F-834B-7D47-8F0B-43D0409F5229}"/>
               </a:ext>
             </a:extLst>
           </p:cNvPr>
@@ -23079,7 +22842,7 @@
           <p:cNvPr id="29" name="Picture 28">
             <a:extLst>
               <a:ext uri="{FF2B5EF4-FFF2-40B4-BE49-F238E27FC236}">
-                <a16:creationId xmlns:a16="http://schemas.microsoft.com/office/drawing/2014/main" xmlns="" id="{DA9D015C-15E4-D041-8068-E7C4D970DB7B}"/>
+                <a16:creationId xmlns:a16="http://schemas.microsoft.com/office/drawing/2014/main" id="{DA9D015C-15E4-D041-8068-E7C4D970DB7B}"/>
               </a:ext>
             </a:extLst>
           </p:cNvPr>
@@ -23115,7 +22878,7 @@
           <p:cNvPr id="30" name="TextBox 29">
             <a:extLst>
               <a:ext uri="{FF2B5EF4-FFF2-40B4-BE49-F238E27FC236}">
-                <a16:creationId xmlns:a16="http://schemas.microsoft.com/office/drawing/2014/main" xmlns="" id="{01411E7D-E318-7F49-A874-BE43792A7BF9}"/>
+                <a16:creationId xmlns:a16="http://schemas.microsoft.com/office/drawing/2014/main" id="{01411E7D-E318-7F49-A874-BE43792A7BF9}"/>
               </a:ext>
             </a:extLst>
           </p:cNvPr>
@@ -23159,7 +22922,7 @@
           <p:cNvPr id="31" name="Straight Connector 30">
             <a:extLst>
               <a:ext uri="{FF2B5EF4-FFF2-40B4-BE49-F238E27FC236}">
-                <a16:creationId xmlns:a16="http://schemas.microsoft.com/office/drawing/2014/main" xmlns="" id="{351E654F-0849-D640-A5D1-39BA8E1B6634}"/>
+                <a16:creationId xmlns:a16="http://schemas.microsoft.com/office/drawing/2014/main" id="{351E654F-0849-D640-A5D1-39BA8E1B6634}"/>
               </a:ext>
             </a:extLst>
           </p:cNvPr>
@@ -23203,7 +22966,7 @@
           <p:cNvPr id="32" name="Straight Connector 31">
             <a:extLst>
               <a:ext uri="{FF2B5EF4-FFF2-40B4-BE49-F238E27FC236}">
-                <a16:creationId xmlns:a16="http://schemas.microsoft.com/office/drawing/2014/main" xmlns="" id="{37FAB9D5-22BC-1740-9AED-C6175B9058C9}"/>
+                <a16:creationId xmlns:a16="http://schemas.microsoft.com/office/drawing/2014/main" id="{37FAB9D5-22BC-1740-9AED-C6175B9058C9}"/>
               </a:ext>
             </a:extLst>
           </p:cNvPr>
@@ -23249,7 +23012,7 @@
           <p:cNvPr id="33" name="Straight Connector 32">
             <a:extLst>
               <a:ext uri="{FF2B5EF4-FFF2-40B4-BE49-F238E27FC236}">
-                <a16:creationId xmlns:a16="http://schemas.microsoft.com/office/drawing/2014/main" xmlns="" id="{5F00015F-DD6E-AC45-91BA-2A68B3C41A01}"/>
+                <a16:creationId xmlns:a16="http://schemas.microsoft.com/office/drawing/2014/main" id="{5F00015F-DD6E-AC45-91BA-2A68B3C41A01}"/>
               </a:ext>
             </a:extLst>
           </p:cNvPr>
@@ -23293,7 +23056,7 @@
           <p:cNvPr id="34" name="Straight Connector 33">
             <a:extLst>
               <a:ext uri="{FF2B5EF4-FFF2-40B4-BE49-F238E27FC236}">
-                <a16:creationId xmlns:a16="http://schemas.microsoft.com/office/drawing/2014/main" xmlns="" id="{03DFBED5-256D-CA44-804D-FCABBF307FE7}"/>
+                <a16:creationId xmlns:a16="http://schemas.microsoft.com/office/drawing/2014/main" id="{03DFBED5-256D-CA44-804D-FCABBF307FE7}"/>
               </a:ext>
             </a:extLst>
           </p:cNvPr>
@@ -23339,7 +23102,7 @@
           <p:cNvPr id="35" name="Straight Connector 34">
             <a:extLst>
               <a:ext uri="{FF2B5EF4-FFF2-40B4-BE49-F238E27FC236}">
-                <a16:creationId xmlns:a16="http://schemas.microsoft.com/office/drawing/2014/main" xmlns="" id="{93C87B89-AD20-374A-93B6-96F8D8DCA2B2}"/>
+                <a16:creationId xmlns:a16="http://schemas.microsoft.com/office/drawing/2014/main" id="{93C87B89-AD20-374A-93B6-96F8D8DCA2B2}"/>
               </a:ext>
             </a:extLst>
           </p:cNvPr>
@@ -23383,7 +23146,7 @@
           <p:cNvPr id="36" name="Straight Connector 35">
             <a:extLst>
               <a:ext uri="{FF2B5EF4-FFF2-40B4-BE49-F238E27FC236}">
-                <a16:creationId xmlns:a16="http://schemas.microsoft.com/office/drawing/2014/main" xmlns="" id="{B47082CE-E768-CF41-A760-407DC2313F04}"/>
+                <a16:creationId xmlns:a16="http://schemas.microsoft.com/office/drawing/2014/main" id="{B47082CE-E768-CF41-A760-407DC2313F04}"/>
               </a:ext>
             </a:extLst>
           </p:cNvPr>
@@ -23427,7 +23190,7 @@
           <p:cNvPr id="37" name="Straight Connector 36">
             <a:extLst>
               <a:ext uri="{FF2B5EF4-FFF2-40B4-BE49-F238E27FC236}">
-                <a16:creationId xmlns:a16="http://schemas.microsoft.com/office/drawing/2014/main" xmlns="" id="{BC305496-9963-334E-B518-A519E974C735}"/>
+                <a16:creationId xmlns:a16="http://schemas.microsoft.com/office/drawing/2014/main" id="{BC305496-9963-334E-B518-A519E974C735}"/>
               </a:ext>
             </a:extLst>
           </p:cNvPr>
@@ -23471,7 +23234,7 @@
           <p:cNvPr id="38" name="TextBox 37">
             <a:extLst>
               <a:ext uri="{FF2B5EF4-FFF2-40B4-BE49-F238E27FC236}">
-                <a16:creationId xmlns:a16="http://schemas.microsoft.com/office/drawing/2014/main" xmlns="" id="{0033E436-6580-1844-804F-CED039B683CC}"/>
+                <a16:creationId xmlns:a16="http://schemas.microsoft.com/office/drawing/2014/main" id="{0033E436-6580-1844-804F-CED039B683CC}"/>
               </a:ext>
             </a:extLst>
           </p:cNvPr>
@@ -23545,7 +23308,7 @@
           <p:cNvPr id="40" name="TextBox 39">
             <a:extLst>
               <a:ext uri="{FF2B5EF4-FFF2-40B4-BE49-F238E27FC236}">
-                <a16:creationId xmlns:a16="http://schemas.microsoft.com/office/drawing/2014/main" xmlns="" id="{95C912AC-B1A4-3A4C-B547-3340B52DF45F}"/>
+                <a16:creationId xmlns:a16="http://schemas.microsoft.com/office/drawing/2014/main" id="{95C912AC-B1A4-3A4C-B547-3340B52DF45F}"/>
               </a:ext>
             </a:extLst>
           </p:cNvPr>
@@ -23581,7 +23344,7 @@
           <p:cNvPr id="41" name="TextBox 40">
             <a:extLst>
               <a:ext uri="{FF2B5EF4-FFF2-40B4-BE49-F238E27FC236}">
-                <a16:creationId xmlns:a16="http://schemas.microsoft.com/office/drawing/2014/main" xmlns="" id="{EE3D86A4-9057-6A46-9B4A-B833A0C643EC}"/>
+                <a16:creationId xmlns:a16="http://schemas.microsoft.com/office/drawing/2014/main" id="{EE3D86A4-9057-6A46-9B4A-B833A0C643EC}"/>
               </a:ext>
             </a:extLst>
           </p:cNvPr>
@@ -23617,7 +23380,7 @@
           <p:cNvPr id="42" name="Straight Connector 41">
             <a:extLst>
               <a:ext uri="{FF2B5EF4-FFF2-40B4-BE49-F238E27FC236}">
-                <a16:creationId xmlns:a16="http://schemas.microsoft.com/office/drawing/2014/main" xmlns="" id="{C3188BB0-DD34-2045-896F-BC1E78A4288C}"/>
+                <a16:creationId xmlns:a16="http://schemas.microsoft.com/office/drawing/2014/main" id="{C3188BB0-DD34-2045-896F-BC1E78A4288C}"/>
               </a:ext>
             </a:extLst>
           </p:cNvPr>
@@ -23661,7 +23424,7 @@
           <p:cNvPr id="43" name="Straight Connector 42">
             <a:extLst>
               <a:ext uri="{FF2B5EF4-FFF2-40B4-BE49-F238E27FC236}">
-                <a16:creationId xmlns:a16="http://schemas.microsoft.com/office/drawing/2014/main" xmlns="" id="{BF8341DF-6A8E-E844-B89C-2E1E9A9E33B7}"/>
+                <a16:creationId xmlns:a16="http://schemas.microsoft.com/office/drawing/2014/main" id="{BF8341DF-6A8E-E844-B89C-2E1E9A9E33B7}"/>
               </a:ext>
             </a:extLst>
           </p:cNvPr>
@@ -23707,7 +23470,7 @@
           <p:cNvPr id="44" name="TextBox 43">
             <a:extLst>
               <a:ext uri="{FF2B5EF4-FFF2-40B4-BE49-F238E27FC236}">
-                <a16:creationId xmlns:a16="http://schemas.microsoft.com/office/drawing/2014/main" xmlns="" id="{AE349F04-4F9F-9443-91F7-AF0E10881681}"/>
+                <a16:creationId xmlns:a16="http://schemas.microsoft.com/office/drawing/2014/main" id="{AE349F04-4F9F-9443-91F7-AF0E10881681}"/>
               </a:ext>
             </a:extLst>
           </p:cNvPr>
@@ -23747,7 +23510,7 @@
           <p:cNvPr id="45" name="TextBox 44">
             <a:extLst>
               <a:ext uri="{FF2B5EF4-FFF2-40B4-BE49-F238E27FC236}">
-                <a16:creationId xmlns:a16="http://schemas.microsoft.com/office/drawing/2014/main" xmlns="" id="{3A95FAE1-18C2-9D4F-9574-8256BF20152A}"/>
+                <a16:creationId xmlns:a16="http://schemas.microsoft.com/office/drawing/2014/main" id="{3A95FAE1-18C2-9D4F-9574-8256BF20152A}"/>
               </a:ext>
             </a:extLst>
           </p:cNvPr>
@@ -23798,7 +23561,7 @@
           <p:cNvPr id="46" name="TextBox 45">
             <a:extLst>
               <a:ext uri="{FF2B5EF4-FFF2-40B4-BE49-F238E27FC236}">
-                <a16:creationId xmlns:a16="http://schemas.microsoft.com/office/drawing/2014/main" xmlns="" id="{75E032FE-69F5-9047-AB65-6C25743F5E4E}"/>
+                <a16:creationId xmlns:a16="http://schemas.microsoft.com/office/drawing/2014/main" id="{75E032FE-69F5-9047-AB65-6C25743F5E4E}"/>
               </a:ext>
             </a:extLst>
           </p:cNvPr>
@@ -23844,13 +23607,6 @@
     <a:masterClrMapping/>
   </p:clrMapOvr>
   <p:transition spd="med"/>
-  <p:timing>
-    <p:tnLst>
-      <p:par>
-        <p:cTn id="1" dur="indefinite" restart="never" nodeType="tmRoot"/>
-      </p:par>
-    </p:tnLst>
-  </p:timing>
 </p:sld>
 </file>
 
@@ -23891,7 +23647,7 @@
           </a:prstGeom>
           <a:extLst>
             <a:ext uri="{C572A759-6A51-4108-AA02-DFA0A04FC94B}">
-              <ma14:wrappingTextBoxFlag xmlns="" xmlns:ma14="http://schemas.microsoft.com/office/mac/drawingml/2011/main" val="1"/>
+              <ma14:wrappingTextBoxFlag xmlns:ma14="http://schemas.microsoft.com/office/mac/drawingml/2011/main" xmlns="" val="1"/>
             </a:ext>
           </a:extLst>
         </p:spPr>
@@ -23911,7 +23667,7 @@
           <p:cNvPr id="8" name="Text Placeholder 7">
             <a:extLst>
               <a:ext uri="{FF2B5EF4-FFF2-40B4-BE49-F238E27FC236}">
-                <a16:creationId xmlns:a16="http://schemas.microsoft.com/office/drawing/2014/main" xmlns="" id="{38436E23-043D-3D49-9FA8-D80811E522B6}"/>
+                <a16:creationId xmlns:a16="http://schemas.microsoft.com/office/drawing/2014/main" id="{38436E23-043D-3D49-9FA8-D80811E522B6}"/>
               </a:ext>
             </a:extLst>
           </p:cNvPr>
@@ -23972,7 +23728,7 @@
           <p:cNvPr id="11" name="Picture 10">
             <a:extLst>
               <a:ext uri="{FF2B5EF4-FFF2-40B4-BE49-F238E27FC236}">
-                <a16:creationId xmlns:a16="http://schemas.microsoft.com/office/drawing/2014/main" xmlns="" id="{9D34B039-132C-6D46-9A44-C0F1AAA13C50}"/>
+                <a16:creationId xmlns:a16="http://schemas.microsoft.com/office/drawing/2014/main" id="{9D34B039-132C-6D46-9A44-C0F1AAA13C50}"/>
               </a:ext>
             </a:extLst>
           </p:cNvPr>
@@ -24008,7 +23764,7 @@
           <p:cNvPr id="12" name="TextBox 11">
             <a:extLst>
               <a:ext uri="{FF2B5EF4-FFF2-40B4-BE49-F238E27FC236}">
-                <a16:creationId xmlns:a16="http://schemas.microsoft.com/office/drawing/2014/main" xmlns="" id="{0D9474C7-54C0-B54A-9540-B83A4CE3B71B}"/>
+                <a16:creationId xmlns:a16="http://schemas.microsoft.com/office/drawing/2014/main" id="{0D9474C7-54C0-B54A-9540-B83A4CE3B71B}"/>
               </a:ext>
             </a:extLst>
           </p:cNvPr>
@@ -24047,7 +23803,7 @@
           <p:cNvPr id="13" name="Picture 12">
             <a:extLst>
               <a:ext uri="{FF2B5EF4-FFF2-40B4-BE49-F238E27FC236}">
-                <a16:creationId xmlns:a16="http://schemas.microsoft.com/office/drawing/2014/main" xmlns="" id="{BE952E1E-4CA4-F640-9BBD-53DB76DFFC4F}"/>
+                <a16:creationId xmlns:a16="http://schemas.microsoft.com/office/drawing/2014/main" id="{BE952E1E-4CA4-F640-9BBD-53DB76DFFC4F}"/>
               </a:ext>
             </a:extLst>
           </p:cNvPr>
@@ -24083,7 +23839,7 @@
           <p:cNvPr id="14" name="TextBox 13">
             <a:extLst>
               <a:ext uri="{FF2B5EF4-FFF2-40B4-BE49-F238E27FC236}">
-                <a16:creationId xmlns:a16="http://schemas.microsoft.com/office/drawing/2014/main" xmlns="" id="{35EFDB07-230F-8C4C-BFD3-80F13A045ACE}"/>
+                <a16:creationId xmlns:a16="http://schemas.microsoft.com/office/drawing/2014/main" id="{35EFDB07-230F-8C4C-BFD3-80F13A045ACE}"/>
               </a:ext>
             </a:extLst>
           </p:cNvPr>
@@ -24122,7 +23878,7 @@
           <p:cNvPr id="17" name="Picture 16">
             <a:extLst>
               <a:ext uri="{FF2B5EF4-FFF2-40B4-BE49-F238E27FC236}">
-                <a16:creationId xmlns:a16="http://schemas.microsoft.com/office/drawing/2014/main" xmlns="" id="{3C048B77-D91C-3F4B-B35A-6B6B277CB363}"/>
+                <a16:creationId xmlns:a16="http://schemas.microsoft.com/office/drawing/2014/main" id="{3C048B77-D91C-3F4B-B35A-6B6B277CB363}"/>
               </a:ext>
             </a:extLst>
           </p:cNvPr>
@@ -24158,7 +23914,7 @@
           <p:cNvPr id="18" name="TextBox 17">
             <a:extLst>
               <a:ext uri="{FF2B5EF4-FFF2-40B4-BE49-F238E27FC236}">
-                <a16:creationId xmlns:a16="http://schemas.microsoft.com/office/drawing/2014/main" xmlns="" id="{8FC702AC-8CF1-6743-AB0F-EE9AC1D10C75}"/>
+                <a16:creationId xmlns:a16="http://schemas.microsoft.com/office/drawing/2014/main" id="{8FC702AC-8CF1-6743-AB0F-EE9AC1D10C75}"/>
               </a:ext>
             </a:extLst>
           </p:cNvPr>
@@ -24194,7 +23950,7 @@
           <p:cNvPr id="19" name="Picture 18">
             <a:extLst>
               <a:ext uri="{FF2B5EF4-FFF2-40B4-BE49-F238E27FC236}">
-                <a16:creationId xmlns:a16="http://schemas.microsoft.com/office/drawing/2014/main" xmlns="" id="{09DEE258-A5D4-9942-8C7E-D15BE97C8F7D}"/>
+                <a16:creationId xmlns:a16="http://schemas.microsoft.com/office/drawing/2014/main" id="{09DEE258-A5D4-9942-8C7E-D15BE97C8F7D}"/>
               </a:ext>
             </a:extLst>
           </p:cNvPr>
@@ -24231,7 +23987,7 @@
           <p:cNvPr id="20" name="Picture 19">
             <a:extLst>
               <a:ext uri="{FF2B5EF4-FFF2-40B4-BE49-F238E27FC236}">
-                <a16:creationId xmlns:a16="http://schemas.microsoft.com/office/drawing/2014/main" xmlns="" id="{5222B396-301E-104B-AB78-B44FD22A855D}"/>
+                <a16:creationId xmlns:a16="http://schemas.microsoft.com/office/drawing/2014/main" id="{5222B396-301E-104B-AB78-B44FD22A855D}"/>
               </a:ext>
             </a:extLst>
           </p:cNvPr>
@@ -24268,7 +24024,7 @@
           <p:cNvPr id="21" name="TextBox 20">
             <a:extLst>
               <a:ext uri="{FF2B5EF4-FFF2-40B4-BE49-F238E27FC236}">
-                <a16:creationId xmlns:a16="http://schemas.microsoft.com/office/drawing/2014/main" xmlns="" id="{064D403A-1D33-9C45-A266-D4C966596758}"/>
+                <a16:creationId xmlns:a16="http://schemas.microsoft.com/office/drawing/2014/main" id="{064D403A-1D33-9C45-A266-D4C966596758}"/>
               </a:ext>
             </a:extLst>
           </p:cNvPr>
@@ -24308,7 +24064,7 @@
           <p:cNvPr id="22" name="Picture 21">
             <a:extLst>
               <a:ext uri="{FF2B5EF4-FFF2-40B4-BE49-F238E27FC236}">
-                <a16:creationId xmlns:a16="http://schemas.microsoft.com/office/drawing/2014/main" xmlns="" id="{D84AF1D1-0D6F-1A43-BF78-059926A33B96}"/>
+                <a16:creationId xmlns:a16="http://schemas.microsoft.com/office/drawing/2014/main" id="{D84AF1D1-0D6F-1A43-BF78-059926A33B96}"/>
               </a:ext>
             </a:extLst>
           </p:cNvPr>
@@ -24344,7 +24100,7 @@
           <p:cNvPr id="23" name="Picture 22">
             <a:extLst>
               <a:ext uri="{FF2B5EF4-FFF2-40B4-BE49-F238E27FC236}">
-                <a16:creationId xmlns:a16="http://schemas.microsoft.com/office/drawing/2014/main" xmlns="" id="{B10076F5-9D87-304D-9351-96C2B6B58D17}"/>
+                <a16:creationId xmlns:a16="http://schemas.microsoft.com/office/drawing/2014/main" id="{B10076F5-9D87-304D-9351-96C2B6B58D17}"/>
               </a:ext>
             </a:extLst>
           </p:cNvPr>
@@ -24380,7 +24136,7 @@
           <p:cNvPr id="24" name="TextBox 23">
             <a:extLst>
               <a:ext uri="{FF2B5EF4-FFF2-40B4-BE49-F238E27FC236}">
-                <a16:creationId xmlns:a16="http://schemas.microsoft.com/office/drawing/2014/main" xmlns="" id="{97DB7356-2951-C447-AE96-3EA43A9BB204}"/>
+                <a16:creationId xmlns:a16="http://schemas.microsoft.com/office/drawing/2014/main" id="{97DB7356-2951-C447-AE96-3EA43A9BB204}"/>
               </a:ext>
             </a:extLst>
           </p:cNvPr>
@@ -24424,7 +24180,7 @@
           <p:cNvPr id="25" name="TextBox 24">
             <a:extLst>
               <a:ext uri="{FF2B5EF4-FFF2-40B4-BE49-F238E27FC236}">
-                <a16:creationId xmlns:a16="http://schemas.microsoft.com/office/drawing/2014/main" xmlns="" id="{446D6E44-8DD0-BA47-BA46-5A10BE1B5DE6}"/>
+                <a16:creationId xmlns:a16="http://schemas.microsoft.com/office/drawing/2014/main" id="{446D6E44-8DD0-BA47-BA46-5A10BE1B5DE6}"/>
               </a:ext>
             </a:extLst>
           </p:cNvPr>
@@ -24464,7 +24220,7 @@
           <p:cNvPr id="26" name="Picture 25">
             <a:extLst>
               <a:ext uri="{FF2B5EF4-FFF2-40B4-BE49-F238E27FC236}">
-                <a16:creationId xmlns:a16="http://schemas.microsoft.com/office/drawing/2014/main" xmlns="" id="{7589BDC0-E249-3B4C-A1DF-76B502E9E460}"/>
+                <a16:creationId xmlns:a16="http://schemas.microsoft.com/office/drawing/2014/main" id="{7589BDC0-E249-3B4C-A1DF-76B502E9E460}"/>
               </a:ext>
             </a:extLst>
           </p:cNvPr>
@@ -24500,7 +24256,7 @@
           <p:cNvPr id="31" name="Straight Connector 30">
             <a:extLst>
               <a:ext uri="{FF2B5EF4-FFF2-40B4-BE49-F238E27FC236}">
-                <a16:creationId xmlns:a16="http://schemas.microsoft.com/office/drawing/2014/main" xmlns="" id="{351E654F-0849-D640-A5D1-39BA8E1B6634}"/>
+                <a16:creationId xmlns:a16="http://schemas.microsoft.com/office/drawing/2014/main" id="{351E654F-0849-D640-A5D1-39BA8E1B6634}"/>
               </a:ext>
             </a:extLst>
           </p:cNvPr>
@@ -24544,7 +24300,7 @@
           <p:cNvPr id="32" name="Straight Connector 31">
             <a:extLst>
               <a:ext uri="{FF2B5EF4-FFF2-40B4-BE49-F238E27FC236}">
-                <a16:creationId xmlns:a16="http://schemas.microsoft.com/office/drawing/2014/main" xmlns="" id="{37FAB9D5-22BC-1740-9AED-C6175B9058C9}"/>
+                <a16:creationId xmlns:a16="http://schemas.microsoft.com/office/drawing/2014/main" id="{37FAB9D5-22BC-1740-9AED-C6175B9058C9}"/>
               </a:ext>
             </a:extLst>
           </p:cNvPr>
@@ -24590,7 +24346,7 @@
           <p:cNvPr id="34" name="Straight Connector 33">
             <a:extLst>
               <a:ext uri="{FF2B5EF4-FFF2-40B4-BE49-F238E27FC236}">
-                <a16:creationId xmlns:a16="http://schemas.microsoft.com/office/drawing/2014/main" xmlns="" id="{03DFBED5-256D-CA44-804D-FCABBF307FE7}"/>
+                <a16:creationId xmlns:a16="http://schemas.microsoft.com/office/drawing/2014/main" id="{03DFBED5-256D-CA44-804D-FCABBF307FE7}"/>
               </a:ext>
             </a:extLst>
           </p:cNvPr>
@@ -24636,7 +24392,7 @@
           <p:cNvPr id="35" name="Straight Connector 34">
             <a:extLst>
               <a:ext uri="{FF2B5EF4-FFF2-40B4-BE49-F238E27FC236}">
-                <a16:creationId xmlns:a16="http://schemas.microsoft.com/office/drawing/2014/main" xmlns="" id="{93C87B89-AD20-374A-93B6-96F8D8DCA2B2}"/>
+                <a16:creationId xmlns:a16="http://schemas.microsoft.com/office/drawing/2014/main" id="{93C87B89-AD20-374A-93B6-96F8D8DCA2B2}"/>
               </a:ext>
             </a:extLst>
           </p:cNvPr>
@@ -24682,7 +24438,7 @@
           <p:cNvPr id="36" name="Straight Connector 35">
             <a:extLst>
               <a:ext uri="{FF2B5EF4-FFF2-40B4-BE49-F238E27FC236}">
-                <a16:creationId xmlns:a16="http://schemas.microsoft.com/office/drawing/2014/main" xmlns="" id="{B47082CE-E768-CF41-A760-407DC2313F04}"/>
+                <a16:creationId xmlns:a16="http://schemas.microsoft.com/office/drawing/2014/main" id="{B47082CE-E768-CF41-A760-407DC2313F04}"/>
               </a:ext>
             </a:extLst>
           </p:cNvPr>
@@ -24726,7 +24482,7 @@
           <p:cNvPr id="38" name="TextBox 37">
             <a:extLst>
               <a:ext uri="{FF2B5EF4-FFF2-40B4-BE49-F238E27FC236}">
-                <a16:creationId xmlns:a16="http://schemas.microsoft.com/office/drawing/2014/main" xmlns="" id="{0033E436-6580-1844-804F-CED039B683CC}"/>
+                <a16:creationId xmlns:a16="http://schemas.microsoft.com/office/drawing/2014/main" id="{0033E436-6580-1844-804F-CED039B683CC}"/>
               </a:ext>
             </a:extLst>
           </p:cNvPr>
@@ -24800,7 +24556,7 @@
           <p:cNvPr id="40" name="TextBox 39">
             <a:extLst>
               <a:ext uri="{FF2B5EF4-FFF2-40B4-BE49-F238E27FC236}">
-                <a16:creationId xmlns:a16="http://schemas.microsoft.com/office/drawing/2014/main" xmlns="" id="{95C912AC-B1A4-3A4C-B547-3340B52DF45F}"/>
+                <a16:creationId xmlns:a16="http://schemas.microsoft.com/office/drawing/2014/main" id="{95C912AC-B1A4-3A4C-B547-3340B52DF45F}"/>
               </a:ext>
             </a:extLst>
           </p:cNvPr>
@@ -24836,7 +24592,7 @@
           <p:cNvPr id="41" name="TextBox 40">
             <a:extLst>
               <a:ext uri="{FF2B5EF4-FFF2-40B4-BE49-F238E27FC236}">
-                <a16:creationId xmlns:a16="http://schemas.microsoft.com/office/drawing/2014/main" xmlns="" id="{EE3D86A4-9057-6A46-9B4A-B833A0C643EC}"/>
+                <a16:creationId xmlns:a16="http://schemas.microsoft.com/office/drawing/2014/main" id="{EE3D86A4-9057-6A46-9B4A-B833A0C643EC}"/>
               </a:ext>
             </a:extLst>
           </p:cNvPr>
@@ -24872,7 +24628,7 @@
           <p:cNvPr id="42" name="Straight Connector 41">
             <a:extLst>
               <a:ext uri="{FF2B5EF4-FFF2-40B4-BE49-F238E27FC236}">
-                <a16:creationId xmlns:a16="http://schemas.microsoft.com/office/drawing/2014/main" xmlns="" id="{C3188BB0-DD34-2045-896F-BC1E78A4288C}"/>
+                <a16:creationId xmlns:a16="http://schemas.microsoft.com/office/drawing/2014/main" id="{C3188BB0-DD34-2045-896F-BC1E78A4288C}"/>
               </a:ext>
             </a:extLst>
           </p:cNvPr>
@@ -24916,7 +24672,7 @@
           <p:cNvPr id="45" name="TextBox 44">
             <a:extLst>
               <a:ext uri="{FF2B5EF4-FFF2-40B4-BE49-F238E27FC236}">
-                <a16:creationId xmlns:a16="http://schemas.microsoft.com/office/drawing/2014/main" xmlns="" id="{3A95FAE1-18C2-9D4F-9574-8256BF20152A}"/>
+                <a16:creationId xmlns:a16="http://schemas.microsoft.com/office/drawing/2014/main" id="{3A95FAE1-18C2-9D4F-9574-8256BF20152A}"/>
               </a:ext>
             </a:extLst>
           </p:cNvPr>
@@ -24973,13 +24729,6 @@
     <a:masterClrMapping/>
   </p:clrMapOvr>
   <p:transition spd="med"/>
-  <p:timing>
-    <p:tnLst>
-      <p:par>
-        <p:cTn id="1" dur="indefinite" restart="never" nodeType="tmRoot"/>
-      </p:par>
-    </p:tnLst>
-  </p:timing>
 </p:sld>
 </file>
 
@@ -25020,7 +24769,7 @@
           </a:prstGeom>
           <a:extLst>
             <a:ext uri="{C572A759-6A51-4108-AA02-DFA0A04FC94B}">
-              <ma14:wrappingTextBoxFlag xmlns="" xmlns:ma14="http://schemas.microsoft.com/office/mac/drawingml/2011/main" val="1"/>
+              <ma14:wrappingTextBoxFlag xmlns:ma14="http://schemas.microsoft.com/office/mac/drawingml/2011/main" xmlns="" val="1"/>
             </a:ext>
           </a:extLst>
         </p:spPr>
@@ -25040,7 +24789,7 @@
           <p:cNvPr id="8" name="Text Placeholder 7">
             <a:extLst>
               <a:ext uri="{FF2B5EF4-FFF2-40B4-BE49-F238E27FC236}">
-                <a16:creationId xmlns:a16="http://schemas.microsoft.com/office/drawing/2014/main" xmlns="" id="{38436E23-043D-3D49-9FA8-D80811E522B6}"/>
+                <a16:creationId xmlns:a16="http://schemas.microsoft.com/office/drawing/2014/main" id="{38436E23-043D-3D49-9FA8-D80811E522B6}"/>
               </a:ext>
             </a:extLst>
           </p:cNvPr>
@@ -25268,13 +25017,6 @@
     <a:masterClrMapping/>
   </p:clrMapOvr>
   <p:transition spd="med"/>
-  <p:timing>
-    <p:tnLst>
-      <p:par>
-        <p:cTn id="1" dur="indefinite" restart="never" nodeType="tmRoot"/>
-      </p:par>
-    </p:tnLst>
-  </p:timing>
 </p:sld>
 </file>
 
@@ -25324,7 +25066,7 @@
               </a:buClr>
             </a:pPr>
             <a:r>
-              <a:rPr lang="en-US" sz="3200" dirty="0" smtClean="0">
+              <a:rPr lang="en-US" sz="3200" dirty="0">
                 <a:solidFill>
                   <a:srgbClr val="351C35"/>
                 </a:solidFill>
@@ -25345,30 +25087,16 @@
                 </a:solidFill>
                 <a:hlinkClick r:id="rId3"/>
               </a:rPr>
-              <a:t>https://</a:t>
-            </a:r>
-            <a:r>
-              <a:rPr lang="en-US" sz="3200" dirty="0" smtClean="0">
-                <a:solidFill>
-                  <a:srgbClr val="351C35"/>
-                </a:solidFill>
-                <a:hlinkClick r:id="rId3"/>
-              </a:rPr>
-              <a:t>github.com/GHC2018-BuildingServerlessApps/GHCSessionsScheduler</a:t>
-            </a:r>
-            <a:r>
-              <a:rPr lang="en-US" sz="3200" dirty="0" smtClean="0">
+              <a:t>https://github.com/GHC2018-BuildingServerlessApps/GHCSessionsScheduler</a:t>
+            </a:r>
+            <a:r>
+              <a:rPr lang="en-US" sz="3200" dirty="0">
                 <a:solidFill>
                   <a:srgbClr val="351C35"/>
                 </a:solidFill>
               </a:rPr>
               <a:t> </a:t>
             </a:r>
-            <a:endParaRPr lang="en-US" sz="3200" dirty="0">
-              <a:solidFill>
-                <a:srgbClr val="351C35"/>
-              </a:solidFill>
-            </a:endParaRPr>
           </a:p>
         </p:txBody>
       </p:sp>
@@ -25392,7 +25120,7 @@
           </a:prstGeom>
           <a:extLst>
             <a:ext uri="{C572A759-6A51-4108-AA02-DFA0A04FC94B}">
-              <ma14:wrappingTextBoxFlag xmlns="" xmlns:ma14="http://schemas.microsoft.com/office/mac/drawingml/2011/main" val="1"/>
+              <ma14:wrappingTextBoxFlag xmlns:ma14="http://schemas.microsoft.com/office/mac/drawingml/2011/main" xmlns="" val="1"/>
             </a:ext>
           </a:extLst>
         </p:spPr>
@@ -25412,7 +25140,7 @@
           <p:cNvPr id="8" name="Text Placeholder 7">
             <a:extLst>
               <a:ext uri="{FF2B5EF4-FFF2-40B4-BE49-F238E27FC236}">
-                <a16:creationId xmlns:a16="http://schemas.microsoft.com/office/drawing/2014/main" xmlns="" id="{38436E23-043D-3D49-9FA8-D80811E522B6}"/>
+                <a16:creationId xmlns:a16="http://schemas.microsoft.com/office/drawing/2014/main" id="{38436E23-043D-3D49-9FA8-D80811E522B6}"/>
               </a:ext>
             </a:extLst>
           </p:cNvPr>
@@ -25480,13 +25208,6 @@
     <a:masterClrMapping/>
   </p:clrMapOvr>
   <p:transition spd="med"/>
-  <p:timing>
-    <p:tnLst>
-      <p:par>
-        <p:cTn id="1" dur="indefinite" restart="never" nodeType="tmRoot"/>
-      </p:par>
-    </p:tnLst>
-  </p:timing>
 </p:sld>
 </file>
 
@@ -25527,7 +25248,7 @@
           </a:prstGeom>
           <a:extLst>
             <a:ext uri="{C572A759-6A51-4108-AA02-DFA0A04FC94B}">
-              <ma14:wrappingTextBoxFlag xmlns="" xmlns:ma14="http://schemas.microsoft.com/office/mac/drawingml/2011/main" val="1"/>
+              <ma14:wrappingTextBoxFlag xmlns:ma14="http://schemas.microsoft.com/office/mac/drawingml/2011/main" xmlns="" val="1"/>
             </a:ext>
           </a:extLst>
         </p:spPr>
@@ -25547,7 +25268,7 @@
           <p:cNvPr id="8" name="Text Placeholder 7">
             <a:extLst>
               <a:ext uri="{FF2B5EF4-FFF2-40B4-BE49-F238E27FC236}">
-                <a16:creationId xmlns:a16="http://schemas.microsoft.com/office/drawing/2014/main" xmlns="" id="{38436E23-043D-3D49-9FA8-D80811E522B6}"/>
+                <a16:creationId xmlns:a16="http://schemas.microsoft.com/office/drawing/2014/main" id="{38436E23-043D-3D49-9FA8-D80811E522B6}"/>
               </a:ext>
             </a:extLst>
           </p:cNvPr>
@@ -25775,13 +25496,6 @@
     <a:masterClrMapping/>
   </p:clrMapOvr>
   <p:transition spd="med"/>
-  <p:timing>
-    <p:tnLst>
-      <p:par>
-        <p:cTn id="1" dur="indefinite" restart="never" nodeType="tmRoot"/>
-      </p:par>
-    </p:tnLst>
-  </p:timing>
 </p:sld>
 </file>
 
@@ -25807,7 +25521,7 @@
           <p:cNvPr id="21" name="Text Placeholder 20">
             <a:extLst>
               <a:ext uri="{FF2B5EF4-FFF2-40B4-BE49-F238E27FC236}">
-                <a16:creationId xmlns:a16="http://schemas.microsoft.com/office/drawing/2014/main" xmlns="" id="{0379B90F-E620-954C-B23F-BC450C4C822B}"/>
+                <a16:creationId xmlns:a16="http://schemas.microsoft.com/office/drawing/2014/main" id="{0379B90F-E620-954C-B23F-BC450C4C822B}"/>
               </a:ext>
             </a:extLst>
           </p:cNvPr>
@@ -25835,7 +25549,7 @@
           <p:cNvPr id="22" name="Text Placeholder 21">
             <a:extLst>
               <a:ext uri="{FF2B5EF4-FFF2-40B4-BE49-F238E27FC236}">
-                <a16:creationId xmlns:a16="http://schemas.microsoft.com/office/drawing/2014/main" xmlns="" id="{1CE7A83D-609C-5541-A75B-A5C83E9876F8}"/>
+                <a16:creationId xmlns:a16="http://schemas.microsoft.com/office/drawing/2014/main" id="{1CE7A83D-609C-5541-A75B-A5C83E9876F8}"/>
               </a:ext>
             </a:extLst>
           </p:cNvPr>
@@ -25864,7 +25578,7 @@
           <p:cNvPr id="24" name="Text Placeholder 23">
             <a:extLst>
               <a:ext uri="{FF2B5EF4-FFF2-40B4-BE49-F238E27FC236}">
-                <a16:creationId xmlns:a16="http://schemas.microsoft.com/office/drawing/2014/main" xmlns="" id="{A355D0A7-5044-D048-9404-B005C04CAC4F}"/>
+                <a16:creationId xmlns:a16="http://schemas.microsoft.com/office/drawing/2014/main" id="{A355D0A7-5044-D048-9404-B005C04CAC4F}"/>
               </a:ext>
             </a:extLst>
           </p:cNvPr>
@@ -25892,7 +25606,7 @@
           <p:cNvPr id="25" name="Text Placeholder 24">
             <a:extLst>
               <a:ext uri="{FF2B5EF4-FFF2-40B4-BE49-F238E27FC236}">
-                <a16:creationId xmlns:a16="http://schemas.microsoft.com/office/drawing/2014/main" xmlns="" id="{7C150426-A4B5-A344-BB7F-D1206E56CC0C}"/>
+                <a16:creationId xmlns:a16="http://schemas.microsoft.com/office/drawing/2014/main" id="{7C150426-A4B5-A344-BB7F-D1206E56CC0C}"/>
               </a:ext>
             </a:extLst>
           </p:cNvPr>
@@ -25921,7 +25635,7 @@
           <p:cNvPr id="30" name="welcome message">
             <a:extLst>
               <a:ext uri="{FF2B5EF4-FFF2-40B4-BE49-F238E27FC236}">
-                <a16:creationId xmlns:a16="http://schemas.microsoft.com/office/drawing/2014/main" xmlns="" id="{D5F01A02-A2C7-AA4F-9C29-A25FC1E83F4B}"/>
+                <a16:creationId xmlns:a16="http://schemas.microsoft.com/office/drawing/2014/main" id="{D5F01A02-A2C7-AA4F-9C29-A25FC1E83F4B}"/>
               </a:ext>
             </a:extLst>
           </p:cNvPr>
@@ -26224,7 +25938,7 @@
           <p:cNvPr id="16" name="Picture 15">
             <a:extLst>
               <a:ext uri="{FF2B5EF4-FFF2-40B4-BE49-F238E27FC236}">
-                <a16:creationId xmlns:a16="http://schemas.microsoft.com/office/drawing/2014/main" xmlns="" id="{E97AB992-2FB7-D243-B66B-7AB89571C400}"/>
+                <a16:creationId xmlns:a16="http://schemas.microsoft.com/office/drawing/2014/main" id="{E97AB992-2FB7-D243-B66B-7AB89571C400}"/>
               </a:ext>
             </a:extLst>
           </p:cNvPr>
@@ -26260,7 +25974,7 @@
           <p:cNvPr id="4" name="Picture 3">
             <a:extLst>
               <a:ext uri="{FF2B5EF4-FFF2-40B4-BE49-F238E27FC236}">
-                <a16:creationId xmlns:a16="http://schemas.microsoft.com/office/drawing/2014/main" xmlns="" id="{A950A507-125F-0948-8913-59D56AD8FD72}"/>
+                <a16:creationId xmlns:a16="http://schemas.microsoft.com/office/drawing/2014/main" id="{A950A507-125F-0948-8913-59D56AD8FD72}"/>
               </a:ext>
             </a:extLst>
           </p:cNvPr>
@@ -26302,13 +26016,6 @@
     <a:masterClrMapping/>
   </p:clrMapOvr>
   <p:transition spd="med"/>
-  <p:timing>
-    <p:tnLst>
-      <p:par>
-        <p:cTn id="1" dur="indefinite" restart="never" nodeType="tmRoot"/>
-      </p:par>
-    </p:tnLst>
-  </p:timing>
 </p:sld>
 </file>
 
@@ -26349,7 +26056,7 @@
           </a:prstGeom>
           <a:extLst>
             <a:ext uri="{C572A759-6A51-4108-AA02-DFA0A04FC94B}">
-              <ma14:wrappingTextBoxFlag xmlns="" xmlns:ma14="http://schemas.microsoft.com/office/mac/drawingml/2011/main" val="1"/>
+              <ma14:wrappingTextBoxFlag xmlns:ma14="http://schemas.microsoft.com/office/mac/drawingml/2011/main" xmlns="" val="1"/>
             </a:ext>
           </a:extLst>
         </p:spPr>
@@ -26369,7 +26076,7 @@
           <p:cNvPr id="8" name="Text Placeholder 7">
             <a:extLst>
               <a:ext uri="{FF2B5EF4-FFF2-40B4-BE49-F238E27FC236}">
-                <a16:creationId xmlns:a16="http://schemas.microsoft.com/office/drawing/2014/main" xmlns="" id="{38436E23-043D-3D49-9FA8-D80811E522B6}"/>
+                <a16:creationId xmlns:a16="http://schemas.microsoft.com/office/drawing/2014/main" id="{38436E23-043D-3D49-9FA8-D80811E522B6}"/>
               </a:ext>
             </a:extLst>
           </p:cNvPr>
@@ -26491,13 +26198,6 @@
     <a:masterClrMapping/>
   </p:clrMapOvr>
   <p:transition spd="med"/>
-  <p:timing>
-    <p:tnLst>
-      <p:par>
-        <p:cTn id="1" dur="indefinite" restart="never" nodeType="tmRoot"/>
-      </p:par>
-    </p:tnLst>
-  </p:timing>
 </p:sld>
 </file>
 
@@ -26538,7 +26238,7 @@
           </a:prstGeom>
           <a:extLst>
             <a:ext uri="{C572A759-6A51-4108-AA02-DFA0A04FC94B}">
-              <ma14:wrappingTextBoxFlag xmlns="" xmlns:ma14="http://schemas.microsoft.com/office/mac/drawingml/2011/main" val="1"/>
+              <ma14:wrappingTextBoxFlag xmlns:ma14="http://schemas.microsoft.com/office/mac/drawingml/2011/main" xmlns="" val="1"/>
             </a:ext>
           </a:extLst>
         </p:spPr>
@@ -26558,7 +26258,7 @@
           <p:cNvPr id="8" name="Text Placeholder 7">
             <a:extLst>
               <a:ext uri="{FF2B5EF4-FFF2-40B4-BE49-F238E27FC236}">
-                <a16:creationId xmlns:a16="http://schemas.microsoft.com/office/drawing/2014/main" xmlns="" id="{38436E23-043D-3D49-9FA8-D80811E522B6}"/>
+                <a16:creationId xmlns:a16="http://schemas.microsoft.com/office/drawing/2014/main" id="{38436E23-043D-3D49-9FA8-D80811E522B6}"/>
               </a:ext>
             </a:extLst>
           </p:cNvPr>
@@ -26680,13 +26380,6 @@
     <a:masterClrMapping/>
   </p:clrMapOvr>
   <p:transition spd="med"/>
-  <p:timing>
-    <p:tnLst>
-      <p:par>
-        <p:cTn id="1" dur="indefinite" restart="never" nodeType="tmRoot"/>
-      </p:par>
-    </p:tnLst>
-  </p:timing>
 </p:sld>
 </file>
 
@@ -26727,7 +26420,7 @@
           </a:prstGeom>
           <a:extLst>
             <a:ext uri="{C572A759-6A51-4108-AA02-DFA0A04FC94B}">
-              <ma14:wrappingTextBoxFlag xmlns="" xmlns:ma14="http://schemas.microsoft.com/office/mac/drawingml/2011/main" val="1"/>
+              <ma14:wrappingTextBoxFlag xmlns:ma14="http://schemas.microsoft.com/office/mac/drawingml/2011/main" xmlns="" val="1"/>
             </a:ext>
           </a:extLst>
         </p:spPr>
@@ -26747,7 +26440,7 @@
           <p:cNvPr id="8" name="Text Placeholder 7">
             <a:extLst>
               <a:ext uri="{FF2B5EF4-FFF2-40B4-BE49-F238E27FC236}">
-                <a16:creationId xmlns:a16="http://schemas.microsoft.com/office/drawing/2014/main" xmlns="" id="{38436E23-043D-3D49-9FA8-D80811E522B6}"/>
+                <a16:creationId xmlns:a16="http://schemas.microsoft.com/office/drawing/2014/main" id="{38436E23-043D-3D49-9FA8-D80811E522B6}"/>
               </a:ext>
             </a:extLst>
           </p:cNvPr>
@@ -26981,13 +26674,6 @@
     <a:masterClrMapping/>
   </p:clrMapOvr>
   <p:transition spd="med"/>
-  <p:timing>
-    <p:tnLst>
-      <p:par>
-        <p:cTn id="1" dur="indefinite" restart="never" nodeType="tmRoot"/>
-      </p:par>
-    </p:tnLst>
-  </p:timing>
 </p:sld>
 </file>
 
@@ -27028,7 +26714,7 @@
           </a:prstGeom>
           <a:extLst>
             <a:ext uri="{C572A759-6A51-4108-AA02-DFA0A04FC94B}">
-              <ma14:wrappingTextBoxFlag xmlns="" xmlns:ma14="http://schemas.microsoft.com/office/mac/drawingml/2011/main" val="1"/>
+              <ma14:wrappingTextBoxFlag xmlns:ma14="http://schemas.microsoft.com/office/mac/drawingml/2011/main" xmlns="" val="1"/>
             </a:ext>
           </a:extLst>
         </p:spPr>
@@ -27048,7 +26734,7 @@
           <p:cNvPr id="8" name="Text Placeholder 7">
             <a:extLst>
               <a:ext uri="{FF2B5EF4-FFF2-40B4-BE49-F238E27FC236}">
-                <a16:creationId xmlns:a16="http://schemas.microsoft.com/office/drawing/2014/main" xmlns="" id="{38436E23-043D-3D49-9FA8-D80811E522B6}"/>
+                <a16:creationId xmlns:a16="http://schemas.microsoft.com/office/drawing/2014/main" id="{38436E23-043D-3D49-9FA8-D80811E522B6}"/>
               </a:ext>
             </a:extLst>
           </p:cNvPr>
@@ -27110,7 +26796,7 @@
           <p:cNvPr id="11" name="Picture 10">
             <a:extLst>
               <a:ext uri="{FF2B5EF4-FFF2-40B4-BE49-F238E27FC236}">
-                <a16:creationId xmlns:a16="http://schemas.microsoft.com/office/drawing/2014/main" xmlns="" id="{9D34B039-132C-6D46-9A44-C0F1AAA13C50}"/>
+                <a16:creationId xmlns:a16="http://schemas.microsoft.com/office/drawing/2014/main" id="{9D34B039-132C-6D46-9A44-C0F1AAA13C50}"/>
               </a:ext>
             </a:extLst>
           </p:cNvPr>
@@ -27146,7 +26832,7 @@
           <p:cNvPr id="12" name="TextBox 11">
             <a:extLst>
               <a:ext uri="{FF2B5EF4-FFF2-40B4-BE49-F238E27FC236}">
-                <a16:creationId xmlns:a16="http://schemas.microsoft.com/office/drawing/2014/main" xmlns="" id="{0D9474C7-54C0-B54A-9540-B83A4CE3B71B}"/>
+                <a16:creationId xmlns:a16="http://schemas.microsoft.com/office/drawing/2014/main" id="{0D9474C7-54C0-B54A-9540-B83A4CE3B71B}"/>
               </a:ext>
             </a:extLst>
           </p:cNvPr>
@@ -27185,7 +26871,7 @@
           <p:cNvPr id="13" name="Picture 12">
             <a:extLst>
               <a:ext uri="{FF2B5EF4-FFF2-40B4-BE49-F238E27FC236}">
-                <a16:creationId xmlns:a16="http://schemas.microsoft.com/office/drawing/2014/main" xmlns="" id="{BE952E1E-4CA4-F640-9BBD-53DB76DFFC4F}"/>
+                <a16:creationId xmlns:a16="http://schemas.microsoft.com/office/drawing/2014/main" id="{BE952E1E-4CA4-F640-9BBD-53DB76DFFC4F}"/>
               </a:ext>
             </a:extLst>
           </p:cNvPr>
@@ -27221,7 +26907,7 @@
           <p:cNvPr id="14" name="TextBox 13">
             <a:extLst>
               <a:ext uri="{FF2B5EF4-FFF2-40B4-BE49-F238E27FC236}">
-                <a16:creationId xmlns:a16="http://schemas.microsoft.com/office/drawing/2014/main" xmlns="" id="{35EFDB07-230F-8C4C-BFD3-80F13A045ACE}"/>
+                <a16:creationId xmlns:a16="http://schemas.microsoft.com/office/drawing/2014/main" id="{35EFDB07-230F-8C4C-BFD3-80F13A045ACE}"/>
               </a:ext>
             </a:extLst>
           </p:cNvPr>
@@ -27260,7 +26946,7 @@
           <p:cNvPr id="31" name="Straight Connector 30">
             <a:extLst>
               <a:ext uri="{FF2B5EF4-FFF2-40B4-BE49-F238E27FC236}">
-                <a16:creationId xmlns:a16="http://schemas.microsoft.com/office/drawing/2014/main" xmlns="" id="{351E654F-0849-D640-A5D1-39BA8E1B6634}"/>
+                <a16:creationId xmlns:a16="http://schemas.microsoft.com/office/drawing/2014/main" id="{351E654F-0849-D640-A5D1-39BA8E1B6634}"/>
               </a:ext>
             </a:extLst>
           </p:cNvPr>
@@ -27304,7 +26990,7 @@
           <p:cNvPr id="33" name="Straight Connector 32">
             <a:extLst>
               <a:ext uri="{FF2B5EF4-FFF2-40B4-BE49-F238E27FC236}">
-                <a16:creationId xmlns:a16="http://schemas.microsoft.com/office/drawing/2014/main" xmlns="" id="{5F00015F-DD6E-AC45-91BA-2A68B3C41A01}"/>
+                <a16:creationId xmlns:a16="http://schemas.microsoft.com/office/drawing/2014/main" id="{5F00015F-DD6E-AC45-91BA-2A68B3C41A01}"/>
               </a:ext>
             </a:extLst>
           </p:cNvPr>
@@ -27348,7 +27034,7 @@
           <p:cNvPr id="44" name="TextBox 43">
             <a:extLst>
               <a:ext uri="{FF2B5EF4-FFF2-40B4-BE49-F238E27FC236}">
-                <a16:creationId xmlns:a16="http://schemas.microsoft.com/office/drawing/2014/main" xmlns="" id="{AE349F04-4F9F-9443-91F7-AF0E10881681}"/>
+                <a16:creationId xmlns:a16="http://schemas.microsoft.com/office/drawing/2014/main" id="{AE349F04-4F9F-9443-91F7-AF0E10881681}"/>
               </a:ext>
             </a:extLst>
           </p:cNvPr>
@@ -27469,7 +27155,7 @@
                             </p:stCondLst>
                             <p:childTnLst>
                               <p:par>
-                                <p:cTn id="5" presetID="1" presetClass="entr" presetSubtype="0" fill="hold" grpId="0" nodeType="clickEffect">
+                                <p:cTn id="5" presetID="1" presetClass="entr" presetSubtype="0" fill="hold" nodeType="clickEffect">
                                   <p:stCondLst>
                                     <p:cond delay="0"/>
                                   </p:stCondLst>
@@ -27477,6 +27163,51 @@
                                     <p:set>
                                       <p:cBhvr>
                                         <p:cTn id="6" dur="1" fill="hold">
+                                          <p:stCondLst>
+                                            <p:cond delay="0"/>
+                                          </p:stCondLst>
+                                        </p:cTn>
+                                        <p:tgtEl>
+                                          <p:spTgt spid="1026"/>
+                                        </p:tgtEl>
+                                        <p:attrNameLst>
+                                          <p:attrName>style.visibility</p:attrName>
+                                        </p:attrNameLst>
+                                      </p:cBhvr>
+                                      <p:to>
+                                        <p:strVal val="visible"/>
+                                      </p:to>
+                                    </p:set>
+                                  </p:childTnLst>
+                                </p:cTn>
+                              </p:par>
+                            </p:childTnLst>
+                          </p:cTn>
+                        </p:par>
+                      </p:childTnLst>
+                    </p:cTn>
+                  </p:par>
+                  <p:par>
+                    <p:cTn id="7" fill="hold">
+                      <p:stCondLst>
+                        <p:cond delay="indefinite"/>
+                      </p:stCondLst>
+                      <p:childTnLst>
+                        <p:par>
+                          <p:cTn id="8" fill="hold">
+                            <p:stCondLst>
+                              <p:cond delay="0"/>
+                            </p:stCondLst>
+                            <p:childTnLst>
+                              <p:par>
+                                <p:cTn id="9" presetID="1" presetClass="entr" presetSubtype="0" fill="hold" grpId="0" nodeType="clickEffect">
+                                  <p:stCondLst>
+                                    <p:cond delay="0"/>
+                                  </p:stCondLst>
+                                  <p:childTnLst>
+                                    <p:set>
+                                      <p:cBhvr>
+                                        <p:cTn id="10" dur="1" fill="hold">
                                           <p:stCondLst>
                                             <p:cond delay="0"/>
                                           </p:stCondLst>
@@ -27496,14 +27227,14 @@
                                 </p:cTn>
                               </p:par>
                               <p:par>
-                                <p:cTn id="7" presetID="1" presetClass="entr" presetSubtype="0" fill="hold" nodeType="withEffect">
+                                <p:cTn id="11" presetID="1" presetClass="entr" presetSubtype="0" fill="hold" nodeType="withEffect">
                                   <p:stCondLst>
                                     <p:cond delay="0"/>
                                   </p:stCondLst>
                                   <p:childTnLst>
                                     <p:set>
                                       <p:cBhvr>
-                                        <p:cTn id="8" dur="1" fill="hold">
+                                        <p:cTn id="12" dur="1" fill="hold">
                                           <p:stCondLst>
                                             <p:cond delay="0"/>
                                           </p:stCondLst>
@@ -27593,7 +27324,7 @@
           </a:prstGeom>
           <a:extLst>
             <a:ext uri="{C572A759-6A51-4108-AA02-DFA0A04FC94B}">
-              <ma14:wrappingTextBoxFlag xmlns="" xmlns:ma14="http://schemas.microsoft.com/office/mac/drawingml/2011/main" val="1"/>
+              <ma14:wrappingTextBoxFlag xmlns:ma14="http://schemas.microsoft.com/office/mac/drawingml/2011/main" xmlns="" val="1"/>
             </a:ext>
           </a:extLst>
         </p:spPr>
@@ -27613,7 +27344,7 @@
           <p:cNvPr id="8" name="Text Placeholder 7">
             <a:extLst>
               <a:ext uri="{FF2B5EF4-FFF2-40B4-BE49-F238E27FC236}">
-                <a16:creationId xmlns:a16="http://schemas.microsoft.com/office/drawing/2014/main" xmlns="" id="{38436E23-043D-3D49-9FA8-D80811E522B6}"/>
+                <a16:creationId xmlns:a16="http://schemas.microsoft.com/office/drawing/2014/main" id="{38436E23-043D-3D49-9FA8-D80811E522B6}"/>
               </a:ext>
             </a:extLst>
           </p:cNvPr>
@@ -27675,7 +27406,7 @@
           <p:cNvPr id="9" name="Picture 8">
             <a:extLst>
               <a:ext uri="{FF2B5EF4-FFF2-40B4-BE49-F238E27FC236}">
-                <a16:creationId xmlns:a16="http://schemas.microsoft.com/office/drawing/2014/main" xmlns="" id="{D163140C-1F8A-5D4F-877D-07594E04BBB1}"/>
+                <a16:creationId xmlns:a16="http://schemas.microsoft.com/office/drawing/2014/main" id="{D163140C-1F8A-5D4F-877D-07594E04BBB1}"/>
               </a:ext>
             </a:extLst>
           </p:cNvPr>
@@ -27711,7 +27442,7 @@
           <p:cNvPr id="10" name="TextBox 9">
             <a:extLst>
               <a:ext uri="{FF2B5EF4-FFF2-40B4-BE49-F238E27FC236}">
-                <a16:creationId xmlns:a16="http://schemas.microsoft.com/office/drawing/2014/main" xmlns="" id="{DF126B8C-F447-9C4B-BD5E-550B915872E0}"/>
+                <a16:creationId xmlns:a16="http://schemas.microsoft.com/office/drawing/2014/main" id="{DF126B8C-F447-9C4B-BD5E-550B915872E0}"/>
               </a:ext>
             </a:extLst>
           </p:cNvPr>
@@ -27754,7 +27485,7 @@
           <p:cNvPr id="11" name="Picture 10">
             <a:extLst>
               <a:ext uri="{FF2B5EF4-FFF2-40B4-BE49-F238E27FC236}">
-                <a16:creationId xmlns:a16="http://schemas.microsoft.com/office/drawing/2014/main" xmlns="" id="{9D34B039-132C-6D46-9A44-C0F1AAA13C50}"/>
+                <a16:creationId xmlns:a16="http://schemas.microsoft.com/office/drawing/2014/main" id="{9D34B039-132C-6D46-9A44-C0F1AAA13C50}"/>
               </a:ext>
             </a:extLst>
           </p:cNvPr>
@@ -27790,7 +27521,7 @@
           <p:cNvPr id="12" name="TextBox 11">
             <a:extLst>
               <a:ext uri="{FF2B5EF4-FFF2-40B4-BE49-F238E27FC236}">
-                <a16:creationId xmlns:a16="http://schemas.microsoft.com/office/drawing/2014/main" xmlns="" id="{0D9474C7-54C0-B54A-9540-B83A4CE3B71B}"/>
+                <a16:creationId xmlns:a16="http://schemas.microsoft.com/office/drawing/2014/main" id="{0D9474C7-54C0-B54A-9540-B83A4CE3B71B}"/>
               </a:ext>
             </a:extLst>
           </p:cNvPr>
@@ -27829,7 +27560,7 @@
           <p:cNvPr id="13" name="Picture 12">
             <a:extLst>
               <a:ext uri="{FF2B5EF4-FFF2-40B4-BE49-F238E27FC236}">
-                <a16:creationId xmlns:a16="http://schemas.microsoft.com/office/drawing/2014/main" xmlns="" id="{BE952E1E-4CA4-F640-9BBD-53DB76DFFC4F}"/>
+                <a16:creationId xmlns:a16="http://schemas.microsoft.com/office/drawing/2014/main" id="{BE952E1E-4CA4-F640-9BBD-53DB76DFFC4F}"/>
               </a:ext>
             </a:extLst>
           </p:cNvPr>
@@ -27865,7 +27596,7 @@
           <p:cNvPr id="14" name="TextBox 13">
             <a:extLst>
               <a:ext uri="{FF2B5EF4-FFF2-40B4-BE49-F238E27FC236}">
-                <a16:creationId xmlns:a16="http://schemas.microsoft.com/office/drawing/2014/main" xmlns="" id="{35EFDB07-230F-8C4C-BFD3-80F13A045ACE}"/>
+                <a16:creationId xmlns:a16="http://schemas.microsoft.com/office/drawing/2014/main" id="{35EFDB07-230F-8C4C-BFD3-80F13A045ACE}"/>
               </a:ext>
             </a:extLst>
           </p:cNvPr>
@@ -27904,7 +27635,7 @@
           <p:cNvPr id="31" name="Straight Connector 30">
             <a:extLst>
               <a:ext uri="{FF2B5EF4-FFF2-40B4-BE49-F238E27FC236}">
-                <a16:creationId xmlns:a16="http://schemas.microsoft.com/office/drawing/2014/main" xmlns="" id="{351E654F-0849-D640-A5D1-39BA8E1B6634}"/>
+                <a16:creationId xmlns:a16="http://schemas.microsoft.com/office/drawing/2014/main" id="{351E654F-0849-D640-A5D1-39BA8E1B6634}"/>
               </a:ext>
             </a:extLst>
           </p:cNvPr>
@@ -27948,7 +27679,7 @@
           <p:cNvPr id="33" name="Straight Connector 32">
             <a:extLst>
               <a:ext uri="{FF2B5EF4-FFF2-40B4-BE49-F238E27FC236}">
-                <a16:creationId xmlns:a16="http://schemas.microsoft.com/office/drawing/2014/main" xmlns="" id="{5F00015F-DD6E-AC45-91BA-2A68B3C41A01}"/>
+                <a16:creationId xmlns:a16="http://schemas.microsoft.com/office/drawing/2014/main" id="{5F00015F-DD6E-AC45-91BA-2A68B3C41A01}"/>
               </a:ext>
             </a:extLst>
           </p:cNvPr>
@@ -27992,7 +27723,7 @@
           <p:cNvPr id="44" name="TextBox 43">
             <a:extLst>
               <a:ext uri="{FF2B5EF4-FFF2-40B4-BE49-F238E27FC236}">
-                <a16:creationId xmlns:a16="http://schemas.microsoft.com/office/drawing/2014/main" xmlns="" id="{AE349F04-4F9F-9443-91F7-AF0E10881681}"/>
+                <a16:creationId xmlns:a16="http://schemas.microsoft.com/office/drawing/2014/main" id="{AE349F04-4F9F-9443-91F7-AF0E10881681}"/>
               </a:ext>
             </a:extLst>
           </p:cNvPr>
@@ -28038,13 +27769,6 @@
     <a:masterClrMapping/>
   </p:clrMapOvr>
   <p:transition spd="med"/>
-  <p:timing>
-    <p:tnLst>
-      <p:par>
-        <p:cTn id="1" dur="indefinite" restart="never" nodeType="tmRoot"/>
-      </p:par>
-    </p:tnLst>
-  </p:timing>
 </p:sld>
 </file>
 
@@ -28085,7 +27809,7 @@
           </a:prstGeom>
           <a:extLst>
             <a:ext uri="{C572A759-6A51-4108-AA02-DFA0A04FC94B}">
-              <ma14:wrappingTextBoxFlag xmlns="" xmlns:ma14="http://schemas.microsoft.com/office/mac/drawingml/2011/main" val="1"/>
+              <ma14:wrappingTextBoxFlag xmlns:ma14="http://schemas.microsoft.com/office/mac/drawingml/2011/main" xmlns="" val="1"/>
             </a:ext>
           </a:extLst>
         </p:spPr>
@@ -28105,7 +27829,7 @@
           <p:cNvPr id="8" name="Text Placeholder 7">
             <a:extLst>
               <a:ext uri="{FF2B5EF4-FFF2-40B4-BE49-F238E27FC236}">
-                <a16:creationId xmlns:a16="http://schemas.microsoft.com/office/drawing/2014/main" xmlns="" id="{38436E23-043D-3D49-9FA8-D80811E522B6}"/>
+                <a16:creationId xmlns:a16="http://schemas.microsoft.com/office/drawing/2014/main" id="{38436E23-043D-3D49-9FA8-D80811E522B6}"/>
               </a:ext>
             </a:extLst>
           </p:cNvPr>
@@ -28166,7 +27890,7 @@
           <p:cNvPr id="9" name="Picture 8">
             <a:extLst>
               <a:ext uri="{FF2B5EF4-FFF2-40B4-BE49-F238E27FC236}">
-                <a16:creationId xmlns:a16="http://schemas.microsoft.com/office/drawing/2014/main" xmlns="" id="{D163140C-1F8A-5D4F-877D-07594E04BBB1}"/>
+                <a16:creationId xmlns:a16="http://schemas.microsoft.com/office/drawing/2014/main" id="{D163140C-1F8A-5D4F-877D-07594E04BBB1}"/>
               </a:ext>
             </a:extLst>
           </p:cNvPr>
@@ -28202,7 +27926,7 @@
           <p:cNvPr id="10" name="TextBox 9">
             <a:extLst>
               <a:ext uri="{FF2B5EF4-FFF2-40B4-BE49-F238E27FC236}">
-                <a16:creationId xmlns:a16="http://schemas.microsoft.com/office/drawing/2014/main" xmlns="" id="{DF126B8C-F447-9C4B-BD5E-550B915872E0}"/>
+                <a16:creationId xmlns:a16="http://schemas.microsoft.com/office/drawing/2014/main" id="{DF126B8C-F447-9C4B-BD5E-550B915872E0}"/>
               </a:ext>
             </a:extLst>
           </p:cNvPr>
@@ -28245,7 +27969,7 @@
           <p:cNvPr id="11" name="Picture 10">
             <a:extLst>
               <a:ext uri="{FF2B5EF4-FFF2-40B4-BE49-F238E27FC236}">
-                <a16:creationId xmlns:a16="http://schemas.microsoft.com/office/drawing/2014/main" xmlns="" id="{9D34B039-132C-6D46-9A44-C0F1AAA13C50}"/>
+                <a16:creationId xmlns:a16="http://schemas.microsoft.com/office/drawing/2014/main" id="{9D34B039-132C-6D46-9A44-C0F1AAA13C50}"/>
               </a:ext>
             </a:extLst>
           </p:cNvPr>
@@ -28281,7 +28005,7 @@
           <p:cNvPr id="12" name="TextBox 11">
             <a:extLst>
               <a:ext uri="{FF2B5EF4-FFF2-40B4-BE49-F238E27FC236}">
-                <a16:creationId xmlns:a16="http://schemas.microsoft.com/office/drawing/2014/main" xmlns="" id="{0D9474C7-54C0-B54A-9540-B83A4CE3B71B}"/>
+                <a16:creationId xmlns:a16="http://schemas.microsoft.com/office/drawing/2014/main" id="{0D9474C7-54C0-B54A-9540-B83A4CE3B71B}"/>
               </a:ext>
             </a:extLst>
           </p:cNvPr>
@@ -28320,7 +28044,7 @@
           <p:cNvPr id="13" name="Picture 12">
             <a:extLst>
               <a:ext uri="{FF2B5EF4-FFF2-40B4-BE49-F238E27FC236}">
-                <a16:creationId xmlns:a16="http://schemas.microsoft.com/office/drawing/2014/main" xmlns="" id="{BE952E1E-4CA4-F640-9BBD-53DB76DFFC4F}"/>
+                <a16:creationId xmlns:a16="http://schemas.microsoft.com/office/drawing/2014/main" id="{BE952E1E-4CA4-F640-9BBD-53DB76DFFC4F}"/>
               </a:ext>
             </a:extLst>
           </p:cNvPr>
@@ -28356,7 +28080,7 @@
           <p:cNvPr id="14" name="TextBox 13">
             <a:extLst>
               <a:ext uri="{FF2B5EF4-FFF2-40B4-BE49-F238E27FC236}">
-                <a16:creationId xmlns:a16="http://schemas.microsoft.com/office/drawing/2014/main" xmlns="" id="{35EFDB07-230F-8C4C-BFD3-80F13A045ACE}"/>
+                <a16:creationId xmlns:a16="http://schemas.microsoft.com/office/drawing/2014/main" id="{35EFDB07-230F-8C4C-BFD3-80F13A045ACE}"/>
               </a:ext>
             </a:extLst>
           </p:cNvPr>
@@ -28395,7 +28119,7 @@
           <p:cNvPr id="25" name="TextBox 24">
             <a:extLst>
               <a:ext uri="{FF2B5EF4-FFF2-40B4-BE49-F238E27FC236}">
-                <a16:creationId xmlns:a16="http://schemas.microsoft.com/office/drawing/2014/main" xmlns="" id="{446D6E44-8DD0-BA47-BA46-5A10BE1B5DE6}"/>
+                <a16:creationId xmlns:a16="http://schemas.microsoft.com/office/drawing/2014/main" id="{446D6E44-8DD0-BA47-BA46-5A10BE1B5DE6}"/>
               </a:ext>
             </a:extLst>
           </p:cNvPr>
@@ -28435,7 +28159,7 @@
           <p:cNvPr id="31" name="Straight Connector 30">
             <a:extLst>
               <a:ext uri="{FF2B5EF4-FFF2-40B4-BE49-F238E27FC236}">
-                <a16:creationId xmlns:a16="http://schemas.microsoft.com/office/drawing/2014/main" xmlns="" id="{351E654F-0849-D640-A5D1-39BA8E1B6634}"/>
+                <a16:creationId xmlns:a16="http://schemas.microsoft.com/office/drawing/2014/main" id="{351E654F-0849-D640-A5D1-39BA8E1B6634}"/>
               </a:ext>
             </a:extLst>
           </p:cNvPr>
@@ -28479,7 +28203,7 @@
           <p:cNvPr id="32" name="Straight Connector 31">
             <a:extLst>
               <a:ext uri="{FF2B5EF4-FFF2-40B4-BE49-F238E27FC236}">
-                <a16:creationId xmlns:a16="http://schemas.microsoft.com/office/drawing/2014/main" xmlns="" id="{37FAB9D5-22BC-1740-9AED-C6175B9058C9}"/>
+                <a16:creationId xmlns:a16="http://schemas.microsoft.com/office/drawing/2014/main" id="{37FAB9D5-22BC-1740-9AED-C6175B9058C9}"/>
               </a:ext>
             </a:extLst>
           </p:cNvPr>
@@ -28525,7 +28249,7 @@
           <p:cNvPr id="33" name="Straight Connector 32">
             <a:extLst>
               <a:ext uri="{FF2B5EF4-FFF2-40B4-BE49-F238E27FC236}">
-                <a16:creationId xmlns:a16="http://schemas.microsoft.com/office/drawing/2014/main" xmlns="" id="{5F00015F-DD6E-AC45-91BA-2A68B3C41A01}"/>
+                <a16:creationId xmlns:a16="http://schemas.microsoft.com/office/drawing/2014/main" id="{5F00015F-DD6E-AC45-91BA-2A68B3C41A01}"/>
               </a:ext>
             </a:extLst>
           </p:cNvPr>
@@ -28569,7 +28293,7 @@
           <p:cNvPr id="34" name="Straight Connector 33">
             <a:extLst>
               <a:ext uri="{FF2B5EF4-FFF2-40B4-BE49-F238E27FC236}">
-                <a16:creationId xmlns:a16="http://schemas.microsoft.com/office/drawing/2014/main" xmlns="" id="{03DFBED5-256D-CA44-804D-FCABBF307FE7}"/>
+                <a16:creationId xmlns:a16="http://schemas.microsoft.com/office/drawing/2014/main" id="{03DFBED5-256D-CA44-804D-FCABBF307FE7}"/>
               </a:ext>
             </a:extLst>
           </p:cNvPr>
@@ -28615,7 +28339,7 @@
           <p:cNvPr id="35" name="Straight Connector 34">
             <a:extLst>
               <a:ext uri="{FF2B5EF4-FFF2-40B4-BE49-F238E27FC236}">
-                <a16:creationId xmlns:a16="http://schemas.microsoft.com/office/drawing/2014/main" xmlns="" id="{93C87B89-AD20-374A-93B6-96F8D8DCA2B2}"/>
+                <a16:creationId xmlns:a16="http://schemas.microsoft.com/office/drawing/2014/main" id="{93C87B89-AD20-374A-93B6-96F8D8DCA2B2}"/>
               </a:ext>
             </a:extLst>
           </p:cNvPr>
@@ -28661,7 +28385,7 @@
           <p:cNvPr id="44" name="TextBox 43">
             <a:extLst>
               <a:ext uri="{FF2B5EF4-FFF2-40B4-BE49-F238E27FC236}">
-                <a16:creationId xmlns:a16="http://schemas.microsoft.com/office/drawing/2014/main" xmlns="" id="{AE349F04-4F9F-9443-91F7-AF0E10881681}"/>
+                <a16:creationId xmlns:a16="http://schemas.microsoft.com/office/drawing/2014/main" id="{AE349F04-4F9F-9443-91F7-AF0E10881681}"/>
               </a:ext>
             </a:extLst>
           </p:cNvPr>
@@ -28707,13 +28431,6 @@
     <a:masterClrMapping/>
   </p:clrMapOvr>
   <p:transition spd="med"/>
-  <p:timing>
-    <p:tnLst>
-      <p:par>
-        <p:cTn id="1" dur="indefinite" restart="never" nodeType="tmRoot"/>
-      </p:par>
-    </p:tnLst>
-  </p:timing>
 </p:sld>
 </file>
 
